--- a/Final Presentation_TEAM VARIANCE 6306.pptx
+++ b/Final Presentation_TEAM VARIANCE 6306.pptx
@@ -9,12 +9,12 @@
     <p:sldId id="258" r:id="rId3"/>
     <p:sldId id="259" r:id="rId4"/>
     <p:sldId id="260" r:id="rId5"/>
-    <p:sldId id="263" r:id="rId6"/>
-    <p:sldId id="261" r:id="rId7"/>
-    <p:sldId id="262" r:id="rId8"/>
-    <p:sldId id="264" r:id="rId9"/>
+    <p:sldId id="266" r:id="rId6"/>
+    <p:sldId id="263" r:id="rId7"/>
+    <p:sldId id="261" r:id="rId8"/>
+    <p:sldId id="262" r:id="rId9"/>
     <p:sldId id="265" r:id="rId10"/>
-    <p:sldId id="266" r:id="rId11"/>
+    <p:sldId id="264" r:id="rId11"/>
   </p:sldIdLst>
   <p:sldSz cx="12192000" cy="6858000"/>
   <p:notesSz cx="6858000" cy="9144000"/>
@@ -138,7 +138,7 @@
           <p:cNvPr id="2" name="Title 1">
             <a:extLst>
               <a:ext uri="{FF2B5EF4-FFF2-40B4-BE49-F238E27FC236}">
-                <a16:creationId xmlns:a16="http://schemas.microsoft.com/office/drawing/2014/main" id="{72C819A5-95C3-4B51-B167-8B422B9E019C}"/>
+                <a16:creationId xmlns:a16="http://schemas.microsoft.com/office/drawing/2014/main" xmlns="" id="{72C819A5-95C3-4B51-B167-8B422B9E019C}"/>
               </a:ext>
             </a:extLst>
           </p:cNvPr>
@@ -175,7 +175,7 @@
           <p:cNvPr id="3" name="Subtitle 2">
             <a:extLst>
               <a:ext uri="{FF2B5EF4-FFF2-40B4-BE49-F238E27FC236}">
-                <a16:creationId xmlns:a16="http://schemas.microsoft.com/office/drawing/2014/main" id="{FFD98652-4FCC-4A5B-8859-56E8A03E3345}"/>
+                <a16:creationId xmlns:a16="http://schemas.microsoft.com/office/drawing/2014/main" xmlns="" id="{FFD98652-4FCC-4A5B-8859-56E8A03E3345}"/>
               </a:ext>
             </a:extLst>
           </p:cNvPr>
@@ -245,7 +245,7 @@
           <p:cNvPr id="4" name="Date Placeholder 3">
             <a:extLst>
               <a:ext uri="{FF2B5EF4-FFF2-40B4-BE49-F238E27FC236}">
-                <a16:creationId xmlns:a16="http://schemas.microsoft.com/office/drawing/2014/main" id="{A6A2B9A0-1BB2-4359-87EE-D07AF60CEF71}"/>
+                <a16:creationId xmlns:a16="http://schemas.microsoft.com/office/drawing/2014/main" xmlns="" id="{A6A2B9A0-1BB2-4359-87EE-D07AF60CEF71}"/>
               </a:ext>
             </a:extLst>
           </p:cNvPr>
@@ -263,7 +263,7 @@
           <a:p>
             <a:fld id="{6B556CE9-838E-4F7B-97ED-B55258AFBF15}" type="datetimeFigureOut">
               <a:rPr lang="en-US" smtClean="0"/>
-              <a:t>6/24/2018</a:t>
+              <a:t>6/26/18</a:t>
             </a:fld>
             <a:endParaRPr lang="en-US"/>
           </a:p>
@@ -274,7 +274,7 @@
           <p:cNvPr id="5" name="Footer Placeholder 4">
             <a:extLst>
               <a:ext uri="{FF2B5EF4-FFF2-40B4-BE49-F238E27FC236}">
-                <a16:creationId xmlns:a16="http://schemas.microsoft.com/office/drawing/2014/main" id="{3E394253-1828-4841-84F8-BC217595A5AE}"/>
+                <a16:creationId xmlns:a16="http://schemas.microsoft.com/office/drawing/2014/main" xmlns="" id="{3E394253-1828-4841-84F8-BC217595A5AE}"/>
               </a:ext>
             </a:extLst>
           </p:cNvPr>
@@ -299,7 +299,7 @@
           <p:cNvPr id="6" name="Slide Number Placeholder 5">
             <a:extLst>
               <a:ext uri="{FF2B5EF4-FFF2-40B4-BE49-F238E27FC236}">
-                <a16:creationId xmlns:a16="http://schemas.microsoft.com/office/drawing/2014/main" id="{3519A9E0-3EF4-4B5D-A832-0C0E72B06DDB}"/>
+                <a16:creationId xmlns:a16="http://schemas.microsoft.com/office/drawing/2014/main" xmlns="" id="{3519A9E0-3EF4-4B5D-A832-0C0E72B06DDB}"/>
               </a:ext>
             </a:extLst>
           </p:cNvPr>
@@ -358,7 +358,7 @@
           <p:cNvPr id="2" name="Title 1">
             <a:extLst>
               <a:ext uri="{FF2B5EF4-FFF2-40B4-BE49-F238E27FC236}">
-                <a16:creationId xmlns:a16="http://schemas.microsoft.com/office/drawing/2014/main" id="{8122B184-8E68-42E2-81CD-3370DA492367}"/>
+                <a16:creationId xmlns:a16="http://schemas.microsoft.com/office/drawing/2014/main" xmlns="" id="{8122B184-8E68-42E2-81CD-3370DA492367}"/>
               </a:ext>
             </a:extLst>
           </p:cNvPr>
@@ -386,7 +386,7 @@
           <p:cNvPr id="3" name="Vertical Text Placeholder 2">
             <a:extLst>
               <a:ext uri="{FF2B5EF4-FFF2-40B4-BE49-F238E27FC236}">
-                <a16:creationId xmlns:a16="http://schemas.microsoft.com/office/drawing/2014/main" id="{90F80966-E265-4278-8C2C-704A6B808BEB}"/>
+                <a16:creationId xmlns:a16="http://schemas.microsoft.com/office/drawing/2014/main" xmlns="" id="{90F80966-E265-4278-8C2C-704A6B808BEB}"/>
               </a:ext>
             </a:extLst>
           </p:cNvPr>
@@ -443,7 +443,7 @@
           <p:cNvPr id="4" name="Date Placeholder 3">
             <a:extLst>
               <a:ext uri="{FF2B5EF4-FFF2-40B4-BE49-F238E27FC236}">
-                <a16:creationId xmlns:a16="http://schemas.microsoft.com/office/drawing/2014/main" id="{BF30A77A-BBA6-438F-8C59-7DADF16CF4C8}"/>
+                <a16:creationId xmlns:a16="http://schemas.microsoft.com/office/drawing/2014/main" xmlns="" id="{BF30A77A-BBA6-438F-8C59-7DADF16CF4C8}"/>
               </a:ext>
             </a:extLst>
           </p:cNvPr>
@@ -461,7 +461,7 @@
           <a:p>
             <a:fld id="{6B556CE9-838E-4F7B-97ED-B55258AFBF15}" type="datetimeFigureOut">
               <a:rPr lang="en-US" smtClean="0"/>
-              <a:t>6/24/2018</a:t>
+              <a:t>6/26/18</a:t>
             </a:fld>
             <a:endParaRPr lang="en-US"/>
           </a:p>
@@ -472,7 +472,7 @@
           <p:cNvPr id="5" name="Footer Placeholder 4">
             <a:extLst>
               <a:ext uri="{FF2B5EF4-FFF2-40B4-BE49-F238E27FC236}">
-                <a16:creationId xmlns:a16="http://schemas.microsoft.com/office/drawing/2014/main" id="{0CC430CE-B981-4258-997F-280E7276EA77}"/>
+                <a16:creationId xmlns:a16="http://schemas.microsoft.com/office/drawing/2014/main" xmlns="" id="{0CC430CE-B981-4258-997F-280E7276EA77}"/>
               </a:ext>
             </a:extLst>
           </p:cNvPr>
@@ -497,7 +497,7 @@
           <p:cNvPr id="6" name="Slide Number Placeholder 5">
             <a:extLst>
               <a:ext uri="{FF2B5EF4-FFF2-40B4-BE49-F238E27FC236}">
-                <a16:creationId xmlns:a16="http://schemas.microsoft.com/office/drawing/2014/main" id="{0BCD37F8-D06B-40FA-BD2C-0285A7C33281}"/>
+                <a16:creationId xmlns:a16="http://schemas.microsoft.com/office/drawing/2014/main" xmlns="" id="{0BCD37F8-D06B-40FA-BD2C-0285A7C33281}"/>
               </a:ext>
             </a:extLst>
           </p:cNvPr>
@@ -556,7 +556,7 @@
           <p:cNvPr id="2" name="Vertical Title 1">
             <a:extLst>
               <a:ext uri="{FF2B5EF4-FFF2-40B4-BE49-F238E27FC236}">
-                <a16:creationId xmlns:a16="http://schemas.microsoft.com/office/drawing/2014/main" id="{D17F9A50-88B3-4455-B455-DC2BD1D13729}"/>
+                <a16:creationId xmlns:a16="http://schemas.microsoft.com/office/drawing/2014/main" xmlns="" id="{D17F9A50-88B3-4455-B455-DC2BD1D13729}"/>
               </a:ext>
             </a:extLst>
           </p:cNvPr>
@@ -589,7 +589,7 @@
           <p:cNvPr id="3" name="Vertical Text Placeholder 2">
             <a:extLst>
               <a:ext uri="{FF2B5EF4-FFF2-40B4-BE49-F238E27FC236}">
-                <a16:creationId xmlns:a16="http://schemas.microsoft.com/office/drawing/2014/main" id="{E5C73660-450E-469C-91BC-C80DF9FAD46E}"/>
+                <a16:creationId xmlns:a16="http://schemas.microsoft.com/office/drawing/2014/main" xmlns="" id="{E5C73660-450E-469C-91BC-C80DF9FAD46E}"/>
               </a:ext>
             </a:extLst>
           </p:cNvPr>
@@ -651,7 +651,7 @@
           <p:cNvPr id="4" name="Date Placeholder 3">
             <a:extLst>
               <a:ext uri="{FF2B5EF4-FFF2-40B4-BE49-F238E27FC236}">
-                <a16:creationId xmlns:a16="http://schemas.microsoft.com/office/drawing/2014/main" id="{BC117CBB-08D1-4F78-B437-F82BF249F9C8}"/>
+                <a16:creationId xmlns:a16="http://schemas.microsoft.com/office/drawing/2014/main" xmlns="" id="{BC117CBB-08D1-4F78-B437-F82BF249F9C8}"/>
               </a:ext>
             </a:extLst>
           </p:cNvPr>
@@ -669,7 +669,7 @@
           <a:p>
             <a:fld id="{6B556CE9-838E-4F7B-97ED-B55258AFBF15}" type="datetimeFigureOut">
               <a:rPr lang="en-US" smtClean="0"/>
-              <a:t>6/24/2018</a:t>
+              <a:t>6/26/18</a:t>
             </a:fld>
             <a:endParaRPr lang="en-US"/>
           </a:p>
@@ -680,7 +680,7 @@
           <p:cNvPr id="5" name="Footer Placeholder 4">
             <a:extLst>
               <a:ext uri="{FF2B5EF4-FFF2-40B4-BE49-F238E27FC236}">
-                <a16:creationId xmlns:a16="http://schemas.microsoft.com/office/drawing/2014/main" id="{DF5FA6CC-B4C8-49E1-A4C2-782CAA4300D3}"/>
+                <a16:creationId xmlns:a16="http://schemas.microsoft.com/office/drawing/2014/main" xmlns="" id="{DF5FA6CC-B4C8-49E1-A4C2-782CAA4300D3}"/>
               </a:ext>
             </a:extLst>
           </p:cNvPr>
@@ -705,7 +705,7 @@
           <p:cNvPr id="6" name="Slide Number Placeholder 5">
             <a:extLst>
               <a:ext uri="{FF2B5EF4-FFF2-40B4-BE49-F238E27FC236}">
-                <a16:creationId xmlns:a16="http://schemas.microsoft.com/office/drawing/2014/main" id="{11002C5A-2EA3-4A62-8D9E-DC013236FD29}"/>
+                <a16:creationId xmlns:a16="http://schemas.microsoft.com/office/drawing/2014/main" xmlns="" id="{11002C5A-2EA3-4A62-8D9E-DC013236FD29}"/>
               </a:ext>
             </a:extLst>
           </p:cNvPr>
@@ -764,7 +764,7 @@
           <p:cNvPr id="2" name="Title 1">
             <a:extLst>
               <a:ext uri="{FF2B5EF4-FFF2-40B4-BE49-F238E27FC236}">
-                <a16:creationId xmlns:a16="http://schemas.microsoft.com/office/drawing/2014/main" id="{292473DD-01E3-4B27-B776-E32DF9C1CC81}"/>
+                <a16:creationId xmlns:a16="http://schemas.microsoft.com/office/drawing/2014/main" xmlns="" id="{292473DD-01E3-4B27-B776-E32DF9C1CC81}"/>
               </a:ext>
             </a:extLst>
           </p:cNvPr>
@@ -792,7 +792,7 @@
           <p:cNvPr id="3" name="Content Placeholder 2">
             <a:extLst>
               <a:ext uri="{FF2B5EF4-FFF2-40B4-BE49-F238E27FC236}">
-                <a16:creationId xmlns:a16="http://schemas.microsoft.com/office/drawing/2014/main" id="{889D06AE-8714-4037-8092-0D78E82C5AF7}"/>
+                <a16:creationId xmlns:a16="http://schemas.microsoft.com/office/drawing/2014/main" xmlns="" id="{889D06AE-8714-4037-8092-0D78E82C5AF7}"/>
               </a:ext>
             </a:extLst>
           </p:cNvPr>
@@ -849,7 +849,7 @@
           <p:cNvPr id="4" name="Date Placeholder 3">
             <a:extLst>
               <a:ext uri="{FF2B5EF4-FFF2-40B4-BE49-F238E27FC236}">
-                <a16:creationId xmlns:a16="http://schemas.microsoft.com/office/drawing/2014/main" id="{57D4396F-62FF-4C05-8A44-E20BA3F31F7A}"/>
+                <a16:creationId xmlns:a16="http://schemas.microsoft.com/office/drawing/2014/main" xmlns="" id="{57D4396F-62FF-4C05-8A44-E20BA3F31F7A}"/>
               </a:ext>
             </a:extLst>
           </p:cNvPr>
@@ -867,7 +867,7 @@
           <a:p>
             <a:fld id="{6B556CE9-838E-4F7B-97ED-B55258AFBF15}" type="datetimeFigureOut">
               <a:rPr lang="en-US" smtClean="0"/>
-              <a:t>6/24/2018</a:t>
+              <a:t>6/26/18</a:t>
             </a:fld>
             <a:endParaRPr lang="en-US"/>
           </a:p>
@@ -878,7 +878,7 @@
           <p:cNvPr id="5" name="Footer Placeholder 4">
             <a:extLst>
               <a:ext uri="{FF2B5EF4-FFF2-40B4-BE49-F238E27FC236}">
-                <a16:creationId xmlns:a16="http://schemas.microsoft.com/office/drawing/2014/main" id="{473D74A1-6F9A-4131-A4A5-B2664CE6C0B8}"/>
+                <a16:creationId xmlns:a16="http://schemas.microsoft.com/office/drawing/2014/main" xmlns="" id="{473D74A1-6F9A-4131-A4A5-B2664CE6C0B8}"/>
               </a:ext>
             </a:extLst>
           </p:cNvPr>
@@ -903,7 +903,7 @@
           <p:cNvPr id="6" name="Slide Number Placeholder 5">
             <a:extLst>
               <a:ext uri="{FF2B5EF4-FFF2-40B4-BE49-F238E27FC236}">
-                <a16:creationId xmlns:a16="http://schemas.microsoft.com/office/drawing/2014/main" id="{857709DF-874E-461A-87F3-E56DE2C49271}"/>
+                <a16:creationId xmlns:a16="http://schemas.microsoft.com/office/drawing/2014/main" xmlns="" id="{857709DF-874E-461A-87F3-E56DE2C49271}"/>
               </a:ext>
             </a:extLst>
           </p:cNvPr>
@@ -962,7 +962,7 @@
           <p:cNvPr id="2" name="Title 1">
             <a:extLst>
               <a:ext uri="{FF2B5EF4-FFF2-40B4-BE49-F238E27FC236}">
-                <a16:creationId xmlns:a16="http://schemas.microsoft.com/office/drawing/2014/main" id="{987AA4E2-7E8A-4ED8-A691-698BB077CACF}"/>
+                <a16:creationId xmlns:a16="http://schemas.microsoft.com/office/drawing/2014/main" xmlns="" id="{987AA4E2-7E8A-4ED8-A691-698BB077CACF}"/>
               </a:ext>
             </a:extLst>
           </p:cNvPr>
@@ -999,7 +999,7 @@
           <p:cNvPr id="3" name="Text Placeholder 2">
             <a:extLst>
               <a:ext uri="{FF2B5EF4-FFF2-40B4-BE49-F238E27FC236}">
-                <a16:creationId xmlns:a16="http://schemas.microsoft.com/office/drawing/2014/main" id="{61234A1F-3E59-48E9-A5E8-FAFF092711B1}"/>
+                <a16:creationId xmlns:a16="http://schemas.microsoft.com/office/drawing/2014/main" xmlns="" id="{61234A1F-3E59-48E9-A5E8-FAFF092711B1}"/>
               </a:ext>
             </a:extLst>
           </p:cNvPr>
@@ -1124,7 +1124,7 @@
           <p:cNvPr id="4" name="Date Placeholder 3">
             <a:extLst>
               <a:ext uri="{FF2B5EF4-FFF2-40B4-BE49-F238E27FC236}">
-                <a16:creationId xmlns:a16="http://schemas.microsoft.com/office/drawing/2014/main" id="{97CF3876-4EC3-4506-9653-C1F8995AEA14}"/>
+                <a16:creationId xmlns:a16="http://schemas.microsoft.com/office/drawing/2014/main" xmlns="" id="{97CF3876-4EC3-4506-9653-C1F8995AEA14}"/>
               </a:ext>
             </a:extLst>
           </p:cNvPr>
@@ -1142,7 +1142,7 @@
           <a:p>
             <a:fld id="{6B556CE9-838E-4F7B-97ED-B55258AFBF15}" type="datetimeFigureOut">
               <a:rPr lang="en-US" smtClean="0"/>
-              <a:t>6/24/2018</a:t>
+              <a:t>6/26/18</a:t>
             </a:fld>
             <a:endParaRPr lang="en-US"/>
           </a:p>
@@ -1153,7 +1153,7 @@
           <p:cNvPr id="5" name="Footer Placeholder 4">
             <a:extLst>
               <a:ext uri="{FF2B5EF4-FFF2-40B4-BE49-F238E27FC236}">
-                <a16:creationId xmlns:a16="http://schemas.microsoft.com/office/drawing/2014/main" id="{E91498DE-C68B-47F4-AC25-E3471548A0F6}"/>
+                <a16:creationId xmlns:a16="http://schemas.microsoft.com/office/drawing/2014/main" xmlns="" id="{E91498DE-C68B-47F4-AC25-E3471548A0F6}"/>
               </a:ext>
             </a:extLst>
           </p:cNvPr>
@@ -1178,7 +1178,7 @@
           <p:cNvPr id="6" name="Slide Number Placeholder 5">
             <a:extLst>
               <a:ext uri="{FF2B5EF4-FFF2-40B4-BE49-F238E27FC236}">
-                <a16:creationId xmlns:a16="http://schemas.microsoft.com/office/drawing/2014/main" id="{9CE8A66C-4AAF-4353-93FE-3D8B77D8BAD2}"/>
+                <a16:creationId xmlns:a16="http://schemas.microsoft.com/office/drawing/2014/main" xmlns="" id="{9CE8A66C-4AAF-4353-93FE-3D8B77D8BAD2}"/>
               </a:ext>
             </a:extLst>
           </p:cNvPr>
@@ -1237,7 +1237,7 @@
           <p:cNvPr id="2" name="Title 1">
             <a:extLst>
               <a:ext uri="{FF2B5EF4-FFF2-40B4-BE49-F238E27FC236}">
-                <a16:creationId xmlns:a16="http://schemas.microsoft.com/office/drawing/2014/main" id="{05E21C8A-4972-4C3A-B476-FD15EAB52365}"/>
+                <a16:creationId xmlns:a16="http://schemas.microsoft.com/office/drawing/2014/main" xmlns="" id="{05E21C8A-4972-4C3A-B476-FD15EAB52365}"/>
               </a:ext>
             </a:extLst>
           </p:cNvPr>
@@ -1265,7 +1265,7 @@
           <p:cNvPr id="3" name="Content Placeholder 2">
             <a:extLst>
               <a:ext uri="{FF2B5EF4-FFF2-40B4-BE49-F238E27FC236}">
-                <a16:creationId xmlns:a16="http://schemas.microsoft.com/office/drawing/2014/main" id="{300B60E7-1469-41B7-BCF2-5BC60362370A}"/>
+                <a16:creationId xmlns:a16="http://schemas.microsoft.com/office/drawing/2014/main" xmlns="" id="{300B60E7-1469-41B7-BCF2-5BC60362370A}"/>
               </a:ext>
             </a:extLst>
           </p:cNvPr>
@@ -1327,7 +1327,7 @@
           <p:cNvPr id="4" name="Content Placeholder 3">
             <a:extLst>
               <a:ext uri="{FF2B5EF4-FFF2-40B4-BE49-F238E27FC236}">
-                <a16:creationId xmlns:a16="http://schemas.microsoft.com/office/drawing/2014/main" id="{EC1AFDEB-8626-4CA9-88B8-F34B79462D22}"/>
+                <a16:creationId xmlns:a16="http://schemas.microsoft.com/office/drawing/2014/main" xmlns="" id="{EC1AFDEB-8626-4CA9-88B8-F34B79462D22}"/>
               </a:ext>
             </a:extLst>
           </p:cNvPr>
@@ -1389,7 +1389,7 @@
           <p:cNvPr id="5" name="Date Placeholder 4">
             <a:extLst>
               <a:ext uri="{FF2B5EF4-FFF2-40B4-BE49-F238E27FC236}">
-                <a16:creationId xmlns:a16="http://schemas.microsoft.com/office/drawing/2014/main" id="{71ED74EA-EFE5-4B36-BDEC-B536B9E93EBA}"/>
+                <a16:creationId xmlns:a16="http://schemas.microsoft.com/office/drawing/2014/main" xmlns="" id="{71ED74EA-EFE5-4B36-BDEC-B536B9E93EBA}"/>
               </a:ext>
             </a:extLst>
           </p:cNvPr>
@@ -1407,7 +1407,7 @@
           <a:p>
             <a:fld id="{6B556CE9-838E-4F7B-97ED-B55258AFBF15}" type="datetimeFigureOut">
               <a:rPr lang="en-US" smtClean="0"/>
-              <a:t>6/24/2018</a:t>
+              <a:t>6/26/18</a:t>
             </a:fld>
             <a:endParaRPr lang="en-US"/>
           </a:p>
@@ -1418,7 +1418,7 @@
           <p:cNvPr id="6" name="Footer Placeholder 5">
             <a:extLst>
               <a:ext uri="{FF2B5EF4-FFF2-40B4-BE49-F238E27FC236}">
-                <a16:creationId xmlns:a16="http://schemas.microsoft.com/office/drawing/2014/main" id="{EFFAF493-7F73-4533-A600-672E73D24709}"/>
+                <a16:creationId xmlns:a16="http://schemas.microsoft.com/office/drawing/2014/main" xmlns="" id="{EFFAF493-7F73-4533-A600-672E73D24709}"/>
               </a:ext>
             </a:extLst>
           </p:cNvPr>
@@ -1443,7 +1443,7 @@
           <p:cNvPr id="7" name="Slide Number Placeholder 6">
             <a:extLst>
               <a:ext uri="{FF2B5EF4-FFF2-40B4-BE49-F238E27FC236}">
-                <a16:creationId xmlns:a16="http://schemas.microsoft.com/office/drawing/2014/main" id="{1E97FB6F-C403-42E0-AB53-115CFBB534FC}"/>
+                <a16:creationId xmlns:a16="http://schemas.microsoft.com/office/drawing/2014/main" xmlns="" id="{1E97FB6F-C403-42E0-AB53-115CFBB534FC}"/>
               </a:ext>
             </a:extLst>
           </p:cNvPr>
@@ -1502,7 +1502,7 @@
           <p:cNvPr id="2" name="Title 1">
             <a:extLst>
               <a:ext uri="{FF2B5EF4-FFF2-40B4-BE49-F238E27FC236}">
-                <a16:creationId xmlns:a16="http://schemas.microsoft.com/office/drawing/2014/main" id="{95C0BF3E-B444-4C54-A605-A276C1F2D9F6}"/>
+                <a16:creationId xmlns:a16="http://schemas.microsoft.com/office/drawing/2014/main" xmlns="" id="{95C0BF3E-B444-4C54-A605-A276C1F2D9F6}"/>
               </a:ext>
             </a:extLst>
           </p:cNvPr>
@@ -1535,7 +1535,7 @@
           <p:cNvPr id="3" name="Text Placeholder 2">
             <a:extLst>
               <a:ext uri="{FF2B5EF4-FFF2-40B4-BE49-F238E27FC236}">
-                <a16:creationId xmlns:a16="http://schemas.microsoft.com/office/drawing/2014/main" id="{DFC52B6D-69A0-4889-9E37-93556EA86670}"/>
+                <a16:creationId xmlns:a16="http://schemas.microsoft.com/office/drawing/2014/main" xmlns="" id="{DFC52B6D-69A0-4889-9E37-93556EA86670}"/>
               </a:ext>
             </a:extLst>
           </p:cNvPr>
@@ -1606,7 +1606,7 @@
           <p:cNvPr id="4" name="Content Placeholder 3">
             <a:extLst>
               <a:ext uri="{FF2B5EF4-FFF2-40B4-BE49-F238E27FC236}">
-                <a16:creationId xmlns:a16="http://schemas.microsoft.com/office/drawing/2014/main" id="{173771AC-5B2E-40EA-9FAB-9DD06DC7A4B3}"/>
+                <a16:creationId xmlns:a16="http://schemas.microsoft.com/office/drawing/2014/main" xmlns="" id="{173771AC-5B2E-40EA-9FAB-9DD06DC7A4B3}"/>
               </a:ext>
             </a:extLst>
           </p:cNvPr>
@@ -1668,7 +1668,7 @@
           <p:cNvPr id="5" name="Text Placeholder 4">
             <a:extLst>
               <a:ext uri="{FF2B5EF4-FFF2-40B4-BE49-F238E27FC236}">
-                <a16:creationId xmlns:a16="http://schemas.microsoft.com/office/drawing/2014/main" id="{79A7D8C0-02AD-4237-B5D4-4DC7923354F3}"/>
+                <a16:creationId xmlns:a16="http://schemas.microsoft.com/office/drawing/2014/main" xmlns="" id="{79A7D8C0-02AD-4237-B5D4-4DC7923354F3}"/>
               </a:ext>
             </a:extLst>
           </p:cNvPr>
@@ -1739,7 +1739,7 @@
           <p:cNvPr id="6" name="Content Placeholder 5">
             <a:extLst>
               <a:ext uri="{FF2B5EF4-FFF2-40B4-BE49-F238E27FC236}">
-                <a16:creationId xmlns:a16="http://schemas.microsoft.com/office/drawing/2014/main" id="{9FA90C6E-171F-40FA-86C2-10BF4F23D4DD}"/>
+                <a16:creationId xmlns:a16="http://schemas.microsoft.com/office/drawing/2014/main" xmlns="" id="{9FA90C6E-171F-40FA-86C2-10BF4F23D4DD}"/>
               </a:ext>
             </a:extLst>
           </p:cNvPr>
@@ -1801,7 +1801,7 @@
           <p:cNvPr id="7" name="Date Placeholder 6">
             <a:extLst>
               <a:ext uri="{FF2B5EF4-FFF2-40B4-BE49-F238E27FC236}">
-                <a16:creationId xmlns:a16="http://schemas.microsoft.com/office/drawing/2014/main" id="{FD0121B2-B6AA-4360-9856-B0D8D3861875}"/>
+                <a16:creationId xmlns:a16="http://schemas.microsoft.com/office/drawing/2014/main" xmlns="" id="{FD0121B2-B6AA-4360-9856-B0D8D3861875}"/>
               </a:ext>
             </a:extLst>
           </p:cNvPr>
@@ -1819,7 +1819,7 @@
           <a:p>
             <a:fld id="{6B556CE9-838E-4F7B-97ED-B55258AFBF15}" type="datetimeFigureOut">
               <a:rPr lang="en-US" smtClean="0"/>
-              <a:t>6/24/2018</a:t>
+              <a:t>6/26/18</a:t>
             </a:fld>
             <a:endParaRPr lang="en-US"/>
           </a:p>
@@ -1830,7 +1830,7 @@
           <p:cNvPr id="8" name="Footer Placeholder 7">
             <a:extLst>
               <a:ext uri="{FF2B5EF4-FFF2-40B4-BE49-F238E27FC236}">
-                <a16:creationId xmlns:a16="http://schemas.microsoft.com/office/drawing/2014/main" id="{984801DB-D520-4ED6-9CFD-D901622A18FD}"/>
+                <a16:creationId xmlns:a16="http://schemas.microsoft.com/office/drawing/2014/main" xmlns="" id="{984801DB-D520-4ED6-9CFD-D901622A18FD}"/>
               </a:ext>
             </a:extLst>
           </p:cNvPr>
@@ -1855,7 +1855,7 @@
           <p:cNvPr id="9" name="Slide Number Placeholder 8">
             <a:extLst>
               <a:ext uri="{FF2B5EF4-FFF2-40B4-BE49-F238E27FC236}">
-                <a16:creationId xmlns:a16="http://schemas.microsoft.com/office/drawing/2014/main" id="{55FB1824-B5A6-41F5-B321-1EEA7A649D17}"/>
+                <a16:creationId xmlns:a16="http://schemas.microsoft.com/office/drawing/2014/main" xmlns="" id="{55FB1824-B5A6-41F5-B321-1EEA7A649D17}"/>
               </a:ext>
             </a:extLst>
           </p:cNvPr>
@@ -1914,7 +1914,7 @@
           <p:cNvPr id="2" name="Title 1">
             <a:extLst>
               <a:ext uri="{FF2B5EF4-FFF2-40B4-BE49-F238E27FC236}">
-                <a16:creationId xmlns:a16="http://schemas.microsoft.com/office/drawing/2014/main" id="{9633BBA9-CBEB-4DBA-87CD-8351788B71FA}"/>
+                <a16:creationId xmlns:a16="http://schemas.microsoft.com/office/drawing/2014/main" xmlns="" id="{9633BBA9-CBEB-4DBA-87CD-8351788B71FA}"/>
               </a:ext>
             </a:extLst>
           </p:cNvPr>
@@ -1942,7 +1942,7 @@
           <p:cNvPr id="3" name="Date Placeholder 2">
             <a:extLst>
               <a:ext uri="{FF2B5EF4-FFF2-40B4-BE49-F238E27FC236}">
-                <a16:creationId xmlns:a16="http://schemas.microsoft.com/office/drawing/2014/main" id="{2AE1D83D-9B63-4808-9C60-F2919893216D}"/>
+                <a16:creationId xmlns:a16="http://schemas.microsoft.com/office/drawing/2014/main" xmlns="" id="{2AE1D83D-9B63-4808-9C60-F2919893216D}"/>
               </a:ext>
             </a:extLst>
           </p:cNvPr>
@@ -1960,7 +1960,7 @@
           <a:p>
             <a:fld id="{6B556CE9-838E-4F7B-97ED-B55258AFBF15}" type="datetimeFigureOut">
               <a:rPr lang="en-US" smtClean="0"/>
-              <a:t>6/24/2018</a:t>
+              <a:t>6/26/18</a:t>
             </a:fld>
             <a:endParaRPr lang="en-US"/>
           </a:p>
@@ -1971,7 +1971,7 @@
           <p:cNvPr id="4" name="Footer Placeholder 3">
             <a:extLst>
               <a:ext uri="{FF2B5EF4-FFF2-40B4-BE49-F238E27FC236}">
-                <a16:creationId xmlns:a16="http://schemas.microsoft.com/office/drawing/2014/main" id="{6792E2BC-F3F0-404C-9FAC-7DA58D925238}"/>
+                <a16:creationId xmlns:a16="http://schemas.microsoft.com/office/drawing/2014/main" xmlns="" id="{6792E2BC-F3F0-404C-9FAC-7DA58D925238}"/>
               </a:ext>
             </a:extLst>
           </p:cNvPr>
@@ -1996,7 +1996,7 @@
           <p:cNvPr id="5" name="Slide Number Placeholder 4">
             <a:extLst>
               <a:ext uri="{FF2B5EF4-FFF2-40B4-BE49-F238E27FC236}">
-                <a16:creationId xmlns:a16="http://schemas.microsoft.com/office/drawing/2014/main" id="{A6F05535-3224-4EF8-A974-1871962E373C}"/>
+                <a16:creationId xmlns:a16="http://schemas.microsoft.com/office/drawing/2014/main" xmlns="" id="{A6F05535-3224-4EF8-A974-1871962E373C}"/>
               </a:ext>
             </a:extLst>
           </p:cNvPr>
@@ -2055,7 +2055,7 @@
           <p:cNvPr id="2" name="Date Placeholder 1">
             <a:extLst>
               <a:ext uri="{FF2B5EF4-FFF2-40B4-BE49-F238E27FC236}">
-                <a16:creationId xmlns:a16="http://schemas.microsoft.com/office/drawing/2014/main" id="{DF09649F-28AE-453C-BC3A-480C2ECBB2F7}"/>
+                <a16:creationId xmlns:a16="http://schemas.microsoft.com/office/drawing/2014/main" xmlns="" id="{DF09649F-28AE-453C-BC3A-480C2ECBB2F7}"/>
               </a:ext>
             </a:extLst>
           </p:cNvPr>
@@ -2073,7 +2073,7 @@
           <a:p>
             <a:fld id="{6B556CE9-838E-4F7B-97ED-B55258AFBF15}" type="datetimeFigureOut">
               <a:rPr lang="en-US" smtClean="0"/>
-              <a:t>6/24/2018</a:t>
+              <a:t>6/26/18</a:t>
             </a:fld>
             <a:endParaRPr lang="en-US"/>
           </a:p>
@@ -2084,7 +2084,7 @@
           <p:cNvPr id="3" name="Footer Placeholder 2">
             <a:extLst>
               <a:ext uri="{FF2B5EF4-FFF2-40B4-BE49-F238E27FC236}">
-                <a16:creationId xmlns:a16="http://schemas.microsoft.com/office/drawing/2014/main" id="{316C99A9-0005-4367-8045-2999055DF5B4}"/>
+                <a16:creationId xmlns:a16="http://schemas.microsoft.com/office/drawing/2014/main" xmlns="" id="{316C99A9-0005-4367-8045-2999055DF5B4}"/>
               </a:ext>
             </a:extLst>
           </p:cNvPr>
@@ -2109,7 +2109,7 @@
           <p:cNvPr id="4" name="Slide Number Placeholder 3">
             <a:extLst>
               <a:ext uri="{FF2B5EF4-FFF2-40B4-BE49-F238E27FC236}">
-                <a16:creationId xmlns:a16="http://schemas.microsoft.com/office/drawing/2014/main" id="{B3D51094-8B02-4241-BF7F-B437DDD76D4C}"/>
+                <a16:creationId xmlns:a16="http://schemas.microsoft.com/office/drawing/2014/main" xmlns="" id="{B3D51094-8B02-4241-BF7F-B437DDD76D4C}"/>
               </a:ext>
             </a:extLst>
           </p:cNvPr>
@@ -2168,7 +2168,7 @@
           <p:cNvPr id="2" name="Title 1">
             <a:extLst>
               <a:ext uri="{FF2B5EF4-FFF2-40B4-BE49-F238E27FC236}">
-                <a16:creationId xmlns:a16="http://schemas.microsoft.com/office/drawing/2014/main" id="{241F7FE7-0FF3-4E05-ABED-F5F1E82D4C21}"/>
+                <a16:creationId xmlns:a16="http://schemas.microsoft.com/office/drawing/2014/main" xmlns="" id="{241F7FE7-0FF3-4E05-ABED-F5F1E82D4C21}"/>
               </a:ext>
             </a:extLst>
           </p:cNvPr>
@@ -2205,7 +2205,7 @@
           <p:cNvPr id="3" name="Content Placeholder 2">
             <a:extLst>
               <a:ext uri="{FF2B5EF4-FFF2-40B4-BE49-F238E27FC236}">
-                <a16:creationId xmlns:a16="http://schemas.microsoft.com/office/drawing/2014/main" id="{EBE5C4B8-9EC3-4CFE-95B7-791F5B3E07E9}"/>
+                <a16:creationId xmlns:a16="http://schemas.microsoft.com/office/drawing/2014/main" xmlns="" id="{EBE5C4B8-9EC3-4CFE-95B7-791F5B3E07E9}"/>
               </a:ext>
             </a:extLst>
           </p:cNvPr>
@@ -2295,7 +2295,7 @@
           <p:cNvPr id="4" name="Text Placeholder 3">
             <a:extLst>
               <a:ext uri="{FF2B5EF4-FFF2-40B4-BE49-F238E27FC236}">
-                <a16:creationId xmlns:a16="http://schemas.microsoft.com/office/drawing/2014/main" id="{A0C4DD55-8A5B-46B1-8BAC-DC350D7F6983}"/>
+                <a16:creationId xmlns:a16="http://schemas.microsoft.com/office/drawing/2014/main" xmlns="" id="{A0C4DD55-8A5B-46B1-8BAC-DC350D7F6983}"/>
               </a:ext>
             </a:extLst>
           </p:cNvPr>
@@ -2366,7 +2366,7 @@
           <p:cNvPr id="5" name="Date Placeholder 4">
             <a:extLst>
               <a:ext uri="{FF2B5EF4-FFF2-40B4-BE49-F238E27FC236}">
-                <a16:creationId xmlns:a16="http://schemas.microsoft.com/office/drawing/2014/main" id="{380C50E2-5094-4A3A-853C-C421829E6A29}"/>
+                <a16:creationId xmlns:a16="http://schemas.microsoft.com/office/drawing/2014/main" xmlns="" id="{380C50E2-5094-4A3A-853C-C421829E6A29}"/>
               </a:ext>
             </a:extLst>
           </p:cNvPr>
@@ -2384,7 +2384,7 @@
           <a:p>
             <a:fld id="{6B556CE9-838E-4F7B-97ED-B55258AFBF15}" type="datetimeFigureOut">
               <a:rPr lang="en-US" smtClean="0"/>
-              <a:t>6/24/2018</a:t>
+              <a:t>6/26/18</a:t>
             </a:fld>
             <a:endParaRPr lang="en-US"/>
           </a:p>
@@ -2395,7 +2395,7 @@
           <p:cNvPr id="6" name="Footer Placeholder 5">
             <a:extLst>
               <a:ext uri="{FF2B5EF4-FFF2-40B4-BE49-F238E27FC236}">
-                <a16:creationId xmlns:a16="http://schemas.microsoft.com/office/drawing/2014/main" id="{4B87A063-A1E1-4D3D-9EF8-5BA668729FFA}"/>
+                <a16:creationId xmlns:a16="http://schemas.microsoft.com/office/drawing/2014/main" xmlns="" id="{4B87A063-A1E1-4D3D-9EF8-5BA668729FFA}"/>
               </a:ext>
             </a:extLst>
           </p:cNvPr>
@@ -2420,7 +2420,7 @@
           <p:cNvPr id="7" name="Slide Number Placeholder 6">
             <a:extLst>
               <a:ext uri="{FF2B5EF4-FFF2-40B4-BE49-F238E27FC236}">
-                <a16:creationId xmlns:a16="http://schemas.microsoft.com/office/drawing/2014/main" id="{18B0F82F-EB1E-42DA-AFFD-6C6AEC009A2B}"/>
+                <a16:creationId xmlns:a16="http://schemas.microsoft.com/office/drawing/2014/main" xmlns="" id="{18B0F82F-EB1E-42DA-AFFD-6C6AEC009A2B}"/>
               </a:ext>
             </a:extLst>
           </p:cNvPr>
@@ -2479,7 +2479,7 @@
           <p:cNvPr id="2" name="Title 1">
             <a:extLst>
               <a:ext uri="{FF2B5EF4-FFF2-40B4-BE49-F238E27FC236}">
-                <a16:creationId xmlns:a16="http://schemas.microsoft.com/office/drawing/2014/main" id="{329A8A17-6800-4DB3-9E58-0B3C6DEF6278}"/>
+                <a16:creationId xmlns:a16="http://schemas.microsoft.com/office/drawing/2014/main" xmlns="" id="{329A8A17-6800-4DB3-9E58-0B3C6DEF6278}"/>
               </a:ext>
             </a:extLst>
           </p:cNvPr>
@@ -2516,7 +2516,7 @@
           <p:cNvPr id="3" name="Picture Placeholder 2">
             <a:extLst>
               <a:ext uri="{FF2B5EF4-FFF2-40B4-BE49-F238E27FC236}">
-                <a16:creationId xmlns:a16="http://schemas.microsoft.com/office/drawing/2014/main" id="{9E07A7B5-594D-4D8D-A66C-7338A48E7569}"/>
+                <a16:creationId xmlns:a16="http://schemas.microsoft.com/office/drawing/2014/main" xmlns="" id="{9E07A7B5-594D-4D8D-A66C-7338A48E7569}"/>
               </a:ext>
             </a:extLst>
           </p:cNvPr>
@@ -2583,7 +2583,7 @@
           <p:cNvPr id="4" name="Text Placeholder 3">
             <a:extLst>
               <a:ext uri="{FF2B5EF4-FFF2-40B4-BE49-F238E27FC236}">
-                <a16:creationId xmlns:a16="http://schemas.microsoft.com/office/drawing/2014/main" id="{99EA2117-A17F-4584-8FE5-533EAB6FBEC1}"/>
+                <a16:creationId xmlns:a16="http://schemas.microsoft.com/office/drawing/2014/main" xmlns="" id="{99EA2117-A17F-4584-8FE5-533EAB6FBEC1}"/>
               </a:ext>
             </a:extLst>
           </p:cNvPr>
@@ -2654,7 +2654,7 @@
           <p:cNvPr id="5" name="Date Placeholder 4">
             <a:extLst>
               <a:ext uri="{FF2B5EF4-FFF2-40B4-BE49-F238E27FC236}">
-                <a16:creationId xmlns:a16="http://schemas.microsoft.com/office/drawing/2014/main" id="{EC048765-A005-4FE5-B207-FD07A7F16216}"/>
+                <a16:creationId xmlns:a16="http://schemas.microsoft.com/office/drawing/2014/main" xmlns="" id="{EC048765-A005-4FE5-B207-FD07A7F16216}"/>
               </a:ext>
             </a:extLst>
           </p:cNvPr>
@@ -2672,7 +2672,7 @@
           <a:p>
             <a:fld id="{6B556CE9-838E-4F7B-97ED-B55258AFBF15}" type="datetimeFigureOut">
               <a:rPr lang="en-US" smtClean="0"/>
-              <a:t>6/24/2018</a:t>
+              <a:t>6/26/18</a:t>
             </a:fld>
             <a:endParaRPr lang="en-US"/>
           </a:p>
@@ -2683,7 +2683,7 @@
           <p:cNvPr id="6" name="Footer Placeholder 5">
             <a:extLst>
               <a:ext uri="{FF2B5EF4-FFF2-40B4-BE49-F238E27FC236}">
-                <a16:creationId xmlns:a16="http://schemas.microsoft.com/office/drawing/2014/main" id="{EB48174D-B980-44A9-8608-4DEA8D40C389}"/>
+                <a16:creationId xmlns:a16="http://schemas.microsoft.com/office/drawing/2014/main" xmlns="" id="{EB48174D-B980-44A9-8608-4DEA8D40C389}"/>
               </a:ext>
             </a:extLst>
           </p:cNvPr>
@@ -2708,7 +2708,7 @@
           <p:cNvPr id="7" name="Slide Number Placeholder 6">
             <a:extLst>
               <a:ext uri="{FF2B5EF4-FFF2-40B4-BE49-F238E27FC236}">
-                <a16:creationId xmlns:a16="http://schemas.microsoft.com/office/drawing/2014/main" id="{2C747FDA-2F09-45DA-8135-D2B5F8E2EFB9}"/>
+                <a16:creationId xmlns:a16="http://schemas.microsoft.com/office/drawing/2014/main" xmlns="" id="{2C747FDA-2F09-45DA-8135-D2B5F8E2EFB9}"/>
               </a:ext>
             </a:extLst>
           </p:cNvPr>
@@ -2772,7 +2772,7 @@
           <p:cNvPr id="2" name="Title Placeholder 1">
             <a:extLst>
               <a:ext uri="{FF2B5EF4-FFF2-40B4-BE49-F238E27FC236}">
-                <a16:creationId xmlns:a16="http://schemas.microsoft.com/office/drawing/2014/main" id="{3AD9CC8C-2A80-44BA-9CD0-B2ACCA8E4C1F}"/>
+                <a16:creationId xmlns:a16="http://schemas.microsoft.com/office/drawing/2014/main" xmlns="" id="{3AD9CC8C-2A80-44BA-9CD0-B2ACCA8E4C1F}"/>
               </a:ext>
             </a:extLst>
           </p:cNvPr>
@@ -2810,7 +2810,7 @@
           <p:cNvPr id="3" name="Text Placeholder 2">
             <a:extLst>
               <a:ext uri="{FF2B5EF4-FFF2-40B4-BE49-F238E27FC236}">
-                <a16:creationId xmlns:a16="http://schemas.microsoft.com/office/drawing/2014/main" id="{A446242A-3355-4E47-8C77-75D3F1C94B42}"/>
+                <a16:creationId xmlns:a16="http://schemas.microsoft.com/office/drawing/2014/main" xmlns="" id="{A446242A-3355-4E47-8C77-75D3F1C94B42}"/>
               </a:ext>
             </a:extLst>
           </p:cNvPr>
@@ -2877,7 +2877,7 @@
           <p:cNvPr id="4" name="Date Placeholder 3">
             <a:extLst>
               <a:ext uri="{FF2B5EF4-FFF2-40B4-BE49-F238E27FC236}">
-                <a16:creationId xmlns:a16="http://schemas.microsoft.com/office/drawing/2014/main" id="{2A707D12-125E-4556-8527-14C547D55D24}"/>
+                <a16:creationId xmlns:a16="http://schemas.microsoft.com/office/drawing/2014/main" xmlns="" id="{2A707D12-125E-4556-8527-14C547D55D24}"/>
               </a:ext>
             </a:extLst>
           </p:cNvPr>
@@ -2913,7 +2913,7 @@
           <a:p>
             <a:fld id="{6B556CE9-838E-4F7B-97ED-B55258AFBF15}" type="datetimeFigureOut">
               <a:rPr lang="en-US" smtClean="0"/>
-              <a:t>6/24/2018</a:t>
+              <a:t>6/26/18</a:t>
             </a:fld>
             <a:endParaRPr lang="en-US"/>
           </a:p>
@@ -2924,7 +2924,7 @@
           <p:cNvPr id="5" name="Footer Placeholder 4">
             <a:extLst>
               <a:ext uri="{FF2B5EF4-FFF2-40B4-BE49-F238E27FC236}">
-                <a16:creationId xmlns:a16="http://schemas.microsoft.com/office/drawing/2014/main" id="{7AF8B764-2C84-4C25-8C44-4B2AE5D47C2C}"/>
+                <a16:creationId xmlns:a16="http://schemas.microsoft.com/office/drawing/2014/main" xmlns="" id="{7AF8B764-2C84-4C25-8C44-4B2AE5D47C2C}"/>
               </a:ext>
             </a:extLst>
           </p:cNvPr>
@@ -2967,7 +2967,7 @@
           <p:cNvPr id="6" name="Slide Number Placeholder 5">
             <a:extLst>
               <a:ext uri="{FF2B5EF4-FFF2-40B4-BE49-F238E27FC236}">
-                <a16:creationId xmlns:a16="http://schemas.microsoft.com/office/drawing/2014/main" id="{10204860-0CE8-45C0-A257-BC23E19B8779}"/>
+                <a16:creationId xmlns:a16="http://schemas.microsoft.com/office/drawing/2014/main" xmlns="" id="{10204860-0CE8-45C0-A257-BC23E19B8779}"/>
               </a:ext>
             </a:extLst>
           </p:cNvPr>
@@ -3335,7 +3335,7 @@
           <p:cNvPr id="2" name="Title 1">
             <a:extLst>
               <a:ext uri="{FF2B5EF4-FFF2-40B4-BE49-F238E27FC236}">
-                <a16:creationId xmlns:a16="http://schemas.microsoft.com/office/drawing/2014/main" id="{69834B48-0969-4EB9-A4D8-F52B826E1372}"/>
+                <a16:creationId xmlns:a16="http://schemas.microsoft.com/office/drawing/2014/main" xmlns="" id="{69834B48-0969-4EB9-A4D8-F52B826E1372}"/>
               </a:ext>
             </a:extLst>
           </p:cNvPr>
@@ -3370,7 +3370,7 @@
           <p:cNvPr id="3" name="Subtitle 2">
             <a:extLst>
               <a:ext uri="{FF2B5EF4-FFF2-40B4-BE49-F238E27FC236}">
-                <a16:creationId xmlns:a16="http://schemas.microsoft.com/office/drawing/2014/main" id="{6FE504C0-CB00-4A26-99F2-7F17BBD7DA57}"/>
+                <a16:creationId xmlns:a16="http://schemas.microsoft.com/office/drawing/2014/main" xmlns="" id="{6FE504C0-CB00-4A26-99F2-7F17BBD7DA57}"/>
               </a:ext>
             </a:extLst>
           </p:cNvPr>
@@ -3437,7 +3437,7 @@
           <p:cNvPr id="2" name="Title 1">
             <a:extLst>
               <a:ext uri="{FF2B5EF4-FFF2-40B4-BE49-F238E27FC236}">
-                <a16:creationId xmlns:a16="http://schemas.microsoft.com/office/drawing/2014/main" id="{933E1EA9-C24B-409B-B7A8-9663BAF3642E}"/>
+                <a16:creationId xmlns:a16="http://schemas.microsoft.com/office/drawing/2014/main" xmlns="" id="{933E1EA9-C24B-409B-B7A8-9663BAF3642E}"/>
               </a:ext>
             </a:extLst>
           </p:cNvPr>
@@ -3455,7 +3455,759 @@
           <a:p>
             <a:r>
               <a:rPr lang="en-US" dirty="0"/>
-              <a:t>Attachments: Highest ABV, IBU, and Summary Stats for ABV</a:t>
+              <a:t>Attachments: Number of Breweries by State</a:t>
+            </a:r>
+          </a:p>
+        </p:txBody>
+      </p:sp>
+      <p:pic>
+        <p:nvPicPr>
+          <p:cNvPr id="5" name="Picture 4">
+            <a:extLst>
+              <a:ext uri="{FF2B5EF4-FFF2-40B4-BE49-F238E27FC236}">
+                <a16:creationId xmlns:a16="http://schemas.microsoft.com/office/drawing/2014/main" xmlns="" id="{CFDA0436-4BAF-433F-91E5-418385AA68E2}"/>
+              </a:ext>
+            </a:extLst>
+          </p:cNvPr>
+          <p:cNvPicPr>
+            <a:picLocks noChangeAspect="1"/>
+          </p:cNvPicPr>
+          <p:nvPr/>
+        </p:nvPicPr>
+        <p:blipFill>
+          <a:blip r:embed="rId2"/>
+          <a:stretch>
+            <a:fillRect/>
+          </a:stretch>
+        </p:blipFill>
+        <p:spPr>
+          <a:xfrm>
+            <a:off x="3413280" y="1516605"/>
+            <a:ext cx="5268612" cy="4946743"/>
+          </a:xfrm>
+          <a:prstGeom prst="rect">
+            <a:avLst/>
+          </a:prstGeom>
+        </p:spPr>
+      </p:pic>
+    </p:spTree>
+    <p:extLst>
+      <p:ext uri="{BB962C8B-B14F-4D97-AF65-F5344CB8AC3E}">
+        <p14:creationId xmlns:p14="http://schemas.microsoft.com/office/powerpoint/2010/main" val="2333745583"/>
+      </p:ext>
+    </p:extLst>
+  </p:cSld>
+  <p:clrMapOvr>
+    <a:masterClrMapping/>
+  </p:clrMapOvr>
+</p:sld>
+</file>
+
+<file path=ppt/slides/slide2.xml><?xml version="1.0" encoding="utf-8"?>
+<p:sld xmlns:a="http://schemas.openxmlformats.org/drawingml/2006/main" xmlns:r="http://schemas.openxmlformats.org/officeDocument/2006/relationships" xmlns:p="http://schemas.openxmlformats.org/presentationml/2006/main">
+  <p:cSld>
+    <p:spTree>
+      <p:nvGrpSpPr>
+        <p:cNvPr id="1" name=""/>
+        <p:cNvGrpSpPr/>
+        <p:nvPr/>
+      </p:nvGrpSpPr>
+      <p:grpSpPr>
+        <a:xfrm>
+          <a:off x="0" y="0"/>
+          <a:ext cx="0" cy="0"/>
+          <a:chOff x="0" y="0"/>
+          <a:chExt cx="0" cy="0"/>
+        </a:xfrm>
+      </p:grpSpPr>
+      <p:sp>
+        <p:nvSpPr>
+          <p:cNvPr id="2" name="Title 1">
+            <a:extLst>
+              <a:ext uri="{FF2B5EF4-FFF2-40B4-BE49-F238E27FC236}">
+                <a16:creationId xmlns:a16="http://schemas.microsoft.com/office/drawing/2014/main" xmlns="" id="{933E1EA9-C24B-409B-B7A8-9663BAF3642E}"/>
+              </a:ext>
+            </a:extLst>
+          </p:cNvPr>
+          <p:cNvSpPr>
+            <a:spLocks noGrp="1"/>
+          </p:cNvSpPr>
+          <p:nvPr>
+            <p:ph type="title"/>
+          </p:nvPr>
+        </p:nvSpPr>
+        <p:spPr/>
+        <p:txBody>
+          <a:bodyPr/>
+          <a:lstStyle/>
+          <a:p>
+            <a:r>
+              <a:rPr lang="en-US" dirty="0"/>
+              <a:t>Agenda:  Project Beer</a:t>
+            </a:r>
+          </a:p>
+        </p:txBody>
+      </p:sp>
+      <p:sp>
+        <p:nvSpPr>
+          <p:cNvPr id="3" name="Content Placeholder 2">
+            <a:extLst>
+              <a:ext uri="{FF2B5EF4-FFF2-40B4-BE49-F238E27FC236}">
+                <a16:creationId xmlns:a16="http://schemas.microsoft.com/office/drawing/2014/main" xmlns="" id="{1C53E63B-9626-4581-89B4-03BC2CB42F6D}"/>
+              </a:ext>
+            </a:extLst>
+          </p:cNvPr>
+          <p:cNvSpPr>
+            <a:spLocks noGrp="1"/>
+          </p:cNvSpPr>
+          <p:nvPr>
+            <p:ph idx="1"/>
+          </p:nvPr>
+        </p:nvSpPr>
+        <p:spPr>
+          <a:xfrm>
+            <a:off x="838200" y="1746965"/>
+            <a:ext cx="10515600" cy="4083564"/>
+          </a:xfrm>
+        </p:spPr>
+        <p:txBody>
+          <a:bodyPr>
+            <a:normAutofit/>
+          </a:bodyPr>
+          <a:lstStyle/>
+          <a:p>
+            <a:pPr>
+              <a:buFont typeface="Wingdings" panose="05000000000000000000" pitchFamily="2" charset="2"/>
+              <a:buChar char="Ø"/>
+            </a:pPr>
+            <a:r>
+              <a:rPr lang="en-US" dirty="0"/>
+              <a:t>Scope</a:t>
+            </a:r>
+          </a:p>
+          <a:p>
+            <a:pPr>
+              <a:buFont typeface="Wingdings" panose="05000000000000000000" pitchFamily="2" charset="2"/>
+              <a:buChar char="Ø"/>
+            </a:pPr>
+            <a:r>
+              <a:rPr lang="en-US" dirty="0"/>
+              <a:t>Summary of Results</a:t>
+            </a:r>
+          </a:p>
+          <a:p>
+            <a:pPr>
+              <a:buFont typeface="Wingdings" panose="05000000000000000000" pitchFamily="2" charset="2"/>
+              <a:buChar char="Ø"/>
+            </a:pPr>
+            <a:r>
+              <a:rPr lang="en-US" dirty="0"/>
+              <a:t>Key Take-Aways / Next Steps</a:t>
+            </a:r>
+          </a:p>
+          <a:p>
+            <a:pPr>
+              <a:buFont typeface="Wingdings" panose="05000000000000000000" pitchFamily="2" charset="2"/>
+              <a:buChar char="Ø"/>
+            </a:pPr>
+            <a:endParaRPr lang="en-US" dirty="0"/>
+          </a:p>
+          <a:p>
+            <a:pPr>
+              <a:buFont typeface="Wingdings" panose="05000000000000000000" pitchFamily="2" charset="2"/>
+              <a:buChar char="Ø"/>
+            </a:pPr>
+            <a:r>
+              <a:rPr lang="en-US" dirty="0"/>
+              <a:t>Team Variance Members:</a:t>
+            </a:r>
+          </a:p>
+          <a:p>
+            <a:pPr lvl="1">
+              <a:buFont typeface="Wingdings" panose="05000000000000000000" pitchFamily="2" charset="2"/>
+              <a:buChar char="ü"/>
+            </a:pPr>
+            <a:r>
+              <a:rPr lang="en-US" dirty="0"/>
+              <a:t>Terry Johnson</a:t>
+            </a:r>
+          </a:p>
+          <a:p>
+            <a:pPr lvl="1">
+              <a:buFont typeface="Wingdings" panose="05000000000000000000" pitchFamily="2" charset="2"/>
+              <a:buChar char="ü"/>
+            </a:pPr>
+            <a:r>
+              <a:rPr lang="en-US" dirty="0"/>
+              <a:t>Steven </a:t>
+            </a:r>
+            <a:r>
+              <a:rPr lang="en-US" dirty="0" err="1"/>
+              <a:t>Cocke</a:t>
+            </a:r>
+            <a:endParaRPr lang="en-US" dirty="0"/>
+          </a:p>
+          <a:p>
+            <a:pPr lvl="1">
+              <a:buFont typeface="Wingdings" panose="05000000000000000000" pitchFamily="2" charset="2"/>
+              <a:buChar char="ü"/>
+            </a:pPr>
+            <a:r>
+              <a:rPr lang="en-US" dirty="0"/>
+              <a:t>Brandon de la Houssaye</a:t>
+            </a:r>
+          </a:p>
+        </p:txBody>
+      </p:sp>
+    </p:spTree>
+    <p:extLst>
+      <p:ext uri="{BB962C8B-B14F-4D97-AF65-F5344CB8AC3E}">
+        <p14:creationId xmlns:p14="http://schemas.microsoft.com/office/powerpoint/2010/main" val="3544361940"/>
+      </p:ext>
+    </p:extLst>
+  </p:cSld>
+  <p:clrMapOvr>
+    <a:masterClrMapping/>
+  </p:clrMapOvr>
+</p:sld>
+</file>
+
+<file path=ppt/slides/slide3.xml><?xml version="1.0" encoding="utf-8"?>
+<p:sld xmlns:a="http://schemas.openxmlformats.org/drawingml/2006/main" xmlns:r="http://schemas.openxmlformats.org/officeDocument/2006/relationships" xmlns:p="http://schemas.openxmlformats.org/presentationml/2006/main">
+  <p:cSld>
+    <p:spTree>
+      <p:nvGrpSpPr>
+        <p:cNvPr id="1" name=""/>
+        <p:cNvGrpSpPr/>
+        <p:nvPr/>
+      </p:nvGrpSpPr>
+      <p:grpSpPr>
+        <a:xfrm>
+          <a:off x="0" y="0"/>
+          <a:ext cx="0" cy="0"/>
+          <a:chOff x="0" y="0"/>
+          <a:chExt cx="0" cy="0"/>
+        </a:xfrm>
+      </p:grpSpPr>
+      <p:sp>
+        <p:nvSpPr>
+          <p:cNvPr id="2" name="Title 1">
+            <a:extLst>
+              <a:ext uri="{FF2B5EF4-FFF2-40B4-BE49-F238E27FC236}">
+                <a16:creationId xmlns:a16="http://schemas.microsoft.com/office/drawing/2014/main" xmlns="" id="{933E1EA9-C24B-409B-B7A8-9663BAF3642E}"/>
+              </a:ext>
+            </a:extLst>
+          </p:cNvPr>
+          <p:cNvSpPr>
+            <a:spLocks noGrp="1"/>
+          </p:cNvSpPr>
+          <p:nvPr>
+            <p:ph type="title"/>
+          </p:nvPr>
+        </p:nvSpPr>
+        <p:spPr/>
+        <p:txBody>
+          <a:bodyPr/>
+          <a:lstStyle/>
+          <a:p>
+            <a:r>
+              <a:rPr lang="en-US" dirty="0"/>
+              <a:t>Scope:  Project Beer</a:t>
+            </a:r>
+          </a:p>
+        </p:txBody>
+      </p:sp>
+      <p:sp>
+        <p:nvSpPr>
+          <p:cNvPr id="3" name="Content Placeholder 2">
+            <a:extLst>
+              <a:ext uri="{FF2B5EF4-FFF2-40B4-BE49-F238E27FC236}">
+                <a16:creationId xmlns:a16="http://schemas.microsoft.com/office/drawing/2014/main" xmlns="" id="{1C53E63B-9626-4581-89B4-03BC2CB42F6D}"/>
+              </a:ext>
+            </a:extLst>
+          </p:cNvPr>
+          <p:cNvSpPr>
+            <a:spLocks noGrp="1"/>
+          </p:cNvSpPr>
+          <p:nvPr>
+            <p:ph idx="1"/>
+          </p:nvPr>
+        </p:nvSpPr>
+        <p:spPr>
+          <a:xfrm>
+            <a:off x="838200" y="1825624"/>
+            <a:ext cx="10515600" cy="4874113"/>
+          </a:xfrm>
+        </p:spPr>
+        <p:txBody>
+          <a:bodyPr>
+            <a:normAutofit lnSpcReduction="10000"/>
+          </a:bodyPr>
+          <a:lstStyle/>
+          <a:p>
+            <a:pPr>
+              <a:buFont typeface="Wingdings" panose="05000000000000000000" pitchFamily="2" charset="2"/>
+              <a:buChar char="Ø"/>
+            </a:pPr>
+            <a:r>
+              <a:rPr lang="en-US" b="1" dirty="0"/>
+              <a:t>Query</a:t>
+            </a:r>
+            <a:r>
+              <a:rPr lang="en-US" dirty="0"/>
+              <a:t>:  Client Drink retained Team Variance to analyze the </a:t>
+            </a:r>
+            <a:r>
+              <a:rPr lang="en-US" u="sng" dirty="0"/>
+              <a:t>relationship</a:t>
+            </a:r>
+            <a:r>
+              <a:rPr lang="en-US" dirty="0"/>
+              <a:t> of </a:t>
+            </a:r>
+            <a:r>
+              <a:rPr lang="en-US" u="sng" dirty="0"/>
+              <a:t>alcohol content </a:t>
+            </a:r>
+            <a:r>
+              <a:rPr lang="en-US" dirty="0"/>
+              <a:t>and </a:t>
+            </a:r>
+            <a:r>
+              <a:rPr lang="en-US" u="sng" dirty="0"/>
+              <a:t>bitterness</a:t>
+            </a:r>
+            <a:r>
+              <a:rPr lang="en-US" dirty="0"/>
+              <a:t> taste measures in beer.*</a:t>
+            </a:r>
+          </a:p>
+          <a:p>
+            <a:pPr>
+              <a:buFont typeface="Wingdings" panose="05000000000000000000" pitchFamily="2" charset="2"/>
+              <a:buChar char="Ø"/>
+            </a:pPr>
+            <a:endParaRPr lang="en-US" sz="600" dirty="0"/>
+          </a:p>
+          <a:p>
+            <a:pPr>
+              <a:buFont typeface="Wingdings" panose="05000000000000000000" pitchFamily="2" charset="2"/>
+              <a:buChar char="Ø"/>
+            </a:pPr>
+            <a:r>
+              <a:rPr lang="en-US" b="1" dirty="0"/>
+              <a:t>Results</a:t>
+            </a:r>
+            <a:r>
+              <a:rPr lang="en-US" dirty="0"/>
+              <a:t>:  </a:t>
+            </a:r>
+            <a:r>
+              <a:rPr lang="en-US" u="sng" dirty="0"/>
+              <a:t>Yes</a:t>
+            </a:r>
+            <a:r>
+              <a:rPr lang="en-US" dirty="0"/>
+              <a:t>.  There is an appearance of a relationship (higher alcohol aligns with greater bitterness)</a:t>
+            </a:r>
+          </a:p>
+          <a:p>
+            <a:pPr>
+              <a:buFont typeface="Wingdings" panose="05000000000000000000" pitchFamily="2" charset="2"/>
+              <a:buChar char="Ø"/>
+            </a:pPr>
+            <a:endParaRPr lang="en-US" sz="600" dirty="0"/>
+          </a:p>
+          <a:p>
+            <a:pPr>
+              <a:buFont typeface="Wingdings" panose="05000000000000000000" pitchFamily="2" charset="2"/>
+              <a:buChar char="Ø"/>
+            </a:pPr>
+            <a:r>
+              <a:rPr lang="en-US" b="1" dirty="0"/>
+              <a:t>Limitations</a:t>
+            </a:r>
+            <a:r>
+              <a:rPr lang="en-US" dirty="0"/>
+              <a:t>: </a:t>
+            </a:r>
+          </a:p>
+          <a:p>
+            <a:pPr lvl="1">
+              <a:buFont typeface="Wingdings" panose="05000000000000000000" pitchFamily="2" charset="2"/>
+              <a:buChar char="ü"/>
+            </a:pPr>
+            <a:r>
+              <a:rPr lang="en-US" dirty="0"/>
+              <a:t>Analysis limited to </a:t>
+            </a:r>
+            <a:r>
+              <a:rPr lang="en-US" u="sng" dirty="0"/>
+              <a:t>visual evidence</a:t>
+            </a:r>
+            <a:r>
+              <a:rPr lang="en-US" dirty="0"/>
+              <a:t> (i.e., not statistically conclusive)</a:t>
+            </a:r>
+          </a:p>
+          <a:p>
+            <a:pPr lvl="1">
+              <a:buFont typeface="Wingdings" panose="05000000000000000000" pitchFamily="2" charset="2"/>
+              <a:buChar char="ü"/>
+            </a:pPr>
+            <a:r>
+              <a:rPr lang="en-US" dirty="0"/>
+              <a:t>Data &amp; info considered was </a:t>
+            </a:r>
+            <a:r>
+              <a:rPr lang="en-US" u="sng" dirty="0"/>
+              <a:t>not audited</a:t>
+            </a:r>
+            <a:r>
+              <a:rPr lang="en-US" dirty="0"/>
+              <a:t> by Team Variance</a:t>
+            </a:r>
+          </a:p>
+          <a:p>
+            <a:pPr lvl="1">
+              <a:buFont typeface="Wingdings" panose="05000000000000000000" pitchFamily="2" charset="2"/>
+              <a:buChar char="ü"/>
+            </a:pPr>
+            <a:r>
+              <a:rPr lang="en-US" dirty="0"/>
+              <a:t>Project Beer does not address the </a:t>
+            </a:r>
+            <a:r>
+              <a:rPr lang="en-US" u="sng" dirty="0"/>
+              <a:t>‘why’</a:t>
+            </a:r>
+            <a:r>
+              <a:rPr lang="en-US" dirty="0"/>
+              <a:t>.  Future engagements will cover.</a:t>
+            </a:r>
+          </a:p>
+          <a:p>
+            <a:pPr marL="457200" lvl="1" indent="0">
+              <a:buNone/>
+            </a:pPr>
+            <a:endParaRPr lang="en-US" dirty="0"/>
+          </a:p>
+          <a:p>
+            <a:pPr marL="457200" lvl="1" indent="0">
+              <a:buNone/>
+            </a:pPr>
+            <a:r>
+              <a:rPr lang="en-US" sz="1000" dirty="0"/>
+              <a:t>*Additional queries addressed include:  # of breweries available in each state; number of unavailable data points (by variable); which state has the maximum ABV and IBU;  and summary statistics of ABV variable.  </a:t>
+            </a:r>
+            <a:endParaRPr lang="en-US" dirty="0"/>
+          </a:p>
+          <a:p>
+            <a:pPr marL="457200" lvl="1" indent="0">
+              <a:buNone/>
+            </a:pPr>
+            <a:endParaRPr lang="en-US" dirty="0"/>
+          </a:p>
+          <a:p>
+            <a:endParaRPr lang="en-US" dirty="0"/>
+          </a:p>
+          <a:p>
+            <a:endParaRPr lang="en-US" dirty="0"/>
+          </a:p>
+        </p:txBody>
+      </p:sp>
+    </p:spTree>
+    <p:extLst>
+      <p:ext uri="{BB962C8B-B14F-4D97-AF65-F5344CB8AC3E}">
+        <p14:creationId xmlns:p14="http://schemas.microsoft.com/office/powerpoint/2010/main" val="1881679610"/>
+      </p:ext>
+    </p:extLst>
+  </p:cSld>
+  <p:clrMapOvr>
+    <a:masterClrMapping/>
+  </p:clrMapOvr>
+</p:sld>
+</file>
+
+<file path=ppt/slides/slide4.xml><?xml version="1.0" encoding="utf-8"?>
+<p:sld xmlns:a="http://schemas.openxmlformats.org/drawingml/2006/main" xmlns:r="http://schemas.openxmlformats.org/officeDocument/2006/relationships" xmlns:p="http://schemas.openxmlformats.org/presentationml/2006/main">
+  <p:cSld>
+    <p:spTree>
+      <p:nvGrpSpPr>
+        <p:cNvPr id="1" name=""/>
+        <p:cNvGrpSpPr/>
+        <p:nvPr/>
+      </p:nvGrpSpPr>
+      <p:grpSpPr>
+        <a:xfrm>
+          <a:off x="0" y="0"/>
+          <a:ext cx="0" cy="0"/>
+          <a:chOff x="0" y="0"/>
+          <a:chExt cx="0" cy="0"/>
+        </a:xfrm>
+      </p:grpSpPr>
+      <p:sp>
+        <p:nvSpPr>
+          <p:cNvPr id="2" name="Title 1">
+            <a:extLst>
+              <a:ext uri="{FF2B5EF4-FFF2-40B4-BE49-F238E27FC236}">
+                <a16:creationId xmlns:a16="http://schemas.microsoft.com/office/drawing/2014/main" xmlns="" id="{933E1EA9-C24B-409B-B7A8-9663BAF3642E}"/>
+              </a:ext>
+            </a:extLst>
+          </p:cNvPr>
+          <p:cNvSpPr>
+            <a:spLocks noGrp="1"/>
+          </p:cNvSpPr>
+          <p:nvPr>
+            <p:ph type="title"/>
+          </p:nvPr>
+        </p:nvSpPr>
+        <p:spPr/>
+        <p:txBody>
+          <a:bodyPr/>
+          <a:lstStyle/>
+          <a:p>
+            <a:r>
+              <a:rPr lang="en-US" dirty="0"/>
+              <a:t>Summary of Results:  Project Beer</a:t>
+            </a:r>
+          </a:p>
+        </p:txBody>
+      </p:sp>
+      <p:pic>
+        <p:nvPicPr>
+          <p:cNvPr id="6" name="Picture 5">
+            <a:extLst>
+              <a:ext uri="{FF2B5EF4-FFF2-40B4-BE49-F238E27FC236}">
+                <a16:creationId xmlns:a16="http://schemas.microsoft.com/office/drawing/2014/main" xmlns="" id="{0273E6C5-FE86-4CBE-872F-C0FF48905C4A}"/>
+              </a:ext>
+            </a:extLst>
+          </p:cNvPr>
+          <p:cNvPicPr>
+            <a:picLocks noChangeAspect="1"/>
+          </p:cNvPicPr>
+          <p:nvPr/>
+        </p:nvPicPr>
+        <p:blipFill>
+          <a:blip r:embed="rId2"/>
+          <a:stretch>
+            <a:fillRect/>
+          </a:stretch>
+        </p:blipFill>
+        <p:spPr>
+          <a:xfrm>
+            <a:off x="767862" y="1690688"/>
+            <a:ext cx="3412699" cy="2680574"/>
+          </a:xfrm>
+          <a:prstGeom prst="rect">
+            <a:avLst/>
+          </a:prstGeom>
+        </p:spPr>
+      </p:pic>
+      <p:pic>
+        <p:nvPicPr>
+          <p:cNvPr id="10" name="Picture 9">
+            <a:extLst>
+              <a:ext uri="{FF2B5EF4-FFF2-40B4-BE49-F238E27FC236}">
+                <a16:creationId xmlns:a16="http://schemas.microsoft.com/office/drawing/2014/main" xmlns="" id="{2ACB85C6-5386-4CF5-8AC0-D7CC480FC9F2}"/>
+              </a:ext>
+            </a:extLst>
+          </p:cNvPr>
+          <p:cNvPicPr>
+            <a:picLocks noChangeAspect="1"/>
+          </p:cNvPicPr>
+          <p:nvPr/>
+        </p:nvPicPr>
+        <p:blipFill>
+          <a:blip r:embed="rId3"/>
+          <a:stretch>
+            <a:fillRect/>
+          </a:stretch>
+        </p:blipFill>
+        <p:spPr>
+          <a:xfrm>
+            <a:off x="4444321" y="1978176"/>
+            <a:ext cx="3303357" cy="2359541"/>
+          </a:xfrm>
+          <a:prstGeom prst="rect">
+            <a:avLst/>
+          </a:prstGeom>
+        </p:spPr>
+      </p:pic>
+      <p:pic>
+        <p:nvPicPr>
+          <p:cNvPr id="11" name="Picture 10">
+            <a:extLst>
+              <a:ext uri="{FF2B5EF4-FFF2-40B4-BE49-F238E27FC236}">
+                <a16:creationId xmlns:a16="http://schemas.microsoft.com/office/drawing/2014/main" xmlns="" id="{B0572B71-1BBD-4CBD-835C-E5CCC29F0DBC}"/>
+              </a:ext>
+            </a:extLst>
+          </p:cNvPr>
+          <p:cNvPicPr>
+            <a:picLocks noChangeAspect="1"/>
+          </p:cNvPicPr>
+          <p:nvPr/>
+        </p:nvPicPr>
+        <p:blipFill>
+          <a:blip r:embed="rId4"/>
+          <a:stretch>
+            <a:fillRect/>
+          </a:stretch>
+        </p:blipFill>
+        <p:spPr>
+          <a:xfrm>
+            <a:off x="8226654" y="1865286"/>
+            <a:ext cx="3508366" cy="2505976"/>
+          </a:xfrm>
+          <a:prstGeom prst="rect">
+            <a:avLst/>
+          </a:prstGeom>
+        </p:spPr>
+      </p:pic>
+      <p:sp>
+        <p:nvSpPr>
+          <p:cNvPr id="12" name="Content Placeholder 2">
+            <a:extLst>
+              <a:ext uri="{FF2B5EF4-FFF2-40B4-BE49-F238E27FC236}">
+                <a16:creationId xmlns:a16="http://schemas.microsoft.com/office/drawing/2014/main" xmlns="" id="{4B45AC2A-BF2E-425F-98FF-CA75010D921D}"/>
+              </a:ext>
+            </a:extLst>
+          </p:cNvPr>
+          <p:cNvSpPr>
+            <a:spLocks noGrp="1"/>
+          </p:cNvSpPr>
+          <p:nvPr>
+            <p:ph idx="1"/>
+          </p:nvPr>
+        </p:nvSpPr>
+        <p:spPr>
+          <a:xfrm>
+            <a:off x="838199" y="4722840"/>
+            <a:ext cx="10515600" cy="1461650"/>
+          </a:xfrm>
+        </p:spPr>
+        <p:txBody>
+          <a:bodyPr>
+            <a:normAutofit/>
+          </a:bodyPr>
+          <a:lstStyle/>
+          <a:p>
+            <a:pPr>
+              <a:buFont typeface="Wingdings" panose="05000000000000000000" pitchFamily="2" charset="2"/>
+              <a:buChar char="Ø"/>
+            </a:pPr>
+            <a:r>
+              <a:rPr lang="en-US" sz="2000" dirty="0"/>
+              <a:t>Breweries by State:  there are </a:t>
+            </a:r>
+            <a:r>
+              <a:rPr lang="en-US" sz="2000" dirty="0" smtClean="0"/>
+              <a:t>differences </a:t>
+            </a:r>
+            <a:r>
+              <a:rPr lang="en-US" sz="2000" dirty="0"/>
+              <a:t>in the number of breweries by state</a:t>
+            </a:r>
+          </a:p>
+          <a:p>
+            <a:pPr>
+              <a:buFont typeface="Wingdings" panose="05000000000000000000" pitchFamily="2" charset="2"/>
+              <a:buChar char="Ø"/>
+            </a:pPr>
+            <a:r>
+              <a:rPr lang="en-US" sz="2000" dirty="0"/>
+              <a:t>Median ABV:  </a:t>
+            </a:r>
+            <a:r>
+              <a:rPr lang="en-US" sz="2000" dirty="0" smtClean="0"/>
+              <a:t>the medians are different by state</a:t>
+            </a:r>
+            <a:endParaRPr lang="en-US" sz="2000" dirty="0"/>
+          </a:p>
+          <a:p>
+            <a:pPr>
+              <a:buFont typeface="Wingdings" panose="05000000000000000000" pitchFamily="2" charset="2"/>
+              <a:buChar char="Ø"/>
+            </a:pPr>
+            <a:r>
+              <a:rPr lang="en-US" sz="2000" dirty="0"/>
+              <a:t>Median IBU:  the </a:t>
+            </a:r>
+            <a:r>
+              <a:rPr lang="en-US" sz="2000" dirty="0" smtClean="0"/>
+              <a:t>medians are different by state</a:t>
+            </a:r>
+            <a:endParaRPr lang="en-US" sz="2000" dirty="0"/>
+          </a:p>
+          <a:p>
+            <a:pPr marL="0" indent="0">
+              <a:buNone/>
+            </a:pPr>
+            <a:endParaRPr lang="en-US" dirty="0"/>
+          </a:p>
+          <a:p>
+            <a:endParaRPr lang="en-US" dirty="0"/>
+          </a:p>
+        </p:txBody>
+      </p:sp>
+    </p:spTree>
+    <p:extLst>
+      <p:ext uri="{BB962C8B-B14F-4D97-AF65-F5344CB8AC3E}">
+        <p14:creationId xmlns:p14="http://schemas.microsoft.com/office/powerpoint/2010/main" val="3839408146"/>
+      </p:ext>
+    </p:extLst>
+  </p:cSld>
+  <p:clrMapOvr>
+    <a:masterClrMapping/>
+  </p:clrMapOvr>
+</p:sld>
+</file>
+
+<file path=ppt/slides/slide5.xml><?xml version="1.0" encoding="utf-8"?>
+<p:sld xmlns:a="http://schemas.openxmlformats.org/drawingml/2006/main" xmlns:r="http://schemas.openxmlformats.org/officeDocument/2006/relationships" xmlns:p="http://schemas.openxmlformats.org/presentationml/2006/main">
+  <p:cSld>
+    <p:spTree>
+      <p:nvGrpSpPr>
+        <p:cNvPr id="1" name=""/>
+        <p:cNvGrpSpPr/>
+        <p:nvPr/>
+      </p:nvGrpSpPr>
+      <p:grpSpPr>
+        <a:xfrm>
+          <a:off x="0" y="0"/>
+          <a:ext cx="0" cy="0"/>
+          <a:chOff x="0" y="0"/>
+          <a:chExt cx="0" cy="0"/>
+        </a:xfrm>
+      </p:grpSpPr>
+      <p:sp>
+        <p:nvSpPr>
+          <p:cNvPr id="2" name="Title 1">
+            <a:extLst>
+              <a:ext uri="{FF2B5EF4-FFF2-40B4-BE49-F238E27FC236}">
+                <a16:creationId xmlns:a16="http://schemas.microsoft.com/office/drawing/2014/main" xmlns="" id="{933E1EA9-C24B-409B-B7A8-9663BAF3642E}"/>
+              </a:ext>
+            </a:extLst>
+          </p:cNvPr>
+          <p:cNvSpPr>
+            <a:spLocks noGrp="1"/>
+          </p:cNvSpPr>
+          <p:nvPr>
+            <p:ph type="title"/>
+          </p:nvPr>
+        </p:nvSpPr>
+        <p:spPr/>
+        <p:txBody>
+          <a:bodyPr/>
+          <a:lstStyle/>
+          <a:p>
+            <a:r>
+              <a:rPr lang="en-US" dirty="0" smtClean="0"/>
+              <a:t>Summary of Results: </a:t>
+            </a:r>
+            <a:r>
+              <a:rPr lang="en-US" dirty="0"/>
+              <a:t>Highest ABV, IBU, and Summary Stats for ABV</a:t>
             </a:r>
           </a:p>
         </p:txBody>
@@ -3465,7 +4217,7 @@
           <p:cNvPr id="4" name="Content Placeholder 2">
             <a:extLst>
               <a:ext uri="{FF2B5EF4-FFF2-40B4-BE49-F238E27FC236}">
-                <a16:creationId xmlns:a16="http://schemas.microsoft.com/office/drawing/2014/main" id="{4AA6A163-13ED-449A-98C8-4E9CFEF15C13}"/>
+                <a16:creationId xmlns:a16="http://schemas.microsoft.com/office/drawing/2014/main" xmlns="" id="{4AA6A163-13ED-449A-98C8-4E9CFEF15C13}"/>
               </a:ext>
             </a:extLst>
           </p:cNvPr>
@@ -3535,7 +4287,7 @@
           <p:cNvPr id="6" name="Picture 5">
             <a:extLst>
               <a:ext uri="{FF2B5EF4-FFF2-40B4-BE49-F238E27FC236}">
-                <a16:creationId xmlns:a16="http://schemas.microsoft.com/office/drawing/2014/main" id="{D8954FBC-1B5E-4F63-B600-5D1B83D9B8CE}"/>
+                <a16:creationId xmlns:a16="http://schemas.microsoft.com/office/drawing/2014/main" xmlns="" id="{D8954FBC-1B5E-4F63-B600-5D1B83D9B8CE}"/>
               </a:ext>
             </a:extLst>
           </p:cNvPr>
@@ -3573,7 +4325,7 @@
 </p:sld>
 </file>
 
-<file path=ppt/slides/slide2.xml><?xml version="1.0" encoding="utf-8"?>
+<file path=ppt/slides/slide6.xml><?xml version="1.0" encoding="utf-8"?>
 <p:sld xmlns:a="http://schemas.openxmlformats.org/drawingml/2006/main" xmlns:r="http://schemas.openxmlformats.org/officeDocument/2006/relationships" xmlns:p="http://schemas.openxmlformats.org/presentationml/2006/main">
   <p:cSld>
     <p:spTree>
@@ -3595,649 +4347,7 @@
           <p:cNvPr id="2" name="Title 1">
             <a:extLst>
               <a:ext uri="{FF2B5EF4-FFF2-40B4-BE49-F238E27FC236}">
-                <a16:creationId xmlns:a16="http://schemas.microsoft.com/office/drawing/2014/main" id="{933E1EA9-C24B-409B-B7A8-9663BAF3642E}"/>
-              </a:ext>
-            </a:extLst>
-          </p:cNvPr>
-          <p:cNvSpPr>
-            <a:spLocks noGrp="1"/>
-          </p:cNvSpPr>
-          <p:nvPr>
-            <p:ph type="title"/>
-          </p:nvPr>
-        </p:nvSpPr>
-        <p:spPr/>
-        <p:txBody>
-          <a:bodyPr/>
-          <a:lstStyle/>
-          <a:p>
-            <a:r>
-              <a:rPr lang="en-US" dirty="0"/>
-              <a:t>Agenda:  Project Beer</a:t>
-            </a:r>
-          </a:p>
-        </p:txBody>
-      </p:sp>
-      <p:sp>
-        <p:nvSpPr>
-          <p:cNvPr id="3" name="Content Placeholder 2">
-            <a:extLst>
-              <a:ext uri="{FF2B5EF4-FFF2-40B4-BE49-F238E27FC236}">
-                <a16:creationId xmlns:a16="http://schemas.microsoft.com/office/drawing/2014/main" id="{1C53E63B-9626-4581-89B4-03BC2CB42F6D}"/>
-              </a:ext>
-            </a:extLst>
-          </p:cNvPr>
-          <p:cNvSpPr>
-            <a:spLocks noGrp="1"/>
-          </p:cNvSpPr>
-          <p:nvPr>
-            <p:ph idx="1"/>
-          </p:nvPr>
-        </p:nvSpPr>
-        <p:spPr>
-          <a:xfrm>
-            <a:off x="838200" y="1746965"/>
-            <a:ext cx="10515600" cy="4083564"/>
-          </a:xfrm>
-        </p:spPr>
-        <p:txBody>
-          <a:bodyPr>
-            <a:normAutofit/>
-          </a:bodyPr>
-          <a:lstStyle/>
-          <a:p>
-            <a:pPr>
-              <a:buFont typeface="Wingdings" panose="05000000000000000000" pitchFamily="2" charset="2"/>
-              <a:buChar char="Ø"/>
-            </a:pPr>
-            <a:r>
-              <a:rPr lang="en-US" dirty="0"/>
-              <a:t>Scope</a:t>
-            </a:r>
-          </a:p>
-          <a:p>
-            <a:pPr>
-              <a:buFont typeface="Wingdings" panose="05000000000000000000" pitchFamily="2" charset="2"/>
-              <a:buChar char="Ø"/>
-            </a:pPr>
-            <a:r>
-              <a:rPr lang="en-US" dirty="0"/>
-              <a:t>Summary of Results</a:t>
-            </a:r>
-          </a:p>
-          <a:p>
-            <a:pPr>
-              <a:buFont typeface="Wingdings" panose="05000000000000000000" pitchFamily="2" charset="2"/>
-              <a:buChar char="Ø"/>
-            </a:pPr>
-            <a:r>
-              <a:rPr lang="en-US" dirty="0"/>
-              <a:t>Key Take-Aways / Next Steps</a:t>
-            </a:r>
-          </a:p>
-          <a:p>
-            <a:pPr>
-              <a:buFont typeface="Wingdings" panose="05000000000000000000" pitchFamily="2" charset="2"/>
-              <a:buChar char="Ø"/>
-            </a:pPr>
-            <a:endParaRPr lang="en-US" dirty="0"/>
-          </a:p>
-          <a:p>
-            <a:pPr>
-              <a:buFont typeface="Wingdings" panose="05000000000000000000" pitchFamily="2" charset="2"/>
-              <a:buChar char="Ø"/>
-            </a:pPr>
-            <a:r>
-              <a:rPr lang="en-US" dirty="0"/>
-              <a:t>Team Variance Members:</a:t>
-            </a:r>
-          </a:p>
-          <a:p>
-            <a:pPr lvl="1">
-              <a:buFont typeface="Wingdings" panose="05000000000000000000" pitchFamily="2" charset="2"/>
-              <a:buChar char="ü"/>
-            </a:pPr>
-            <a:r>
-              <a:rPr lang="en-US" dirty="0"/>
-              <a:t>Terry Johnson</a:t>
-            </a:r>
-          </a:p>
-          <a:p>
-            <a:pPr lvl="1">
-              <a:buFont typeface="Wingdings" panose="05000000000000000000" pitchFamily="2" charset="2"/>
-              <a:buChar char="ü"/>
-            </a:pPr>
-            <a:r>
-              <a:rPr lang="en-US" dirty="0"/>
-              <a:t>Steven </a:t>
-            </a:r>
-            <a:r>
-              <a:rPr lang="en-US" dirty="0" err="1"/>
-              <a:t>Cocke</a:t>
-            </a:r>
-            <a:endParaRPr lang="en-US" dirty="0"/>
-          </a:p>
-          <a:p>
-            <a:pPr lvl="1">
-              <a:buFont typeface="Wingdings" panose="05000000000000000000" pitchFamily="2" charset="2"/>
-              <a:buChar char="ü"/>
-            </a:pPr>
-            <a:r>
-              <a:rPr lang="en-US" dirty="0"/>
-              <a:t>Brandon de la Houssaye</a:t>
-            </a:r>
-          </a:p>
-        </p:txBody>
-      </p:sp>
-    </p:spTree>
-    <p:extLst>
-      <p:ext uri="{BB962C8B-B14F-4D97-AF65-F5344CB8AC3E}">
-        <p14:creationId xmlns:p14="http://schemas.microsoft.com/office/powerpoint/2010/main" val="3544361940"/>
-      </p:ext>
-    </p:extLst>
-  </p:cSld>
-  <p:clrMapOvr>
-    <a:masterClrMapping/>
-  </p:clrMapOvr>
-</p:sld>
-</file>
-
-<file path=ppt/slides/slide3.xml><?xml version="1.0" encoding="utf-8"?>
-<p:sld xmlns:a="http://schemas.openxmlformats.org/drawingml/2006/main" xmlns:r="http://schemas.openxmlformats.org/officeDocument/2006/relationships" xmlns:p="http://schemas.openxmlformats.org/presentationml/2006/main">
-  <p:cSld>
-    <p:spTree>
-      <p:nvGrpSpPr>
-        <p:cNvPr id="1" name=""/>
-        <p:cNvGrpSpPr/>
-        <p:nvPr/>
-      </p:nvGrpSpPr>
-      <p:grpSpPr>
-        <a:xfrm>
-          <a:off x="0" y="0"/>
-          <a:ext cx="0" cy="0"/>
-          <a:chOff x="0" y="0"/>
-          <a:chExt cx="0" cy="0"/>
-        </a:xfrm>
-      </p:grpSpPr>
-      <p:sp>
-        <p:nvSpPr>
-          <p:cNvPr id="2" name="Title 1">
-            <a:extLst>
-              <a:ext uri="{FF2B5EF4-FFF2-40B4-BE49-F238E27FC236}">
-                <a16:creationId xmlns:a16="http://schemas.microsoft.com/office/drawing/2014/main" id="{933E1EA9-C24B-409B-B7A8-9663BAF3642E}"/>
-              </a:ext>
-            </a:extLst>
-          </p:cNvPr>
-          <p:cNvSpPr>
-            <a:spLocks noGrp="1"/>
-          </p:cNvSpPr>
-          <p:nvPr>
-            <p:ph type="title"/>
-          </p:nvPr>
-        </p:nvSpPr>
-        <p:spPr/>
-        <p:txBody>
-          <a:bodyPr/>
-          <a:lstStyle/>
-          <a:p>
-            <a:r>
-              <a:rPr lang="en-US" dirty="0"/>
-              <a:t>Scope:  Project Beer</a:t>
-            </a:r>
-          </a:p>
-        </p:txBody>
-      </p:sp>
-      <p:sp>
-        <p:nvSpPr>
-          <p:cNvPr id="3" name="Content Placeholder 2">
-            <a:extLst>
-              <a:ext uri="{FF2B5EF4-FFF2-40B4-BE49-F238E27FC236}">
-                <a16:creationId xmlns:a16="http://schemas.microsoft.com/office/drawing/2014/main" id="{1C53E63B-9626-4581-89B4-03BC2CB42F6D}"/>
-              </a:ext>
-            </a:extLst>
-          </p:cNvPr>
-          <p:cNvSpPr>
-            <a:spLocks noGrp="1"/>
-          </p:cNvSpPr>
-          <p:nvPr>
-            <p:ph idx="1"/>
-          </p:nvPr>
-        </p:nvSpPr>
-        <p:spPr>
-          <a:xfrm>
-            <a:off x="838200" y="1825624"/>
-            <a:ext cx="10515600" cy="4874113"/>
-          </a:xfrm>
-        </p:spPr>
-        <p:txBody>
-          <a:bodyPr>
-            <a:normAutofit lnSpcReduction="10000"/>
-          </a:bodyPr>
-          <a:lstStyle/>
-          <a:p>
-            <a:pPr>
-              <a:buFont typeface="Wingdings" panose="05000000000000000000" pitchFamily="2" charset="2"/>
-              <a:buChar char="Ø"/>
-            </a:pPr>
-            <a:r>
-              <a:rPr lang="en-US" b="1" dirty="0"/>
-              <a:t>Query</a:t>
-            </a:r>
-            <a:r>
-              <a:rPr lang="en-US" dirty="0"/>
-              <a:t>:  Client Drink retained Team Variance to analyze the </a:t>
-            </a:r>
-            <a:r>
-              <a:rPr lang="en-US" u="sng" dirty="0"/>
-              <a:t>relationship</a:t>
-            </a:r>
-            <a:r>
-              <a:rPr lang="en-US" dirty="0"/>
-              <a:t> of </a:t>
-            </a:r>
-            <a:r>
-              <a:rPr lang="en-US" u="sng" dirty="0"/>
-              <a:t>alcohol content </a:t>
-            </a:r>
-            <a:r>
-              <a:rPr lang="en-US" dirty="0"/>
-              <a:t>and </a:t>
-            </a:r>
-            <a:r>
-              <a:rPr lang="en-US" u="sng" dirty="0"/>
-              <a:t>bitterness</a:t>
-            </a:r>
-            <a:r>
-              <a:rPr lang="en-US" dirty="0"/>
-              <a:t> taste measures in beer.*</a:t>
-            </a:r>
-          </a:p>
-          <a:p>
-            <a:pPr>
-              <a:buFont typeface="Wingdings" panose="05000000000000000000" pitchFamily="2" charset="2"/>
-              <a:buChar char="Ø"/>
-            </a:pPr>
-            <a:endParaRPr lang="en-US" sz="600" dirty="0"/>
-          </a:p>
-          <a:p>
-            <a:pPr>
-              <a:buFont typeface="Wingdings" panose="05000000000000000000" pitchFamily="2" charset="2"/>
-              <a:buChar char="Ø"/>
-            </a:pPr>
-            <a:r>
-              <a:rPr lang="en-US" b="1" dirty="0"/>
-              <a:t>Results</a:t>
-            </a:r>
-            <a:r>
-              <a:rPr lang="en-US" dirty="0"/>
-              <a:t>:  </a:t>
-            </a:r>
-            <a:r>
-              <a:rPr lang="en-US" u="sng" dirty="0"/>
-              <a:t>Yes</a:t>
-            </a:r>
-            <a:r>
-              <a:rPr lang="en-US" dirty="0"/>
-              <a:t>.  There is an appearance of a relationship (higher alcohol aligns with greater bitterness)</a:t>
-            </a:r>
-          </a:p>
-          <a:p>
-            <a:pPr>
-              <a:buFont typeface="Wingdings" panose="05000000000000000000" pitchFamily="2" charset="2"/>
-              <a:buChar char="Ø"/>
-            </a:pPr>
-            <a:endParaRPr lang="en-US" sz="600" dirty="0"/>
-          </a:p>
-          <a:p>
-            <a:pPr>
-              <a:buFont typeface="Wingdings" panose="05000000000000000000" pitchFamily="2" charset="2"/>
-              <a:buChar char="Ø"/>
-            </a:pPr>
-            <a:r>
-              <a:rPr lang="en-US" b="1" dirty="0"/>
-              <a:t>Limitations</a:t>
-            </a:r>
-            <a:r>
-              <a:rPr lang="en-US" dirty="0"/>
-              <a:t>: </a:t>
-            </a:r>
-          </a:p>
-          <a:p>
-            <a:pPr lvl="1">
-              <a:buFont typeface="Wingdings" panose="05000000000000000000" pitchFamily="2" charset="2"/>
-              <a:buChar char="ü"/>
-            </a:pPr>
-            <a:r>
-              <a:rPr lang="en-US" dirty="0"/>
-              <a:t>Analysis limited to </a:t>
-            </a:r>
-            <a:r>
-              <a:rPr lang="en-US" u="sng" dirty="0"/>
-              <a:t>visual evidence</a:t>
-            </a:r>
-            <a:r>
-              <a:rPr lang="en-US" dirty="0"/>
-              <a:t> (i.e., not statistically conclusive)</a:t>
-            </a:r>
-          </a:p>
-          <a:p>
-            <a:pPr lvl="1">
-              <a:buFont typeface="Wingdings" panose="05000000000000000000" pitchFamily="2" charset="2"/>
-              <a:buChar char="ü"/>
-            </a:pPr>
-            <a:r>
-              <a:rPr lang="en-US" dirty="0"/>
-              <a:t>Data &amp; info considered was </a:t>
-            </a:r>
-            <a:r>
-              <a:rPr lang="en-US" u="sng" dirty="0"/>
-              <a:t>not audited</a:t>
-            </a:r>
-            <a:r>
-              <a:rPr lang="en-US" dirty="0"/>
-              <a:t> by Team Variance</a:t>
-            </a:r>
-          </a:p>
-          <a:p>
-            <a:pPr lvl="1">
-              <a:buFont typeface="Wingdings" panose="05000000000000000000" pitchFamily="2" charset="2"/>
-              <a:buChar char="ü"/>
-            </a:pPr>
-            <a:r>
-              <a:rPr lang="en-US" dirty="0"/>
-              <a:t>Project Beer does not address the </a:t>
-            </a:r>
-            <a:r>
-              <a:rPr lang="en-US" u="sng" dirty="0"/>
-              <a:t>‘why’</a:t>
-            </a:r>
-            <a:r>
-              <a:rPr lang="en-US" dirty="0"/>
-              <a:t>.  Future engagements will cover.</a:t>
-            </a:r>
-          </a:p>
-          <a:p>
-            <a:pPr marL="457200" lvl="1" indent="0">
-              <a:buNone/>
-            </a:pPr>
-            <a:endParaRPr lang="en-US" dirty="0"/>
-          </a:p>
-          <a:p>
-            <a:pPr marL="457200" lvl="1" indent="0">
-              <a:buNone/>
-            </a:pPr>
-            <a:r>
-              <a:rPr lang="en-US" sz="1000" dirty="0"/>
-              <a:t>*Additional queries addressed include:  # of breweries available in each state; number of unavailable data points (by variable); which state has the maximum ABV and IBU;  and summary statistics of ABV variable.  </a:t>
-            </a:r>
-            <a:endParaRPr lang="en-US" dirty="0"/>
-          </a:p>
-          <a:p>
-            <a:pPr marL="457200" lvl="1" indent="0">
-              <a:buNone/>
-            </a:pPr>
-            <a:endParaRPr lang="en-US" dirty="0"/>
-          </a:p>
-          <a:p>
-            <a:endParaRPr lang="en-US" dirty="0"/>
-          </a:p>
-          <a:p>
-            <a:endParaRPr lang="en-US" dirty="0"/>
-          </a:p>
-        </p:txBody>
-      </p:sp>
-    </p:spTree>
-    <p:extLst>
-      <p:ext uri="{BB962C8B-B14F-4D97-AF65-F5344CB8AC3E}">
-        <p14:creationId xmlns:p14="http://schemas.microsoft.com/office/powerpoint/2010/main" val="1881679610"/>
-      </p:ext>
-    </p:extLst>
-  </p:cSld>
-  <p:clrMapOvr>
-    <a:masterClrMapping/>
-  </p:clrMapOvr>
-</p:sld>
-</file>
-
-<file path=ppt/slides/slide4.xml><?xml version="1.0" encoding="utf-8"?>
-<p:sld xmlns:a="http://schemas.openxmlformats.org/drawingml/2006/main" xmlns:r="http://schemas.openxmlformats.org/officeDocument/2006/relationships" xmlns:p="http://schemas.openxmlformats.org/presentationml/2006/main">
-  <p:cSld>
-    <p:spTree>
-      <p:nvGrpSpPr>
-        <p:cNvPr id="1" name=""/>
-        <p:cNvGrpSpPr/>
-        <p:nvPr/>
-      </p:nvGrpSpPr>
-      <p:grpSpPr>
-        <a:xfrm>
-          <a:off x="0" y="0"/>
-          <a:ext cx="0" cy="0"/>
-          <a:chOff x="0" y="0"/>
-          <a:chExt cx="0" cy="0"/>
-        </a:xfrm>
-      </p:grpSpPr>
-      <p:sp>
-        <p:nvSpPr>
-          <p:cNvPr id="2" name="Title 1">
-            <a:extLst>
-              <a:ext uri="{FF2B5EF4-FFF2-40B4-BE49-F238E27FC236}">
-                <a16:creationId xmlns:a16="http://schemas.microsoft.com/office/drawing/2014/main" id="{933E1EA9-C24B-409B-B7A8-9663BAF3642E}"/>
-              </a:ext>
-            </a:extLst>
-          </p:cNvPr>
-          <p:cNvSpPr>
-            <a:spLocks noGrp="1"/>
-          </p:cNvSpPr>
-          <p:nvPr>
-            <p:ph type="title"/>
-          </p:nvPr>
-        </p:nvSpPr>
-        <p:spPr/>
-        <p:txBody>
-          <a:bodyPr/>
-          <a:lstStyle/>
-          <a:p>
-            <a:r>
-              <a:rPr lang="en-US" dirty="0"/>
-              <a:t>Summary of Results:  Project Beer</a:t>
-            </a:r>
-          </a:p>
-        </p:txBody>
-      </p:sp>
-      <p:pic>
-        <p:nvPicPr>
-          <p:cNvPr id="6" name="Picture 5">
-            <a:extLst>
-              <a:ext uri="{FF2B5EF4-FFF2-40B4-BE49-F238E27FC236}">
-                <a16:creationId xmlns:a16="http://schemas.microsoft.com/office/drawing/2014/main" id="{0273E6C5-FE86-4CBE-872F-C0FF48905C4A}"/>
-              </a:ext>
-            </a:extLst>
-          </p:cNvPr>
-          <p:cNvPicPr>
-            <a:picLocks noChangeAspect="1"/>
-          </p:cNvPicPr>
-          <p:nvPr/>
-        </p:nvPicPr>
-        <p:blipFill>
-          <a:blip r:embed="rId2"/>
-          <a:stretch>
-            <a:fillRect/>
-          </a:stretch>
-        </p:blipFill>
-        <p:spPr>
-          <a:xfrm>
-            <a:off x="767862" y="1690688"/>
-            <a:ext cx="3412699" cy="2680574"/>
-          </a:xfrm>
-          <a:prstGeom prst="rect">
-            <a:avLst/>
-          </a:prstGeom>
-        </p:spPr>
-      </p:pic>
-      <p:pic>
-        <p:nvPicPr>
-          <p:cNvPr id="10" name="Picture 9">
-            <a:extLst>
-              <a:ext uri="{FF2B5EF4-FFF2-40B4-BE49-F238E27FC236}">
-                <a16:creationId xmlns:a16="http://schemas.microsoft.com/office/drawing/2014/main" id="{2ACB85C6-5386-4CF5-8AC0-D7CC480FC9F2}"/>
-              </a:ext>
-            </a:extLst>
-          </p:cNvPr>
-          <p:cNvPicPr>
-            <a:picLocks noChangeAspect="1"/>
-          </p:cNvPicPr>
-          <p:nvPr/>
-        </p:nvPicPr>
-        <p:blipFill>
-          <a:blip r:embed="rId3"/>
-          <a:stretch>
-            <a:fillRect/>
-          </a:stretch>
-        </p:blipFill>
-        <p:spPr>
-          <a:xfrm>
-            <a:off x="4444321" y="1978176"/>
-            <a:ext cx="3303357" cy="2359541"/>
-          </a:xfrm>
-          <a:prstGeom prst="rect">
-            <a:avLst/>
-          </a:prstGeom>
-        </p:spPr>
-      </p:pic>
-      <p:pic>
-        <p:nvPicPr>
-          <p:cNvPr id="11" name="Picture 10">
-            <a:extLst>
-              <a:ext uri="{FF2B5EF4-FFF2-40B4-BE49-F238E27FC236}">
-                <a16:creationId xmlns:a16="http://schemas.microsoft.com/office/drawing/2014/main" id="{B0572B71-1BBD-4CBD-835C-E5CCC29F0DBC}"/>
-              </a:ext>
-            </a:extLst>
-          </p:cNvPr>
-          <p:cNvPicPr>
-            <a:picLocks noChangeAspect="1"/>
-          </p:cNvPicPr>
-          <p:nvPr/>
-        </p:nvPicPr>
-        <p:blipFill>
-          <a:blip r:embed="rId4"/>
-          <a:stretch>
-            <a:fillRect/>
-          </a:stretch>
-        </p:blipFill>
-        <p:spPr>
-          <a:xfrm>
-            <a:off x="8226654" y="1865286"/>
-            <a:ext cx="3508366" cy="2505976"/>
-          </a:xfrm>
-          <a:prstGeom prst="rect">
-            <a:avLst/>
-          </a:prstGeom>
-        </p:spPr>
-      </p:pic>
-      <p:sp>
-        <p:nvSpPr>
-          <p:cNvPr id="12" name="Content Placeholder 2">
-            <a:extLst>
-              <a:ext uri="{FF2B5EF4-FFF2-40B4-BE49-F238E27FC236}">
-                <a16:creationId xmlns:a16="http://schemas.microsoft.com/office/drawing/2014/main" id="{4B45AC2A-BF2E-425F-98FF-CA75010D921D}"/>
-              </a:ext>
-            </a:extLst>
-          </p:cNvPr>
-          <p:cNvSpPr>
-            <a:spLocks noGrp="1"/>
-          </p:cNvSpPr>
-          <p:nvPr>
-            <p:ph idx="1"/>
-          </p:nvPr>
-        </p:nvSpPr>
-        <p:spPr>
-          <a:xfrm>
-            <a:off x="838199" y="4722840"/>
-            <a:ext cx="10515600" cy="1461650"/>
-          </a:xfrm>
-        </p:spPr>
-        <p:txBody>
-          <a:bodyPr>
-            <a:normAutofit/>
-          </a:bodyPr>
-          <a:lstStyle/>
-          <a:p>
-            <a:pPr>
-              <a:buFont typeface="Wingdings" panose="05000000000000000000" pitchFamily="2" charset="2"/>
-              <a:buChar char="Ø"/>
-            </a:pPr>
-            <a:r>
-              <a:rPr lang="en-US" sz="2000" dirty="0"/>
-              <a:t>Breweries by State:  there are significant differences in the number of breweries by state</a:t>
-            </a:r>
-          </a:p>
-          <a:p>
-            <a:pPr>
-              <a:buFont typeface="Wingdings" panose="05000000000000000000" pitchFamily="2" charset="2"/>
-              <a:buChar char="Ø"/>
-            </a:pPr>
-            <a:r>
-              <a:rPr lang="en-US" sz="2000" dirty="0"/>
-              <a:t>Median ABV:  the variance of median results between states is not significant</a:t>
-            </a:r>
-          </a:p>
-          <a:p>
-            <a:pPr>
-              <a:buFont typeface="Wingdings" panose="05000000000000000000" pitchFamily="2" charset="2"/>
-              <a:buChar char="Ø"/>
-            </a:pPr>
-            <a:r>
-              <a:rPr lang="en-US" sz="2000" dirty="0"/>
-              <a:t>Median IBU:  the variance of median results between states is more significant</a:t>
-            </a:r>
-          </a:p>
-          <a:p>
-            <a:pPr marL="0" indent="0">
-              <a:buNone/>
-            </a:pPr>
-            <a:endParaRPr lang="en-US" dirty="0"/>
-          </a:p>
-          <a:p>
-            <a:endParaRPr lang="en-US" dirty="0"/>
-          </a:p>
-        </p:txBody>
-      </p:sp>
-    </p:spTree>
-    <p:extLst>
-      <p:ext uri="{BB962C8B-B14F-4D97-AF65-F5344CB8AC3E}">
-        <p14:creationId xmlns:p14="http://schemas.microsoft.com/office/powerpoint/2010/main" val="3839408146"/>
-      </p:ext>
-    </p:extLst>
-  </p:cSld>
-  <p:clrMapOvr>
-    <a:masterClrMapping/>
-  </p:clrMapOvr>
-</p:sld>
-</file>
-
-<file path=ppt/slides/slide5.xml><?xml version="1.0" encoding="utf-8"?>
-<p:sld xmlns:a="http://schemas.openxmlformats.org/drawingml/2006/main" xmlns:r="http://schemas.openxmlformats.org/officeDocument/2006/relationships" xmlns:p="http://schemas.openxmlformats.org/presentationml/2006/main">
-  <p:cSld>
-    <p:spTree>
-      <p:nvGrpSpPr>
-        <p:cNvPr id="1" name=""/>
-        <p:cNvGrpSpPr/>
-        <p:nvPr/>
-      </p:nvGrpSpPr>
-      <p:grpSpPr>
-        <a:xfrm>
-          <a:off x="0" y="0"/>
-          <a:ext cx="0" cy="0"/>
-          <a:chOff x="0" y="0"/>
-          <a:chExt cx="0" cy="0"/>
-        </a:xfrm>
-      </p:grpSpPr>
-      <p:sp>
-        <p:nvSpPr>
-          <p:cNvPr id="2" name="Title 1">
-            <a:extLst>
-              <a:ext uri="{FF2B5EF4-FFF2-40B4-BE49-F238E27FC236}">
-                <a16:creationId xmlns:a16="http://schemas.microsoft.com/office/drawing/2014/main" id="{933E1EA9-C24B-409B-B7A8-9663BAF3642E}"/>
+                <a16:creationId xmlns:a16="http://schemas.microsoft.com/office/drawing/2014/main" xmlns="" id="{933E1EA9-C24B-409B-B7A8-9663BAF3642E}"/>
               </a:ext>
             </a:extLst>
           </p:cNvPr>
@@ -4265,7 +4375,7 @@
           <p:cNvPr id="5" name="Picture 4">
             <a:extLst>
               <a:ext uri="{FF2B5EF4-FFF2-40B4-BE49-F238E27FC236}">
-                <a16:creationId xmlns:a16="http://schemas.microsoft.com/office/drawing/2014/main" id="{1E5F6E44-7833-4B43-AD7F-6E4061CA7BA0}"/>
+                <a16:creationId xmlns:a16="http://schemas.microsoft.com/office/drawing/2014/main" xmlns="" id="{1E5F6E44-7833-4B43-AD7F-6E4061CA7BA0}"/>
               </a:ext>
             </a:extLst>
           </p:cNvPr>
@@ -4295,7 +4405,7 @@
           <p:cNvPr id="3" name="Content Placeholder 2">
             <a:extLst>
               <a:ext uri="{FF2B5EF4-FFF2-40B4-BE49-F238E27FC236}">
-                <a16:creationId xmlns:a16="http://schemas.microsoft.com/office/drawing/2014/main" id="{1C53E63B-9626-4581-89B4-03BC2CB42F6D}"/>
+                <a16:creationId xmlns:a16="http://schemas.microsoft.com/office/drawing/2014/main" xmlns="" id="{1C53E63B-9626-4581-89B4-03BC2CB42F6D}"/>
               </a:ext>
             </a:extLst>
           </p:cNvPr>
@@ -4347,172 +4457,6 @@
     <p:extLst>
       <p:ext uri="{BB962C8B-B14F-4D97-AF65-F5344CB8AC3E}">
         <p14:creationId xmlns:p14="http://schemas.microsoft.com/office/powerpoint/2010/main" val="280228934"/>
-      </p:ext>
-    </p:extLst>
-  </p:cSld>
-  <p:clrMapOvr>
-    <a:masterClrMapping/>
-  </p:clrMapOvr>
-</p:sld>
-</file>
-
-<file path=ppt/slides/slide6.xml><?xml version="1.0" encoding="utf-8"?>
-<p:sld xmlns:a="http://schemas.openxmlformats.org/drawingml/2006/main" xmlns:r="http://schemas.openxmlformats.org/officeDocument/2006/relationships" xmlns:p="http://schemas.openxmlformats.org/presentationml/2006/main">
-  <p:cSld>
-    <p:spTree>
-      <p:nvGrpSpPr>
-        <p:cNvPr id="1" name=""/>
-        <p:cNvGrpSpPr/>
-        <p:nvPr/>
-      </p:nvGrpSpPr>
-      <p:grpSpPr>
-        <a:xfrm>
-          <a:off x="0" y="0"/>
-          <a:ext cx="0" cy="0"/>
-          <a:chOff x="0" y="0"/>
-          <a:chExt cx="0" cy="0"/>
-        </a:xfrm>
-      </p:grpSpPr>
-      <p:sp>
-        <p:nvSpPr>
-          <p:cNvPr id="2" name="Title 1">
-            <a:extLst>
-              <a:ext uri="{FF2B5EF4-FFF2-40B4-BE49-F238E27FC236}">
-                <a16:creationId xmlns:a16="http://schemas.microsoft.com/office/drawing/2014/main" id="{933E1EA9-C24B-409B-B7A8-9663BAF3642E}"/>
-              </a:ext>
-            </a:extLst>
-          </p:cNvPr>
-          <p:cNvSpPr>
-            <a:spLocks noGrp="1"/>
-          </p:cNvSpPr>
-          <p:nvPr>
-            <p:ph type="title"/>
-          </p:nvPr>
-        </p:nvSpPr>
-        <p:spPr/>
-        <p:txBody>
-          <a:bodyPr/>
-          <a:lstStyle/>
-          <a:p>
-            <a:r>
-              <a:rPr lang="en-US" dirty="0"/>
-              <a:t>Key Take-Aways / Next Steps:  Project Beer</a:t>
-            </a:r>
-          </a:p>
-        </p:txBody>
-      </p:sp>
-      <p:sp>
-        <p:nvSpPr>
-          <p:cNvPr id="3" name="Content Placeholder 2">
-            <a:extLst>
-              <a:ext uri="{FF2B5EF4-FFF2-40B4-BE49-F238E27FC236}">
-                <a16:creationId xmlns:a16="http://schemas.microsoft.com/office/drawing/2014/main" id="{1C53E63B-9626-4581-89B4-03BC2CB42F6D}"/>
-              </a:ext>
-            </a:extLst>
-          </p:cNvPr>
-          <p:cNvSpPr>
-            <a:spLocks noGrp="1"/>
-          </p:cNvSpPr>
-          <p:nvPr>
-            <p:ph idx="1"/>
-          </p:nvPr>
-        </p:nvSpPr>
-        <p:spPr/>
-        <p:txBody>
-          <a:bodyPr>
-            <a:normAutofit lnSpcReduction="10000"/>
-          </a:bodyPr>
-          <a:lstStyle/>
-          <a:p>
-            <a:pPr>
-              <a:buFont typeface="Wingdings" panose="05000000000000000000" pitchFamily="2" charset="2"/>
-              <a:buChar char="Ø"/>
-            </a:pPr>
-            <a:r>
-              <a:rPr lang="en-US" dirty="0"/>
-              <a:t>Relationship between ABV and IBU:  there appears to be a positive correlation between these two variables (i.e., higher alcohol ~ higher bitterness index)</a:t>
-            </a:r>
-          </a:p>
-          <a:p>
-            <a:pPr lvl="1">
-              <a:buFont typeface="Wingdings" panose="05000000000000000000" pitchFamily="2" charset="2"/>
-              <a:buChar char="ü"/>
-            </a:pPr>
-            <a:r>
-              <a:rPr lang="en-US" dirty="0"/>
-              <a:t>Not based on a full statistical analysis;</a:t>
-            </a:r>
-          </a:p>
-          <a:p>
-            <a:pPr lvl="1">
-              <a:buFont typeface="Wingdings" panose="05000000000000000000" pitchFamily="2" charset="2"/>
-              <a:buChar char="ü"/>
-            </a:pPr>
-            <a:r>
-              <a:rPr lang="en-US" dirty="0"/>
-              <a:t>No current indication as to ‘why’ this relationship exists.</a:t>
-            </a:r>
-          </a:p>
-          <a:p>
-            <a:pPr lvl="1">
-              <a:buFont typeface="Wingdings" panose="05000000000000000000" pitchFamily="2" charset="2"/>
-              <a:buChar char="Ø"/>
-            </a:pPr>
-            <a:endParaRPr lang="en-US" sz="600" dirty="0"/>
-          </a:p>
-          <a:p>
-            <a:pPr>
-              <a:buFont typeface="Wingdings" panose="05000000000000000000" pitchFamily="2" charset="2"/>
-              <a:buChar char="Ø"/>
-            </a:pPr>
-            <a:r>
-              <a:rPr lang="en-US" dirty="0"/>
-              <a:t>Next Steps:  Results are not based on a statistical analysis:</a:t>
-            </a:r>
-          </a:p>
-          <a:p>
-            <a:pPr lvl="1">
-              <a:buFont typeface="Wingdings" panose="05000000000000000000" pitchFamily="2" charset="2"/>
-              <a:buChar char="ü"/>
-            </a:pPr>
-            <a:r>
-              <a:rPr lang="en-US" dirty="0"/>
-              <a:t>Run a full regression to consider the relationship;</a:t>
-            </a:r>
-          </a:p>
-          <a:p>
-            <a:pPr lvl="1">
-              <a:buFont typeface="Wingdings" panose="05000000000000000000" pitchFamily="2" charset="2"/>
-              <a:buChar char="ü"/>
-            </a:pPr>
-            <a:r>
-              <a:rPr lang="en-US" dirty="0"/>
-              <a:t>Consider controlling for variables (e.g., # of breweries by state; type of beer; etc.)</a:t>
-            </a:r>
-          </a:p>
-          <a:p>
-            <a:pPr lvl="1">
-              <a:buFont typeface="Wingdings" panose="05000000000000000000" pitchFamily="2" charset="2"/>
-              <a:buChar char="ü"/>
-            </a:pPr>
-            <a:r>
-              <a:rPr lang="en-US" dirty="0"/>
-              <a:t>Explore the ‘why’ (i.e., is the relationship sought by brewers for customer tastes, or perhaps a by-product of the brewing method)</a:t>
-            </a:r>
-          </a:p>
-          <a:p>
-            <a:pPr lvl="1">
-              <a:buFont typeface="Wingdings" panose="05000000000000000000" pitchFamily="2" charset="2"/>
-              <a:buChar char="Ø"/>
-            </a:pPr>
-            <a:endParaRPr lang="en-US" dirty="0"/>
-          </a:p>
-        </p:txBody>
-      </p:sp>
-    </p:spTree>
-    <p:extLst>
-      <p:ext uri="{BB962C8B-B14F-4D97-AF65-F5344CB8AC3E}">
-        <p14:creationId xmlns:p14="http://schemas.microsoft.com/office/powerpoint/2010/main" val="1546462982"/>
       </p:ext>
     </p:extLst>
   </p:cSld>
@@ -4544,7 +4488,7 @@
           <p:cNvPr id="2" name="Title 1">
             <a:extLst>
               <a:ext uri="{FF2B5EF4-FFF2-40B4-BE49-F238E27FC236}">
-                <a16:creationId xmlns:a16="http://schemas.microsoft.com/office/drawing/2014/main" id="{933E1EA9-C24B-409B-B7A8-9663BAF3642E}"/>
+                <a16:creationId xmlns:a16="http://schemas.microsoft.com/office/drawing/2014/main" xmlns="" id="{933E1EA9-C24B-409B-B7A8-9663BAF3642E}"/>
               </a:ext>
             </a:extLst>
           </p:cNvPr>
@@ -4562,7 +4506,7 @@
           <a:p>
             <a:r>
               <a:rPr lang="en-US" dirty="0"/>
-              <a:t>Attachments: File Reference and Location</a:t>
+              <a:t>Key Take-Aways / Next Steps:  Project Beer</a:t>
             </a:r>
           </a:p>
         </p:txBody>
@@ -4572,7 +4516,7 @@
           <p:cNvPr id="3" name="Content Placeholder 2">
             <a:extLst>
               <a:ext uri="{FF2B5EF4-FFF2-40B4-BE49-F238E27FC236}">
-                <a16:creationId xmlns:a16="http://schemas.microsoft.com/office/drawing/2014/main" id="{1C53E63B-9626-4581-89B4-03BC2CB42F6D}"/>
+                <a16:creationId xmlns:a16="http://schemas.microsoft.com/office/drawing/2014/main" xmlns="" id="{1C53E63B-9626-4581-89B4-03BC2CB42F6D}"/>
               </a:ext>
             </a:extLst>
           </p:cNvPr>
@@ -4585,7 +4529,9 @@
         </p:nvSpPr>
         <p:spPr/>
         <p:txBody>
-          <a:bodyPr/>
+          <a:bodyPr>
+            <a:normAutofit lnSpcReduction="10000"/>
+          </a:bodyPr>
           <a:lstStyle/>
           <a:p>
             <a:pPr>
@@ -4594,23 +4540,35 @@
             </a:pPr>
             <a:r>
               <a:rPr lang="en-US" dirty="0"/>
-              <a:t>All files are available at the following GitHub Repo:</a:t>
-            </a:r>
-          </a:p>
-          <a:p>
-            <a:pPr marL="0" indent="0">
-              <a:buNone/>
-            </a:pPr>
-            <a:r>
-              <a:rPr lang="en-US" dirty="0">
-                <a:hlinkClick r:id="rId2"/>
-              </a:rPr>
-              <a:t>https://github.com/bdelahoussaye/6306Case_Study1.git</a:t>
-            </a:r>
-            <a:endParaRPr lang="en-US" dirty="0"/>
-          </a:p>
-          <a:p>
-            <a:endParaRPr lang="en-US" dirty="0"/>
+              <a:t>Relationship between ABV and IBU:  there appears to be a positive correlation between these two variables (i.e., higher alcohol ~ higher bitterness index)</a:t>
+            </a:r>
+          </a:p>
+          <a:p>
+            <a:pPr lvl="1">
+              <a:buFont typeface="Wingdings" panose="05000000000000000000" pitchFamily="2" charset="2"/>
+              <a:buChar char="ü"/>
+            </a:pPr>
+            <a:r>
+              <a:rPr lang="en-US" dirty="0"/>
+              <a:t>Not based on a full statistical analysis;</a:t>
+            </a:r>
+          </a:p>
+          <a:p>
+            <a:pPr lvl="1">
+              <a:buFont typeface="Wingdings" panose="05000000000000000000" pitchFamily="2" charset="2"/>
+              <a:buChar char="ü"/>
+            </a:pPr>
+            <a:r>
+              <a:rPr lang="en-US" dirty="0"/>
+              <a:t>No current indication as to ‘why’ this relationship exists.</a:t>
+            </a:r>
+          </a:p>
+          <a:p>
+            <a:pPr lvl="1">
+              <a:buFont typeface="Wingdings" panose="05000000000000000000" pitchFamily="2" charset="2"/>
+              <a:buChar char="Ø"/>
+            </a:pPr>
+            <a:endParaRPr lang="en-US" sz="600" dirty="0"/>
           </a:p>
           <a:p>
             <a:pPr>
@@ -4619,7 +4577,7 @@
             </a:pPr>
             <a:r>
               <a:rPr lang="en-US" dirty="0"/>
-              <a:t>Key Data Sources:  “Beers.csv” &amp; “Breweries.csv” (collectively “Data”)</a:t>
+              <a:t>Next Steps:  Results are not based on a statistical analysis:</a:t>
             </a:r>
           </a:p>
           <a:p>
@@ -4629,31 +4587,31 @@
             </a:pPr>
             <a:r>
               <a:rPr lang="en-US" dirty="0"/>
-              <a:t>Data was merged into “BeerBreweries.csv”</a:t>
-            </a:r>
-          </a:p>
-          <a:p>
-            <a:pPr>
+              <a:t>Run a full regression to consider the relationship;</a:t>
+            </a:r>
+          </a:p>
+          <a:p>
+            <a:pPr lvl="1">
               <a:buFont typeface="Wingdings" panose="05000000000000000000" pitchFamily="2" charset="2"/>
-              <a:buChar char="Ø"/>
-            </a:pPr>
-            <a:r>
-              <a:rPr lang="en-US" dirty="0"/>
-              <a:t>Tools Utilized:  Code ‘R’ (code utilized is available in “Code Book for Case Study One.doc”, and various ‘R File’, ‘RMD File’, and ‘R Project’ files).</a:t>
-            </a:r>
-          </a:p>
-          <a:p>
-            <a:pPr>
+              <a:buChar char="ü"/>
+            </a:pPr>
+            <a:r>
+              <a:rPr lang="en-US" dirty="0"/>
+              <a:t>Consider controlling for variables (e.g., # of breweries by state; type of beer; etc.)</a:t>
+            </a:r>
+          </a:p>
+          <a:p>
+            <a:pPr lvl="1">
               <a:buFont typeface="Wingdings" panose="05000000000000000000" pitchFamily="2" charset="2"/>
-              <a:buChar char="Ø"/>
-            </a:pPr>
-            <a:r>
-              <a:rPr lang="en-US" dirty="0"/>
-              <a:t>Please refer to file “README.md” for introduction</a:t>
-            </a:r>
-          </a:p>
-          <a:p>
-            <a:pPr>
+              <a:buChar char="ü"/>
+            </a:pPr>
+            <a:r>
+              <a:rPr lang="en-US" dirty="0"/>
+              <a:t>Explore the ‘why’ (i.e., is the relationship sought by brewers for customer tastes, or perhaps a by-product of the brewing method)</a:t>
+            </a:r>
+          </a:p>
+          <a:p>
+            <a:pPr lvl="1">
               <a:buFont typeface="Wingdings" panose="05000000000000000000" pitchFamily="2" charset="2"/>
               <a:buChar char="Ø"/>
             </a:pPr>
@@ -4664,7 +4622,7 @@
     </p:spTree>
     <p:extLst>
       <p:ext uri="{BB962C8B-B14F-4D97-AF65-F5344CB8AC3E}">
-        <p14:creationId xmlns:p14="http://schemas.microsoft.com/office/powerpoint/2010/main" val="311934094"/>
+        <p14:creationId xmlns:p14="http://schemas.microsoft.com/office/powerpoint/2010/main" val="1546462982"/>
       </p:ext>
     </p:extLst>
   </p:cSld>
@@ -4696,7 +4654,7 @@
           <p:cNvPr id="2" name="Title 1">
             <a:extLst>
               <a:ext uri="{FF2B5EF4-FFF2-40B4-BE49-F238E27FC236}">
-                <a16:creationId xmlns:a16="http://schemas.microsoft.com/office/drawing/2014/main" id="{933E1EA9-C24B-409B-B7A8-9663BAF3642E}"/>
+                <a16:creationId xmlns:a16="http://schemas.microsoft.com/office/drawing/2014/main" xmlns="" id="{933E1EA9-C24B-409B-B7A8-9663BAF3642E}"/>
               </a:ext>
             </a:extLst>
           </p:cNvPr>
@@ -4714,45 +4672,109 @@
           <a:p>
             <a:r>
               <a:rPr lang="en-US" dirty="0"/>
-              <a:t>Attachments: Number of Breweries by State</a:t>
-            </a:r>
-          </a:p>
-        </p:txBody>
-      </p:sp>
-      <p:pic>
-        <p:nvPicPr>
-          <p:cNvPr id="5" name="Picture 4">
-            <a:extLst>
-              <a:ext uri="{FF2B5EF4-FFF2-40B4-BE49-F238E27FC236}">
-                <a16:creationId xmlns:a16="http://schemas.microsoft.com/office/drawing/2014/main" id="{CFDA0436-4BAF-433F-91E5-418385AA68E2}"/>
-              </a:ext>
-            </a:extLst>
-          </p:cNvPr>
-          <p:cNvPicPr>
-            <a:picLocks noChangeAspect="1"/>
-          </p:cNvPicPr>
-          <p:nvPr/>
-        </p:nvPicPr>
-        <p:blipFill>
-          <a:blip r:embed="rId2"/>
-          <a:stretch>
-            <a:fillRect/>
-          </a:stretch>
-        </p:blipFill>
-        <p:spPr>
-          <a:xfrm>
-            <a:off x="3413280" y="1516605"/>
-            <a:ext cx="5268612" cy="4946743"/>
-          </a:xfrm>
-          <a:prstGeom prst="rect">
-            <a:avLst/>
-          </a:prstGeom>
-        </p:spPr>
-      </p:pic>
+              <a:t>Attachments: File Reference and Location</a:t>
+            </a:r>
+          </a:p>
+        </p:txBody>
+      </p:sp>
+      <p:sp>
+        <p:nvSpPr>
+          <p:cNvPr id="3" name="Content Placeholder 2">
+            <a:extLst>
+              <a:ext uri="{FF2B5EF4-FFF2-40B4-BE49-F238E27FC236}">
+                <a16:creationId xmlns:a16="http://schemas.microsoft.com/office/drawing/2014/main" xmlns="" id="{1C53E63B-9626-4581-89B4-03BC2CB42F6D}"/>
+              </a:ext>
+            </a:extLst>
+          </p:cNvPr>
+          <p:cNvSpPr>
+            <a:spLocks noGrp="1"/>
+          </p:cNvSpPr>
+          <p:nvPr>
+            <p:ph idx="1"/>
+          </p:nvPr>
+        </p:nvSpPr>
+        <p:spPr/>
+        <p:txBody>
+          <a:bodyPr/>
+          <a:lstStyle/>
+          <a:p>
+            <a:pPr>
+              <a:buFont typeface="Wingdings" panose="05000000000000000000" pitchFamily="2" charset="2"/>
+              <a:buChar char="Ø"/>
+            </a:pPr>
+            <a:r>
+              <a:rPr lang="en-US" dirty="0"/>
+              <a:t>All files are available at the following GitHub Repo:</a:t>
+            </a:r>
+          </a:p>
+          <a:p>
+            <a:pPr marL="0" indent="0">
+              <a:buNone/>
+            </a:pPr>
+            <a:r>
+              <a:rPr lang="en-US" dirty="0">
+                <a:hlinkClick r:id="rId2"/>
+              </a:rPr>
+              <a:t>https://github.com/bdelahoussaye/6306Case_Study1.git</a:t>
+            </a:r>
+            <a:endParaRPr lang="en-US" dirty="0"/>
+          </a:p>
+          <a:p>
+            <a:endParaRPr lang="en-US" dirty="0"/>
+          </a:p>
+          <a:p>
+            <a:pPr>
+              <a:buFont typeface="Wingdings" panose="05000000000000000000" pitchFamily="2" charset="2"/>
+              <a:buChar char="Ø"/>
+            </a:pPr>
+            <a:r>
+              <a:rPr lang="en-US" dirty="0"/>
+              <a:t>Key Data Sources:  “Beers.csv” &amp; “Breweries.csv” (collectively “Data”)</a:t>
+            </a:r>
+          </a:p>
+          <a:p>
+            <a:pPr lvl="1">
+              <a:buFont typeface="Wingdings" panose="05000000000000000000" pitchFamily="2" charset="2"/>
+              <a:buChar char="ü"/>
+            </a:pPr>
+            <a:r>
+              <a:rPr lang="en-US" dirty="0"/>
+              <a:t>Data was merged into “BeerBreweries.csv”</a:t>
+            </a:r>
+          </a:p>
+          <a:p>
+            <a:pPr>
+              <a:buFont typeface="Wingdings" panose="05000000000000000000" pitchFamily="2" charset="2"/>
+              <a:buChar char="Ø"/>
+            </a:pPr>
+            <a:r>
+              <a:rPr lang="en-US" dirty="0"/>
+              <a:t>Tools Utilized:  Code ‘R’ (code utilized is available in “Code Book for Case Study One.doc”, and various ‘R File’, ‘RMD File’, and ‘R Project’ files).</a:t>
+            </a:r>
+          </a:p>
+          <a:p>
+            <a:pPr>
+              <a:buFont typeface="Wingdings" panose="05000000000000000000" pitchFamily="2" charset="2"/>
+              <a:buChar char="Ø"/>
+            </a:pPr>
+            <a:r>
+              <a:rPr lang="en-US" dirty="0"/>
+              <a:t>Please refer to file “README.md” for introduction</a:t>
+            </a:r>
+          </a:p>
+          <a:p>
+            <a:pPr>
+              <a:buFont typeface="Wingdings" panose="05000000000000000000" pitchFamily="2" charset="2"/>
+              <a:buChar char="Ø"/>
+            </a:pPr>
+            <a:endParaRPr lang="en-US" dirty="0"/>
+          </a:p>
+        </p:txBody>
+      </p:sp>
     </p:spTree>
     <p:extLst>
       <p:ext uri="{BB962C8B-B14F-4D97-AF65-F5344CB8AC3E}">
-        <p14:creationId xmlns:p14="http://schemas.microsoft.com/office/powerpoint/2010/main" val="2333745583"/>
+        <p14:creationId xmlns:p14="http://schemas.microsoft.com/office/powerpoint/2010/main" val="311934094"/>
       </p:ext>
     </p:extLst>
   </p:cSld>
@@ -4784,7 +4806,7 @@
           <p:cNvPr id="2" name="Title 1">
             <a:extLst>
               <a:ext uri="{FF2B5EF4-FFF2-40B4-BE49-F238E27FC236}">
-                <a16:creationId xmlns:a16="http://schemas.microsoft.com/office/drawing/2014/main" id="{933E1EA9-C24B-409B-B7A8-9663BAF3642E}"/>
+                <a16:creationId xmlns:a16="http://schemas.microsoft.com/office/drawing/2014/main" xmlns="" id="{933E1EA9-C24B-409B-B7A8-9663BAF3642E}"/>
               </a:ext>
             </a:extLst>
           </p:cNvPr>
@@ -4812,7 +4834,7 @@
           <p:cNvPr id="3" name="Rectangle 2">
             <a:extLst>
               <a:ext uri="{FF2B5EF4-FFF2-40B4-BE49-F238E27FC236}">
-                <a16:creationId xmlns:a16="http://schemas.microsoft.com/office/drawing/2014/main" id="{93875B39-48D6-4D90-BFE5-EE708DA2608E}"/>
+                <a16:creationId xmlns:a16="http://schemas.microsoft.com/office/drawing/2014/main" xmlns="" id="{93875B39-48D6-4D90-BFE5-EE708DA2608E}"/>
               </a:ext>
             </a:extLst>
           </p:cNvPr>
@@ -5003,7 +5025,7 @@
     </a:clrScheme>
     <a:fontScheme name="Office">
       <a:majorFont>
-        <a:latin typeface="Calibri Light" panose="020F0302020204030204"/>
+        <a:latin typeface="Calibri Light"/>
         <a:ea typeface=""/>
         <a:cs typeface=""/>
         <a:font script="Jpan" typeface="游ゴシック Light"/>
@@ -5055,7 +5077,7 @@
         <a:font script="Tfng" typeface="Ebrima"/>
       </a:majorFont>
       <a:minorFont>
-        <a:latin typeface="Calibri" panose="020F0502020204030204"/>
+        <a:latin typeface="Calibri"/>
         <a:ea typeface=""/>
         <a:cs typeface=""/>
         <a:font script="Jpan" typeface="游ゴシック"/>
@@ -5249,7 +5271,7 @@
   <a:extraClrSchemeLst/>
   <a:extLst>
     <a:ext uri="{05A4C25C-085E-4340-85A3-A5531E510DB2}">
-      <thm15:themeFamily xmlns:thm15="http://schemas.microsoft.com/office/thememl/2012/main" name="Office Theme" id="{62F939B6-93AF-4DB8-9C6B-D6C7DFDC589F}" vid="{4A3C46E8-61CC-4603-A589-7422A47A8E4A}"/>
+      <thm15:themeFamily xmlns:thm15="http://schemas.microsoft.com/office/thememl/2012/main" xmlns="" name="Office Theme" id="{62F939B6-93AF-4DB8-9C6B-D6C7DFDC589F}" vid="{4A3C46E8-61CC-4603-A589-7422A47A8E4A}"/>
     </a:ext>
   </a:extLst>
 </a:theme>

--- a/Final Presentation_TEAM VARIANCE 6306.pptx
+++ b/Final Presentation_TEAM VARIANCE 6306.pptx
@@ -11,10 +11,11 @@
     <p:sldId id="260" r:id="rId5"/>
     <p:sldId id="266" r:id="rId6"/>
     <p:sldId id="263" r:id="rId7"/>
-    <p:sldId id="261" r:id="rId8"/>
-    <p:sldId id="262" r:id="rId9"/>
-    <p:sldId id="265" r:id="rId10"/>
-    <p:sldId id="264" r:id="rId11"/>
+    <p:sldId id="267" r:id="rId8"/>
+    <p:sldId id="261" r:id="rId9"/>
+    <p:sldId id="262" r:id="rId10"/>
+    <p:sldId id="265" r:id="rId11"/>
+    <p:sldId id="264" r:id="rId12"/>
   </p:sldIdLst>
   <p:sldSz cx="12192000" cy="6858000"/>
   <p:notesSz cx="6858000" cy="9144000"/>
@@ -113,6 +114,22 @@
       </a:defRPr>
     </a:lvl9pPr>
   </p:defaultTextStyle>
+  <p:extLst>
+    <p:ext uri="{EFAFB233-063F-42B5-8137-9DF3F51BA10A}">
+      <p15:sldGuideLst xmlns:p15="http://schemas.microsoft.com/office/powerpoint/2012/main">
+        <p15:guide id="1" orient="horz" pos="2160">
+          <p15:clr>
+            <a:srgbClr val="A4A3A4"/>
+          </p15:clr>
+        </p15:guide>
+        <p15:guide id="2" pos="3840">
+          <p15:clr>
+            <a:srgbClr val="A4A3A4"/>
+          </p15:clr>
+        </p15:guide>
+      </p15:sldGuideLst>
+    </p:ext>
+  </p:extLst>
 </p:presentation>
 </file>
 
@@ -138,7 +155,7 @@
           <p:cNvPr id="2" name="Title 1">
             <a:extLst>
               <a:ext uri="{FF2B5EF4-FFF2-40B4-BE49-F238E27FC236}">
-                <a16:creationId xmlns:a16="http://schemas.microsoft.com/office/drawing/2014/main" xmlns="" id="{72C819A5-95C3-4B51-B167-8B422B9E019C}"/>
+                <a16:creationId xmlns="" xmlns:a16="http://schemas.microsoft.com/office/drawing/2014/main" id="{72C819A5-95C3-4B51-B167-8B422B9E019C}"/>
               </a:ext>
             </a:extLst>
           </p:cNvPr>
@@ -175,7 +192,7 @@
           <p:cNvPr id="3" name="Subtitle 2">
             <a:extLst>
               <a:ext uri="{FF2B5EF4-FFF2-40B4-BE49-F238E27FC236}">
-                <a16:creationId xmlns:a16="http://schemas.microsoft.com/office/drawing/2014/main" xmlns="" id="{FFD98652-4FCC-4A5B-8859-56E8A03E3345}"/>
+                <a16:creationId xmlns="" xmlns:a16="http://schemas.microsoft.com/office/drawing/2014/main" id="{FFD98652-4FCC-4A5B-8859-56E8A03E3345}"/>
               </a:ext>
             </a:extLst>
           </p:cNvPr>
@@ -245,7 +262,7 @@
           <p:cNvPr id="4" name="Date Placeholder 3">
             <a:extLst>
               <a:ext uri="{FF2B5EF4-FFF2-40B4-BE49-F238E27FC236}">
-                <a16:creationId xmlns:a16="http://schemas.microsoft.com/office/drawing/2014/main" xmlns="" id="{A6A2B9A0-1BB2-4359-87EE-D07AF60CEF71}"/>
+                <a16:creationId xmlns="" xmlns:a16="http://schemas.microsoft.com/office/drawing/2014/main" id="{A6A2B9A0-1BB2-4359-87EE-D07AF60CEF71}"/>
               </a:ext>
             </a:extLst>
           </p:cNvPr>
@@ -274,7 +291,7 @@
           <p:cNvPr id="5" name="Footer Placeholder 4">
             <a:extLst>
               <a:ext uri="{FF2B5EF4-FFF2-40B4-BE49-F238E27FC236}">
-                <a16:creationId xmlns:a16="http://schemas.microsoft.com/office/drawing/2014/main" xmlns="" id="{3E394253-1828-4841-84F8-BC217595A5AE}"/>
+                <a16:creationId xmlns="" xmlns:a16="http://schemas.microsoft.com/office/drawing/2014/main" id="{3E394253-1828-4841-84F8-BC217595A5AE}"/>
               </a:ext>
             </a:extLst>
           </p:cNvPr>
@@ -299,7 +316,7 @@
           <p:cNvPr id="6" name="Slide Number Placeholder 5">
             <a:extLst>
               <a:ext uri="{FF2B5EF4-FFF2-40B4-BE49-F238E27FC236}">
-                <a16:creationId xmlns:a16="http://schemas.microsoft.com/office/drawing/2014/main" xmlns="" id="{3519A9E0-3EF4-4B5D-A832-0C0E72B06DDB}"/>
+                <a16:creationId xmlns="" xmlns:a16="http://schemas.microsoft.com/office/drawing/2014/main" id="{3519A9E0-3EF4-4B5D-A832-0C0E72B06DDB}"/>
               </a:ext>
             </a:extLst>
           </p:cNvPr>
@@ -358,7 +375,7 @@
           <p:cNvPr id="2" name="Title 1">
             <a:extLst>
               <a:ext uri="{FF2B5EF4-FFF2-40B4-BE49-F238E27FC236}">
-                <a16:creationId xmlns:a16="http://schemas.microsoft.com/office/drawing/2014/main" xmlns="" id="{8122B184-8E68-42E2-81CD-3370DA492367}"/>
+                <a16:creationId xmlns="" xmlns:a16="http://schemas.microsoft.com/office/drawing/2014/main" id="{8122B184-8E68-42E2-81CD-3370DA492367}"/>
               </a:ext>
             </a:extLst>
           </p:cNvPr>
@@ -386,7 +403,7 @@
           <p:cNvPr id="3" name="Vertical Text Placeholder 2">
             <a:extLst>
               <a:ext uri="{FF2B5EF4-FFF2-40B4-BE49-F238E27FC236}">
-                <a16:creationId xmlns:a16="http://schemas.microsoft.com/office/drawing/2014/main" xmlns="" id="{90F80966-E265-4278-8C2C-704A6B808BEB}"/>
+                <a16:creationId xmlns="" xmlns:a16="http://schemas.microsoft.com/office/drawing/2014/main" id="{90F80966-E265-4278-8C2C-704A6B808BEB}"/>
               </a:ext>
             </a:extLst>
           </p:cNvPr>
@@ -443,7 +460,7 @@
           <p:cNvPr id="4" name="Date Placeholder 3">
             <a:extLst>
               <a:ext uri="{FF2B5EF4-FFF2-40B4-BE49-F238E27FC236}">
-                <a16:creationId xmlns:a16="http://schemas.microsoft.com/office/drawing/2014/main" xmlns="" id="{BF30A77A-BBA6-438F-8C59-7DADF16CF4C8}"/>
+                <a16:creationId xmlns="" xmlns:a16="http://schemas.microsoft.com/office/drawing/2014/main" id="{BF30A77A-BBA6-438F-8C59-7DADF16CF4C8}"/>
               </a:ext>
             </a:extLst>
           </p:cNvPr>
@@ -472,7 +489,7 @@
           <p:cNvPr id="5" name="Footer Placeholder 4">
             <a:extLst>
               <a:ext uri="{FF2B5EF4-FFF2-40B4-BE49-F238E27FC236}">
-                <a16:creationId xmlns:a16="http://schemas.microsoft.com/office/drawing/2014/main" xmlns="" id="{0CC430CE-B981-4258-997F-280E7276EA77}"/>
+                <a16:creationId xmlns="" xmlns:a16="http://schemas.microsoft.com/office/drawing/2014/main" id="{0CC430CE-B981-4258-997F-280E7276EA77}"/>
               </a:ext>
             </a:extLst>
           </p:cNvPr>
@@ -497,7 +514,7 @@
           <p:cNvPr id="6" name="Slide Number Placeholder 5">
             <a:extLst>
               <a:ext uri="{FF2B5EF4-FFF2-40B4-BE49-F238E27FC236}">
-                <a16:creationId xmlns:a16="http://schemas.microsoft.com/office/drawing/2014/main" xmlns="" id="{0BCD37F8-D06B-40FA-BD2C-0285A7C33281}"/>
+                <a16:creationId xmlns="" xmlns:a16="http://schemas.microsoft.com/office/drawing/2014/main" id="{0BCD37F8-D06B-40FA-BD2C-0285A7C33281}"/>
               </a:ext>
             </a:extLst>
           </p:cNvPr>
@@ -556,7 +573,7 @@
           <p:cNvPr id="2" name="Vertical Title 1">
             <a:extLst>
               <a:ext uri="{FF2B5EF4-FFF2-40B4-BE49-F238E27FC236}">
-                <a16:creationId xmlns:a16="http://schemas.microsoft.com/office/drawing/2014/main" xmlns="" id="{D17F9A50-88B3-4455-B455-DC2BD1D13729}"/>
+                <a16:creationId xmlns="" xmlns:a16="http://schemas.microsoft.com/office/drawing/2014/main" id="{D17F9A50-88B3-4455-B455-DC2BD1D13729}"/>
               </a:ext>
             </a:extLst>
           </p:cNvPr>
@@ -589,7 +606,7 @@
           <p:cNvPr id="3" name="Vertical Text Placeholder 2">
             <a:extLst>
               <a:ext uri="{FF2B5EF4-FFF2-40B4-BE49-F238E27FC236}">
-                <a16:creationId xmlns:a16="http://schemas.microsoft.com/office/drawing/2014/main" xmlns="" id="{E5C73660-450E-469C-91BC-C80DF9FAD46E}"/>
+                <a16:creationId xmlns="" xmlns:a16="http://schemas.microsoft.com/office/drawing/2014/main" id="{E5C73660-450E-469C-91BC-C80DF9FAD46E}"/>
               </a:ext>
             </a:extLst>
           </p:cNvPr>
@@ -651,7 +668,7 @@
           <p:cNvPr id="4" name="Date Placeholder 3">
             <a:extLst>
               <a:ext uri="{FF2B5EF4-FFF2-40B4-BE49-F238E27FC236}">
-                <a16:creationId xmlns:a16="http://schemas.microsoft.com/office/drawing/2014/main" xmlns="" id="{BC117CBB-08D1-4F78-B437-F82BF249F9C8}"/>
+                <a16:creationId xmlns="" xmlns:a16="http://schemas.microsoft.com/office/drawing/2014/main" id="{BC117CBB-08D1-4F78-B437-F82BF249F9C8}"/>
               </a:ext>
             </a:extLst>
           </p:cNvPr>
@@ -680,7 +697,7 @@
           <p:cNvPr id="5" name="Footer Placeholder 4">
             <a:extLst>
               <a:ext uri="{FF2B5EF4-FFF2-40B4-BE49-F238E27FC236}">
-                <a16:creationId xmlns:a16="http://schemas.microsoft.com/office/drawing/2014/main" xmlns="" id="{DF5FA6CC-B4C8-49E1-A4C2-782CAA4300D3}"/>
+                <a16:creationId xmlns="" xmlns:a16="http://schemas.microsoft.com/office/drawing/2014/main" id="{DF5FA6CC-B4C8-49E1-A4C2-782CAA4300D3}"/>
               </a:ext>
             </a:extLst>
           </p:cNvPr>
@@ -705,7 +722,7 @@
           <p:cNvPr id="6" name="Slide Number Placeholder 5">
             <a:extLst>
               <a:ext uri="{FF2B5EF4-FFF2-40B4-BE49-F238E27FC236}">
-                <a16:creationId xmlns:a16="http://schemas.microsoft.com/office/drawing/2014/main" xmlns="" id="{11002C5A-2EA3-4A62-8D9E-DC013236FD29}"/>
+                <a16:creationId xmlns="" xmlns:a16="http://schemas.microsoft.com/office/drawing/2014/main" id="{11002C5A-2EA3-4A62-8D9E-DC013236FD29}"/>
               </a:ext>
             </a:extLst>
           </p:cNvPr>
@@ -764,7 +781,7 @@
           <p:cNvPr id="2" name="Title 1">
             <a:extLst>
               <a:ext uri="{FF2B5EF4-FFF2-40B4-BE49-F238E27FC236}">
-                <a16:creationId xmlns:a16="http://schemas.microsoft.com/office/drawing/2014/main" xmlns="" id="{292473DD-01E3-4B27-B776-E32DF9C1CC81}"/>
+                <a16:creationId xmlns="" xmlns:a16="http://schemas.microsoft.com/office/drawing/2014/main" id="{292473DD-01E3-4B27-B776-E32DF9C1CC81}"/>
               </a:ext>
             </a:extLst>
           </p:cNvPr>
@@ -792,7 +809,7 @@
           <p:cNvPr id="3" name="Content Placeholder 2">
             <a:extLst>
               <a:ext uri="{FF2B5EF4-FFF2-40B4-BE49-F238E27FC236}">
-                <a16:creationId xmlns:a16="http://schemas.microsoft.com/office/drawing/2014/main" xmlns="" id="{889D06AE-8714-4037-8092-0D78E82C5AF7}"/>
+                <a16:creationId xmlns="" xmlns:a16="http://schemas.microsoft.com/office/drawing/2014/main" id="{889D06AE-8714-4037-8092-0D78E82C5AF7}"/>
               </a:ext>
             </a:extLst>
           </p:cNvPr>
@@ -849,7 +866,7 @@
           <p:cNvPr id="4" name="Date Placeholder 3">
             <a:extLst>
               <a:ext uri="{FF2B5EF4-FFF2-40B4-BE49-F238E27FC236}">
-                <a16:creationId xmlns:a16="http://schemas.microsoft.com/office/drawing/2014/main" xmlns="" id="{57D4396F-62FF-4C05-8A44-E20BA3F31F7A}"/>
+                <a16:creationId xmlns="" xmlns:a16="http://schemas.microsoft.com/office/drawing/2014/main" id="{57D4396F-62FF-4C05-8A44-E20BA3F31F7A}"/>
               </a:ext>
             </a:extLst>
           </p:cNvPr>
@@ -878,7 +895,7 @@
           <p:cNvPr id="5" name="Footer Placeholder 4">
             <a:extLst>
               <a:ext uri="{FF2B5EF4-FFF2-40B4-BE49-F238E27FC236}">
-                <a16:creationId xmlns:a16="http://schemas.microsoft.com/office/drawing/2014/main" xmlns="" id="{473D74A1-6F9A-4131-A4A5-B2664CE6C0B8}"/>
+                <a16:creationId xmlns="" xmlns:a16="http://schemas.microsoft.com/office/drawing/2014/main" id="{473D74A1-6F9A-4131-A4A5-B2664CE6C0B8}"/>
               </a:ext>
             </a:extLst>
           </p:cNvPr>
@@ -903,7 +920,7 @@
           <p:cNvPr id="6" name="Slide Number Placeholder 5">
             <a:extLst>
               <a:ext uri="{FF2B5EF4-FFF2-40B4-BE49-F238E27FC236}">
-                <a16:creationId xmlns:a16="http://schemas.microsoft.com/office/drawing/2014/main" xmlns="" id="{857709DF-874E-461A-87F3-E56DE2C49271}"/>
+                <a16:creationId xmlns="" xmlns:a16="http://schemas.microsoft.com/office/drawing/2014/main" id="{857709DF-874E-461A-87F3-E56DE2C49271}"/>
               </a:ext>
             </a:extLst>
           </p:cNvPr>
@@ -962,7 +979,7 @@
           <p:cNvPr id="2" name="Title 1">
             <a:extLst>
               <a:ext uri="{FF2B5EF4-FFF2-40B4-BE49-F238E27FC236}">
-                <a16:creationId xmlns:a16="http://schemas.microsoft.com/office/drawing/2014/main" xmlns="" id="{987AA4E2-7E8A-4ED8-A691-698BB077CACF}"/>
+                <a16:creationId xmlns="" xmlns:a16="http://schemas.microsoft.com/office/drawing/2014/main" id="{987AA4E2-7E8A-4ED8-A691-698BB077CACF}"/>
               </a:ext>
             </a:extLst>
           </p:cNvPr>
@@ -999,7 +1016,7 @@
           <p:cNvPr id="3" name="Text Placeholder 2">
             <a:extLst>
               <a:ext uri="{FF2B5EF4-FFF2-40B4-BE49-F238E27FC236}">
-                <a16:creationId xmlns:a16="http://schemas.microsoft.com/office/drawing/2014/main" xmlns="" id="{61234A1F-3E59-48E9-A5E8-FAFF092711B1}"/>
+                <a16:creationId xmlns="" xmlns:a16="http://schemas.microsoft.com/office/drawing/2014/main" id="{61234A1F-3E59-48E9-A5E8-FAFF092711B1}"/>
               </a:ext>
             </a:extLst>
           </p:cNvPr>
@@ -1124,7 +1141,7 @@
           <p:cNvPr id="4" name="Date Placeholder 3">
             <a:extLst>
               <a:ext uri="{FF2B5EF4-FFF2-40B4-BE49-F238E27FC236}">
-                <a16:creationId xmlns:a16="http://schemas.microsoft.com/office/drawing/2014/main" xmlns="" id="{97CF3876-4EC3-4506-9653-C1F8995AEA14}"/>
+                <a16:creationId xmlns="" xmlns:a16="http://schemas.microsoft.com/office/drawing/2014/main" id="{97CF3876-4EC3-4506-9653-C1F8995AEA14}"/>
               </a:ext>
             </a:extLst>
           </p:cNvPr>
@@ -1153,7 +1170,7 @@
           <p:cNvPr id="5" name="Footer Placeholder 4">
             <a:extLst>
               <a:ext uri="{FF2B5EF4-FFF2-40B4-BE49-F238E27FC236}">
-                <a16:creationId xmlns:a16="http://schemas.microsoft.com/office/drawing/2014/main" xmlns="" id="{E91498DE-C68B-47F4-AC25-E3471548A0F6}"/>
+                <a16:creationId xmlns="" xmlns:a16="http://schemas.microsoft.com/office/drawing/2014/main" id="{E91498DE-C68B-47F4-AC25-E3471548A0F6}"/>
               </a:ext>
             </a:extLst>
           </p:cNvPr>
@@ -1178,7 +1195,7 @@
           <p:cNvPr id="6" name="Slide Number Placeholder 5">
             <a:extLst>
               <a:ext uri="{FF2B5EF4-FFF2-40B4-BE49-F238E27FC236}">
-                <a16:creationId xmlns:a16="http://schemas.microsoft.com/office/drawing/2014/main" xmlns="" id="{9CE8A66C-4AAF-4353-93FE-3D8B77D8BAD2}"/>
+                <a16:creationId xmlns="" xmlns:a16="http://schemas.microsoft.com/office/drawing/2014/main" id="{9CE8A66C-4AAF-4353-93FE-3D8B77D8BAD2}"/>
               </a:ext>
             </a:extLst>
           </p:cNvPr>
@@ -1237,7 +1254,7 @@
           <p:cNvPr id="2" name="Title 1">
             <a:extLst>
               <a:ext uri="{FF2B5EF4-FFF2-40B4-BE49-F238E27FC236}">
-                <a16:creationId xmlns:a16="http://schemas.microsoft.com/office/drawing/2014/main" xmlns="" id="{05E21C8A-4972-4C3A-B476-FD15EAB52365}"/>
+                <a16:creationId xmlns="" xmlns:a16="http://schemas.microsoft.com/office/drawing/2014/main" id="{05E21C8A-4972-4C3A-B476-FD15EAB52365}"/>
               </a:ext>
             </a:extLst>
           </p:cNvPr>
@@ -1265,7 +1282,7 @@
           <p:cNvPr id="3" name="Content Placeholder 2">
             <a:extLst>
               <a:ext uri="{FF2B5EF4-FFF2-40B4-BE49-F238E27FC236}">
-                <a16:creationId xmlns:a16="http://schemas.microsoft.com/office/drawing/2014/main" xmlns="" id="{300B60E7-1469-41B7-BCF2-5BC60362370A}"/>
+                <a16:creationId xmlns="" xmlns:a16="http://schemas.microsoft.com/office/drawing/2014/main" id="{300B60E7-1469-41B7-BCF2-5BC60362370A}"/>
               </a:ext>
             </a:extLst>
           </p:cNvPr>
@@ -1327,7 +1344,7 @@
           <p:cNvPr id="4" name="Content Placeholder 3">
             <a:extLst>
               <a:ext uri="{FF2B5EF4-FFF2-40B4-BE49-F238E27FC236}">
-                <a16:creationId xmlns:a16="http://schemas.microsoft.com/office/drawing/2014/main" xmlns="" id="{EC1AFDEB-8626-4CA9-88B8-F34B79462D22}"/>
+                <a16:creationId xmlns="" xmlns:a16="http://schemas.microsoft.com/office/drawing/2014/main" id="{EC1AFDEB-8626-4CA9-88B8-F34B79462D22}"/>
               </a:ext>
             </a:extLst>
           </p:cNvPr>
@@ -1389,7 +1406,7 @@
           <p:cNvPr id="5" name="Date Placeholder 4">
             <a:extLst>
               <a:ext uri="{FF2B5EF4-FFF2-40B4-BE49-F238E27FC236}">
-                <a16:creationId xmlns:a16="http://schemas.microsoft.com/office/drawing/2014/main" xmlns="" id="{71ED74EA-EFE5-4B36-BDEC-B536B9E93EBA}"/>
+                <a16:creationId xmlns="" xmlns:a16="http://schemas.microsoft.com/office/drawing/2014/main" id="{71ED74EA-EFE5-4B36-BDEC-B536B9E93EBA}"/>
               </a:ext>
             </a:extLst>
           </p:cNvPr>
@@ -1418,7 +1435,7 @@
           <p:cNvPr id="6" name="Footer Placeholder 5">
             <a:extLst>
               <a:ext uri="{FF2B5EF4-FFF2-40B4-BE49-F238E27FC236}">
-                <a16:creationId xmlns:a16="http://schemas.microsoft.com/office/drawing/2014/main" xmlns="" id="{EFFAF493-7F73-4533-A600-672E73D24709}"/>
+                <a16:creationId xmlns="" xmlns:a16="http://schemas.microsoft.com/office/drawing/2014/main" id="{EFFAF493-7F73-4533-A600-672E73D24709}"/>
               </a:ext>
             </a:extLst>
           </p:cNvPr>
@@ -1443,7 +1460,7 @@
           <p:cNvPr id="7" name="Slide Number Placeholder 6">
             <a:extLst>
               <a:ext uri="{FF2B5EF4-FFF2-40B4-BE49-F238E27FC236}">
-                <a16:creationId xmlns:a16="http://schemas.microsoft.com/office/drawing/2014/main" xmlns="" id="{1E97FB6F-C403-42E0-AB53-115CFBB534FC}"/>
+                <a16:creationId xmlns="" xmlns:a16="http://schemas.microsoft.com/office/drawing/2014/main" id="{1E97FB6F-C403-42E0-AB53-115CFBB534FC}"/>
               </a:ext>
             </a:extLst>
           </p:cNvPr>
@@ -1502,7 +1519,7 @@
           <p:cNvPr id="2" name="Title 1">
             <a:extLst>
               <a:ext uri="{FF2B5EF4-FFF2-40B4-BE49-F238E27FC236}">
-                <a16:creationId xmlns:a16="http://schemas.microsoft.com/office/drawing/2014/main" xmlns="" id="{95C0BF3E-B444-4C54-A605-A276C1F2D9F6}"/>
+                <a16:creationId xmlns="" xmlns:a16="http://schemas.microsoft.com/office/drawing/2014/main" id="{95C0BF3E-B444-4C54-A605-A276C1F2D9F6}"/>
               </a:ext>
             </a:extLst>
           </p:cNvPr>
@@ -1535,7 +1552,7 @@
           <p:cNvPr id="3" name="Text Placeholder 2">
             <a:extLst>
               <a:ext uri="{FF2B5EF4-FFF2-40B4-BE49-F238E27FC236}">
-                <a16:creationId xmlns:a16="http://schemas.microsoft.com/office/drawing/2014/main" xmlns="" id="{DFC52B6D-69A0-4889-9E37-93556EA86670}"/>
+                <a16:creationId xmlns="" xmlns:a16="http://schemas.microsoft.com/office/drawing/2014/main" id="{DFC52B6D-69A0-4889-9E37-93556EA86670}"/>
               </a:ext>
             </a:extLst>
           </p:cNvPr>
@@ -1606,7 +1623,7 @@
           <p:cNvPr id="4" name="Content Placeholder 3">
             <a:extLst>
               <a:ext uri="{FF2B5EF4-FFF2-40B4-BE49-F238E27FC236}">
-                <a16:creationId xmlns:a16="http://schemas.microsoft.com/office/drawing/2014/main" xmlns="" id="{173771AC-5B2E-40EA-9FAB-9DD06DC7A4B3}"/>
+                <a16:creationId xmlns="" xmlns:a16="http://schemas.microsoft.com/office/drawing/2014/main" id="{173771AC-5B2E-40EA-9FAB-9DD06DC7A4B3}"/>
               </a:ext>
             </a:extLst>
           </p:cNvPr>
@@ -1668,7 +1685,7 @@
           <p:cNvPr id="5" name="Text Placeholder 4">
             <a:extLst>
               <a:ext uri="{FF2B5EF4-FFF2-40B4-BE49-F238E27FC236}">
-                <a16:creationId xmlns:a16="http://schemas.microsoft.com/office/drawing/2014/main" xmlns="" id="{79A7D8C0-02AD-4237-B5D4-4DC7923354F3}"/>
+                <a16:creationId xmlns="" xmlns:a16="http://schemas.microsoft.com/office/drawing/2014/main" id="{79A7D8C0-02AD-4237-B5D4-4DC7923354F3}"/>
               </a:ext>
             </a:extLst>
           </p:cNvPr>
@@ -1739,7 +1756,7 @@
           <p:cNvPr id="6" name="Content Placeholder 5">
             <a:extLst>
               <a:ext uri="{FF2B5EF4-FFF2-40B4-BE49-F238E27FC236}">
-                <a16:creationId xmlns:a16="http://schemas.microsoft.com/office/drawing/2014/main" xmlns="" id="{9FA90C6E-171F-40FA-86C2-10BF4F23D4DD}"/>
+                <a16:creationId xmlns="" xmlns:a16="http://schemas.microsoft.com/office/drawing/2014/main" id="{9FA90C6E-171F-40FA-86C2-10BF4F23D4DD}"/>
               </a:ext>
             </a:extLst>
           </p:cNvPr>
@@ -1801,7 +1818,7 @@
           <p:cNvPr id="7" name="Date Placeholder 6">
             <a:extLst>
               <a:ext uri="{FF2B5EF4-FFF2-40B4-BE49-F238E27FC236}">
-                <a16:creationId xmlns:a16="http://schemas.microsoft.com/office/drawing/2014/main" xmlns="" id="{FD0121B2-B6AA-4360-9856-B0D8D3861875}"/>
+                <a16:creationId xmlns="" xmlns:a16="http://schemas.microsoft.com/office/drawing/2014/main" id="{FD0121B2-B6AA-4360-9856-B0D8D3861875}"/>
               </a:ext>
             </a:extLst>
           </p:cNvPr>
@@ -1830,7 +1847,7 @@
           <p:cNvPr id="8" name="Footer Placeholder 7">
             <a:extLst>
               <a:ext uri="{FF2B5EF4-FFF2-40B4-BE49-F238E27FC236}">
-                <a16:creationId xmlns:a16="http://schemas.microsoft.com/office/drawing/2014/main" xmlns="" id="{984801DB-D520-4ED6-9CFD-D901622A18FD}"/>
+                <a16:creationId xmlns="" xmlns:a16="http://schemas.microsoft.com/office/drawing/2014/main" id="{984801DB-D520-4ED6-9CFD-D901622A18FD}"/>
               </a:ext>
             </a:extLst>
           </p:cNvPr>
@@ -1855,7 +1872,7 @@
           <p:cNvPr id="9" name="Slide Number Placeholder 8">
             <a:extLst>
               <a:ext uri="{FF2B5EF4-FFF2-40B4-BE49-F238E27FC236}">
-                <a16:creationId xmlns:a16="http://schemas.microsoft.com/office/drawing/2014/main" xmlns="" id="{55FB1824-B5A6-41F5-B321-1EEA7A649D17}"/>
+                <a16:creationId xmlns="" xmlns:a16="http://schemas.microsoft.com/office/drawing/2014/main" id="{55FB1824-B5A6-41F5-B321-1EEA7A649D17}"/>
               </a:ext>
             </a:extLst>
           </p:cNvPr>
@@ -1914,7 +1931,7 @@
           <p:cNvPr id="2" name="Title 1">
             <a:extLst>
               <a:ext uri="{FF2B5EF4-FFF2-40B4-BE49-F238E27FC236}">
-                <a16:creationId xmlns:a16="http://schemas.microsoft.com/office/drawing/2014/main" xmlns="" id="{9633BBA9-CBEB-4DBA-87CD-8351788B71FA}"/>
+                <a16:creationId xmlns="" xmlns:a16="http://schemas.microsoft.com/office/drawing/2014/main" id="{9633BBA9-CBEB-4DBA-87CD-8351788B71FA}"/>
               </a:ext>
             </a:extLst>
           </p:cNvPr>
@@ -1942,7 +1959,7 @@
           <p:cNvPr id="3" name="Date Placeholder 2">
             <a:extLst>
               <a:ext uri="{FF2B5EF4-FFF2-40B4-BE49-F238E27FC236}">
-                <a16:creationId xmlns:a16="http://schemas.microsoft.com/office/drawing/2014/main" xmlns="" id="{2AE1D83D-9B63-4808-9C60-F2919893216D}"/>
+                <a16:creationId xmlns="" xmlns:a16="http://schemas.microsoft.com/office/drawing/2014/main" id="{2AE1D83D-9B63-4808-9C60-F2919893216D}"/>
               </a:ext>
             </a:extLst>
           </p:cNvPr>
@@ -1971,7 +1988,7 @@
           <p:cNvPr id="4" name="Footer Placeholder 3">
             <a:extLst>
               <a:ext uri="{FF2B5EF4-FFF2-40B4-BE49-F238E27FC236}">
-                <a16:creationId xmlns:a16="http://schemas.microsoft.com/office/drawing/2014/main" xmlns="" id="{6792E2BC-F3F0-404C-9FAC-7DA58D925238}"/>
+                <a16:creationId xmlns="" xmlns:a16="http://schemas.microsoft.com/office/drawing/2014/main" id="{6792E2BC-F3F0-404C-9FAC-7DA58D925238}"/>
               </a:ext>
             </a:extLst>
           </p:cNvPr>
@@ -1996,7 +2013,7 @@
           <p:cNvPr id="5" name="Slide Number Placeholder 4">
             <a:extLst>
               <a:ext uri="{FF2B5EF4-FFF2-40B4-BE49-F238E27FC236}">
-                <a16:creationId xmlns:a16="http://schemas.microsoft.com/office/drawing/2014/main" xmlns="" id="{A6F05535-3224-4EF8-A974-1871962E373C}"/>
+                <a16:creationId xmlns="" xmlns:a16="http://schemas.microsoft.com/office/drawing/2014/main" id="{A6F05535-3224-4EF8-A974-1871962E373C}"/>
               </a:ext>
             </a:extLst>
           </p:cNvPr>
@@ -2055,7 +2072,7 @@
           <p:cNvPr id="2" name="Date Placeholder 1">
             <a:extLst>
               <a:ext uri="{FF2B5EF4-FFF2-40B4-BE49-F238E27FC236}">
-                <a16:creationId xmlns:a16="http://schemas.microsoft.com/office/drawing/2014/main" xmlns="" id="{DF09649F-28AE-453C-BC3A-480C2ECBB2F7}"/>
+                <a16:creationId xmlns="" xmlns:a16="http://schemas.microsoft.com/office/drawing/2014/main" id="{DF09649F-28AE-453C-BC3A-480C2ECBB2F7}"/>
               </a:ext>
             </a:extLst>
           </p:cNvPr>
@@ -2084,7 +2101,7 @@
           <p:cNvPr id="3" name="Footer Placeholder 2">
             <a:extLst>
               <a:ext uri="{FF2B5EF4-FFF2-40B4-BE49-F238E27FC236}">
-                <a16:creationId xmlns:a16="http://schemas.microsoft.com/office/drawing/2014/main" xmlns="" id="{316C99A9-0005-4367-8045-2999055DF5B4}"/>
+                <a16:creationId xmlns="" xmlns:a16="http://schemas.microsoft.com/office/drawing/2014/main" id="{316C99A9-0005-4367-8045-2999055DF5B4}"/>
               </a:ext>
             </a:extLst>
           </p:cNvPr>
@@ -2109,7 +2126,7 @@
           <p:cNvPr id="4" name="Slide Number Placeholder 3">
             <a:extLst>
               <a:ext uri="{FF2B5EF4-FFF2-40B4-BE49-F238E27FC236}">
-                <a16:creationId xmlns:a16="http://schemas.microsoft.com/office/drawing/2014/main" xmlns="" id="{B3D51094-8B02-4241-BF7F-B437DDD76D4C}"/>
+                <a16:creationId xmlns="" xmlns:a16="http://schemas.microsoft.com/office/drawing/2014/main" id="{B3D51094-8B02-4241-BF7F-B437DDD76D4C}"/>
               </a:ext>
             </a:extLst>
           </p:cNvPr>
@@ -2168,7 +2185,7 @@
           <p:cNvPr id="2" name="Title 1">
             <a:extLst>
               <a:ext uri="{FF2B5EF4-FFF2-40B4-BE49-F238E27FC236}">
-                <a16:creationId xmlns:a16="http://schemas.microsoft.com/office/drawing/2014/main" xmlns="" id="{241F7FE7-0FF3-4E05-ABED-F5F1E82D4C21}"/>
+                <a16:creationId xmlns="" xmlns:a16="http://schemas.microsoft.com/office/drawing/2014/main" id="{241F7FE7-0FF3-4E05-ABED-F5F1E82D4C21}"/>
               </a:ext>
             </a:extLst>
           </p:cNvPr>
@@ -2205,7 +2222,7 @@
           <p:cNvPr id="3" name="Content Placeholder 2">
             <a:extLst>
               <a:ext uri="{FF2B5EF4-FFF2-40B4-BE49-F238E27FC236}">
-                <a16:creationId xmlns:a16="http://schemas.microsoft.com/office/drawing/2014/main" xmlns="" id="{EBE5C4B8-9EC3-4CFE-95B7-791F5B3E07E9}"/>
+                <a16:creationId xmlns="" xmlns:a16="http://schemas.microsoft.com/office/drawing/2014/main" id="{EBE5C4B8-9EC3-4CFE-95B7-791F5B3E07E9}"/>
               </a:ext>
             </a:extLst>
           </p:cNvPr>
@@ -2295,7 +2312,7 @@
           <p:cNvPr id="4" name="Text Placeholder 3">
             <a:extLst>
               <a:ext uri="{FF2B5EF4-FFF2-40B4-BE49-F238E27FC236}">
-                <a16:creationId xmlns:a16="http://schemas.microsoft.com/office/drawing/2014/main" xmlns="" id="{A0C4DD55-8A5B-46B1-8BAC-DC350D7F6983}"/>
+                <a16:creationId xmlns="" xmlns:a16="http://schemas.microsoft.com/office/drawing/2014/main" id="{A0C4DD55-8A5B-46B1-8BAC-DC350D7F6983}"/>
               </a:ext>
             </a:extLst>
           </p:cNvPr>
@@ -2366,7 +2383,7 @@
           <p:cNvPr id="5" name="Date Placeholder 4">
             <a:extLst>
               <a:ext uri="{FF2B5EF4-FFF2-40B4-BE49-F238E27FC236}">
-                <a16:creationId xmlns:a16="http://schemas.microsoft.com/office/drawing/2014/main" xmlns="" id="{380C50E2-5094-4A3A-853C-C421829E6A29}"/>
+                <a16:creationId xmlns="" xmlns:a16="http://schemas.microsoft.com/office/drawing/2014/main" id="{380C50E2-5094-4A3A-853C-C421829E6A29}"/>
               </a:ext>
             </a:extLst>
           </p:cNvPr>
@@ -2395,7 +2412,7 @@
           <p:cNvPr id="6" name="Footer Placeholder 5">
             <a:extLst>
               <a:ext uri="{FF2B5EF4-FFF2-40B4-BE49-F238E27FC236}">
-                <a16:creationId xmlns:a16="http://schemas.microsoft.com/office/drawing/2014/main" xmlns="" id="{4B87A063-A1E1-4D3D-9EF8-5BA668729FFA}"/>
+                <a16:creationId xmlns="" xmlns:a16="http://schemas.microsoft.com/office/drawing/2014/main" id="{4B87A063-A1E1-4D3D-9EF8-5BA668729FFA}"/>
               </a:ext>
             </a:extLst>
           </p:cNvPr>
@@ -2420,7 +2437,7 @@
           <p:cNvPr id="7" name="Slide Number Placeholder 6">
             <a:extLst>
               <a:ext uri="{FF2B5EF4-FFF2-40B4-BE49-F238E27FC236}">
-                <a16:creationId xmlns:a16="http://schemas.microsoft.com/office/drawing/2014/main" xmlns="" id="{18B0F82F-EB1E-42DA-AFFD-6C6AEC009A2B}"/>
+                <a16:creationId xmlns="" xmlns:a16="http://schemas.microsoft.com/office/drawing/2014/main" id="{18B0F82F-EB1E-42DA-AFFD-6C6AEC009A2B}"/>
               </a:ext>
             </a:extLst>
           </p:cNvPr>
@@ -2479,7 +2496,7 @@
           <p:cNvPr id="2" name="Title 1">
             <a:extLst>
               <a:ext uri="{FF2B5EF4-FFF2-40B4-BE49-F238E27FC236}">
-                <a16:creationId xmlns:a16="http://schemas.microsoft.com/office/drawing/2014/main" xmlns="" id="{329A8A17-6800-4DB3-9E58-0B3C6DEF6278}"/>
+                <a16:creationId xmlns="" xmlns:a16="http://schemas.microsoft.com/office/drawing/2014/main" id="{329A8A17-6800-4DB3-9E58-0B3C6DEF6278}"/>
               </a:ext>
             </a:extLst>
           </p:cNvPr>
@@ -2516,7 +2533,7 @@
           <p:cNvPr id="3" name="Picture Placeholder 2">
             <a:extLst>
               <a:ext uri="{FF2B5EF4-FFF2-40B4-BE49-F238E27FC236}">
-                <a16:creationId xmlns:a16="http://schemas.microsoft.com/office/drawing/2014/main" xmlns="" id="{9E07A7B5-594D-4D8D-A66C-7338A48E7569}"/>
+                <a16:creationId xmlns="" xmlns:a16="http://schemas.microsoft.com/office/drawing/2014/main" id="{9E07A7B5-594D-4D8D-A66C-7338A48E7569}"/>
               </a:ext>
             </a:extLst>
           </p:cNvPr>
@@ -2583,7 +2600,7 @@
           <p:cNvPr id="4" name="Text Placeholder 3">
             <a:extLst>
               <a:ext uri="{FF2B5EF4-FFF2-40B4-BE49-F238E27FC236}">
-                <a16:creationId xmlns:a16="http://schemas.microsoft.com/office/drawing/2014/main" xmlns="" id="{99EA2117-A17F-4584-8FE5-533EAB6FBEC1}"/>
+                <a16:creationId xmlns="" xmlns:a16="http://schemas.microsoft.com/office/drawing/2014/main" id="{99EA2117-A17F-4584-8FE5-533EAB6FBEC1}"/>
               </a:ext>
             </a:extLst>
           </p:cNvPr>
@@ -2654,7 +2671,7 @@
           <p:cNvPr id="5" name="Date Placeholder 4">
             <a:extLst>
               <a:ext uri="{FF2B5EF4-FFF2-40B4-BE49-F238E27FC236}">
-                <a16:creationId xmlns:a16="http://schemas.microsoft.com/office/drawing/2014/main" xmlns="" id="{EC048765-A005-4FE5-B207-FD07A7F16216}"/>
+                <a16:creationId xmlns="" xmlns:a16="http://schemas.microsoft.com/office/drawing/2014/main" id="{EC048765-A005-4FE5-B207-FD07A7F16216}"/>
               </a:ext>
             </a:extLst>
           </p:cNvPr>
@@ -2683,7 +2700,7 @@
           <p:cNvPr id="6" name="Footer Placeholder 5">
             <a:extLst>
               <a:ext uri="{FF2B5EF4-FFF2-40B4-BE49-F238E27FC236}">
-                <a16:creationId xmlns:a16="http://schemas.microsoft.com/office/drawing/2014/main" xmlns="" id="{EB48174D-B980-44A9-8608-4DEA8D40C389}"/>
+                <a16:creationId xmlns="" xmlns:a16="http://schemas.microsoft.com/office/drawing/2014/main" id="{EB48174D-B980-44A9-8608-4DEA8D40C389}"/>
               </a:ext>
             </a:extLst>
           </p:cNvPr>
@@ -2708,7 +2725,7 @@
           <p:cNvPr id="7" name="Slide Number Placeholder 6">
             <a:extLst>
               <a:ext uri="{FF2B5EF4-FFF2-40B4-BE49-F238E27FC236}">
-                <a16:creationId xmlns:a16="http://schemas.microsoft.com/office/drawing/2014/main" xmlns="" id="{2C747FDA-2F09-45DA-8135-D2B5F8E2EFB9}"/>
+                <a16:creationId xmlns="" xmlns:a16="http://schemas.microsoft.com/office/drawing/2014/main" id="{2C747FDA-2F09-45DA-8135-D2B5F8E2EFB9}"/>
               </a:ext>
             </a:extLst>
           </p:cNvPr>
@@ -2772,7 +2789,7 @@
           <p:cNvPr id="2" name="Title Placeholder 1">
             <a:extLst>
               <a:ext uri="{FF2B5EF4-FFF2-40B4-BE49-F238E27FC236}">
-                <a16:creationId xmlns:a16="http://schemas.microsoft.com/office/drawing/2014/main" xmlns="" id="{3AD9CC8C-2A80-44BA-9CD0-B2ACCA8E4C1F}"/>
+                <a16:creationId xmlns="" xmlns:a16="http://schemas.microsoft.com/office/drawing/2014/main" id="{3AD9CC8C-2A80-44BA-9CD0-B2ACCA8E4C1F}"/>
               </a:ext>
             </a:extLst>
           </p:cNvPr>
@@ -2810,7 +2827,7 @@
           <p:cNvPr id="3" name="Text Placeholder 2">
             <a:extLst>
               <a:ext uri="{FF2B5EF4-FFF2-40B4-BE49-F238E27FC236}">
-                <a16:creationId xmlns:a16="http://schemas.microsoft.com/office/drawing/2014/main" xmlns="" id="{A446242A-3355-4E47-8C77-75D3F1C94B42}"/>
+                <a16:creationId xmlns="" xmlns:a16="http://schemas.microsoft.com/office/drawing/2014/main" id="{A446242A-3355-4E47-8C77-75D3F1C94B42}"/>
               </a:ext>
             </a:extLst>
           </p:cNvPr>
@@ -2877,7 +2894,7 @@
           <p:cNvPr id="4" name="Date Placeholder 3">
             <a:extLst>
               <a:ext uri="{FF2B5EF4-FFF2-40B4-BE49-F238E27FC236}">
-                <a16:creationId xmlns:a16="http://schemas.microsoft.com/office/drawing/2014/main" xmlns="" id="{2A707D12-125E-4556-8527-14C547D55D24}"/>
+                <a16:creationId xmlns="" xmlns:a16="http://schemas.microsoft.com/office/drawing/2014/main" id="{2A707D12-125E-4556-8527-14C547D55D24}"/>
               </a:ext>
             </a:extLst>
           </p:cNvPr>
@@ -2924,7 +2941,7 @@
           <p:cNvPr id="5" name="Footer Placeholder 4">
             <a:extLst>
               <a:ext uri="{FF2B5EF4-FFF2-40B4-BE49-F238E27FC236}">
-                <a16:creationId xmlns:a16="http://schemas.microsoft.com/office/drawing/2014/main" xmlns="" id="{7AF8B764-2C84-4C25-8C44-4B2AE5D47C2C}"/>
+                <a16:creationId xmlns="" xmlns:a16="http://schemas.microsoft.com/office/drawing/2014/main" id="{7AF8B764-2C84-4C25-8C44-4B2AE5D47C2C}"/>
               </a:ext>
             </a:extLst>
           </p:cNvPr>
@@ -2967,7 +2984,7 @@
           <p:cNvPr id="6" name="Slide Number Placeholder 5">
             <a:extLst>
               <a:ext uri="{FF2B5EF4-FFF2-40B4-BE49-F238E27FC236}">
-                <a16:creationId xmlns:a16="http://schemas.microsoft.com/office/drawing/2014/main" xmlns="" id="{10204860-0CE8-45C0-A257-BC23E19B8779}"/>
+                <a16:creationId xmlns="" xmlns:a16="http://schemas.microsoft.com/office/drawing/2014/main" id="{10204860-0CE8-45C0-A257-BC23E19B8779}"/>
               </a:ext>
             </a:extLst>
           </p:cNvPr>
@@ -3335,7 +3352,7 @@
           <p:cNvPr id="2" name="Title 1">
             <a:extLst>
               <a:ext uri="{FF2B5EF4-FFF2-40B4-BE49-F238E27FC236}">
-                <a16:creationId xmlns:a16="http://schemas.microsoft.com/office/drawing/2014/main" xmlns="" id="{69834B48-0969-4EB9-A4D8-F52B826E1372}"/>
+                <a16:creationId xmlns="" xmlns:a16="http://schemas.microsoft.com/office/drawing/2014/main" id="{69834B48-0969-4EB9-A4D8-F52B826E1372}"/>
               </a:ext>
             </a:extLst>
           </p:cNvPr>
@@ -3370,7 +3387,7 @@
           <p:cNvPr id="3" name="Subtitle 2">
             <a:extLst>
               <a:ext uri="{FF2B5EF4-FFF2-40B4-BE49-F238E27FC236}">
-                <a16:creationId xmlns:a16="http://schemas.microsoft.com/office/drawing/2014/main" xmlns="" id="{6FE504C0-CB00-4A26-99F2-7F17BBD7DA57}"/>
+                <a16:creationId xmlns="" xmlns:a16="http://schemas.microsoft.com/office/drawing/2014/main" id="{6FE504C0-CB00-4A26-99F2-7F17BBD7DA57}"/>
               </a:ext>
             </a:extLst>
           </p:cNvPr>
@@ -3437,7 +3454,205 @@
           <p:cNvPr id="2" name="Title 1">
             <a:extLst>
               <a:ext uri="{FF2B5EF4-FFF2-40B4-BE49-F238E27FC236}">
-                <a16:creationId xmlns:a16="http://schemas.microsoft.com/office/drawing/2014/main" xmlns="" id="{933E1EA9-C24B-409B-B7A8-9663BAF3642E}"/>
+                <a16:creationId xmlns="" xmlns:a16="http://schemas.microsoft.com/office/drawing/2014/main" id="{933E1EA9-C24B-409B-B7A8-9663BAF3642E}"/>
+              </a:ext>
+            </a:extLst>
+          </p:cNvPr>
+          <p:cNvSpPr>
+            <a:spLocks noGrp="1"/>
+          </p:cNvSpPr>
+          <p:nvPr>
+            <p:ph type="title"/>
+          </p:nvPr>
+        </p:nvSpPr>
+        <p:spPr/>
+        <p:txBody>
+          <a:bodyPr/>
+          <a:lstStyle/>
+          <a:p>
+            <a:r>
+              <a:rPr lang="en-US" dirty="0"/>
+              <a:t>Attachments: Unavailable Data Points by Var</a:t>
+            </a:r>
+          </a:p>
+        </p:txBody>
+      </p:sp>
+      <p:sp>
+        <p:nvSpPr>
+          <p:cNvPr id="3" name="Rectangle 2">
+            <a:extLst>
+              <a:ext uri="{FF2B5EF4-FFF2-40B4-BE49-F238E27FC236}">
+                <a16:creationId xmlns="" xmlns:a16="http://schemas.microsoft.com/office/drawing/2014/main" id="{93875B39-48D6-4D90-BFE5-EE708DA2608E}"/>
+              </a:ext>
+            </a:extLst>
+          </p:cNvPr>
+          <p:cNvSpPr/>
+          <p:nvPr/>
+        </p:nvSpPr>
+        <p:spPr>
+          <a:xfrm>
+            <a:off x="3048000" y="1997839"/>
+            <a:ext cx="6096000" cy="2862322"/>
+          </a:xfrm>
+          <a:prstGeom prst="rect">
+            <a:avLst/>
+          </a:prstGeom>
+        </p:spPr>
+        <p:txBody>
+          <a:bodyPr>
+            <a:spAutoFit/>
+          </a:bodyPr>
+          <a:lstStyle/>
+          <a:p>
+            <a:pPr marL="285750" indent="-285750">
+              <a:buFont typeface="Wingdings" panose="05000000000000000000" pitchFamily="2" charset="2"/>
+              <a:buChar char="Ø"/>
+            </a:pPr>
+            <a:r>
+              <a:rPr lang="en-US" dirty="0"/>
+              <a:t> Number of NA's in Brewery ID Column: 0</a:t>
+            </a:r>
+          </a:p>
+          <a:p>
+            <a:pPr marL="285750" indent="-285750">
+              <a:buFont typeface="Wingdings" panose="05000000000000000000" pitchFamily="2" charset="2"/>
+              <a:buChar char="Ø"/>
+            </a:pPr>
+            <a:r>
+              <a:rPr lang="en-US" dirty="0"/>
+              <a:t> </a:t>
+            </a:r>
+            <a:r>
+              <a:rPr lang="en-US" b="1" dirty="0"/>
+              <a:t>Number of NA's in Beer Name Column: 1067</a:t>
+            </a:r>
+          </a:p>
+          <a:p>
+            <a:pPr marL="285750" indent="-285750">
+              <a:buFont typeface="Wingdings" panose="05000000000000000000" pitchFamily="2" charset="2"/>
+              <a:buChar char="Ø"/>
+            </a:pPr>
+            <a:r>
+              <a:rPr lang="en-US" dirty="0"/>
+              <a:t> Number of NA's in Beer ID Column: 0</a:t>
+            </a:r>
+          </a:p>
+          <a:p>
+            <a:pPr marL="285750" indent="-285750">
+              <a:buFont typeface="Wingdings" panose="05000000000000000000" pitchFamily="2" charset="2"/>
+              <a:buChar char="Ø"/>
+            </a:pPr>
+            <a:r>
+              <a:rPr lang="en-US" dirty="0"/>
+              <a:t> </a:t>
+            </a:r>
+            <a:r>
+              <a:rPr lang="en-US" b="1" dirty="0"/>
+              <a:t>Number of NA's in ABV Column: 62</a:t>
+            </a:r>
+          </a:p>
+          <a:p>
+            <a:pPr marL="285750" indent="-285750">
+              <a:buFont typeface="Wingdings" panose="05000000000000000000" pitchFamily="2" charset="2"/>
+              <a:buChar char="Ø"/>
+            </a:pPr>
+            <a:r>
+              <a:rPr lang="en-US" dirty="0"/>
+              <a:t> </a:t>
+            </a:r>
+            <a:r>
+              <a:rPr lang="en-US" b="1" dirty="0"/>
+              <a:t>Number of NA's in IBU Column: 1005</a:t>
+            </a:r>
+          </a:p>
+          <a:p>
+            <a:pPr marL="285750" indent="-285750">
+              <a:buFont typeface="Wingdings" panose="05000000000000000000" pitchFamily="2" charset="2"/>
+              <a:buChar char="Ø"/>
+            </a:pPr>
+            <a:r>
+              <a:rPr lang="en-US" dirty="0"/>
+              <a:t> Number of NA's in Style Column: 0</a:t>
+            </a:r>
+          </a:p>
+          <a:p>
+            <a:pPr marL="285750" indent="-285750">
+              <a:buFont typeface="Wingdings" panose="05000000000000000000" pitchFamily="2" charset="2"/>
+              <a:buChar char="Ø"/>
+            </a:pPr>
+            <a:r>
+              <a:rPr lang="en-US" dirty="0"/>
+              <a:t> Number of NA's in Ounces Column: 0</a:t>
+            </a:r>
+          </a:p>
+          <a:p>
+            <a:pPr marL="285750" indent="-285750">
+              <a:buFont typeface="Wingdings" panose="05000000000000000000" pitchFamily="2" charset="2"/>
+              <a:buChar char="Ø"/>
+            </a:pPr>
+            <a:r>
+              <a:rPr lang="en-US" dirty="0"/>
+              <a:t> Number of NA's in Brewer name Column: 0</a:t>
+            </a:r>
+          </a:p>
+          <a:p>
+            <a:pPr marL="285750" indent="-285750">
+              <a:buFont typeface="Wingdings" panose="05000000000000000000" pitchFamily="2" charset="2"/>
+              <a:buChar char="Ø"/>
+            </a:pPr>
+            <a:r>
+              <a:rPr lang="en-US" dirty="0"/>
+              <a:t> Number of NA's in City Column: 0</a:t>
+            </a:r>
+          </a:p>
+          <a:p>
+            <a:pPr marL="285750" indent="-285750">
+              <a:buFont typeface="Wingdings" panose="05000000000000000000" pitchFamily="2" charset="2"/>
+              <a:buChar char="Ø"/>
+            </a:pPr>
+            <a:r>
+              <a:rPr lang="en-US" dirty="0"/>
+              <a:t> Number of NA's in State Column: 0</a:t>
+            </a:r>
+          </a:p>
+        </p:txBody>
+      </p:sp>
+    </p:spTree>
+    <p:extLst>
+      <p:ext uri="{BB962C8B-B14F-4D97-AF65-F5344CB8AC3E}">
+        <p14:creationId xmlns:p14="http://schemas.microsoft.com/office/powerpoint/2010/main" val="2042654670"/>
+      </p:ext>
+    </p:extLst>
+  </p:cSld>
+  <p:clrMapOvr>
+    <a:masterClrMapping/>
+  </p:clrMapOvr>
+</p:sld>
+</file>
+
+<file path=ppt/slides/slide11.xml><?xml version="1.0" encoding="utf-8"?>
+<p:sld xmlns:a="http://schemas.openxmlformats.org/drawingml/2006/main" xmlns:r="http://schemas.openxmlformats.org/officeDocument/2006/relationships" xmlns:p="http://schemas.openxmlformats.org/presentationml/2006/main">
+  <p:cSld>
+    <p:spTree>
+      <p:nvGrpSpPr>
+        <p:cNvPr id="1" name=""/>
+        <p:cNvGrpSpPr/>
+        <p:nvPr/>
+      </p:nvGrpSpPr>
+      <p:grpSpPr>
+        <a:xfrm>
+          <a:off x="0" y="0"/>
+          <a:ext cx="0" cy="0"/>
+          <a:chOff x="0" y="0"/>
+          <a:chExt cx="0" cy="0"/>
+        </a:xfrm>
+      </p:grpSpPr>
+      <p:sp>
+        <p:nvSpPr>
+          <p:cNvPr id="2" name="Title 1">
+            <a:extLst>
+              <a:ext uri="{FF2B5EF4-FFF2-40B4-BE49-F238E27FC236}">
+                <a16:creationId xmlns="" xmlns:a16="http://schemas.microsoft.com/office/drawing/2014/main" id="{933E1EA9-C24B-409B-B7A8-9663BAF3642E}"/>
               </a:ext>
             </a:extLst>
           </p:cNvPr>
@@ -3465,7 +3680,7 @@
           <p:cNvPr id="5" name="Picture 4">
             <a:extLst>
               <a:ext uri="{FF2B5EF4-FFF2-40B4-BE49-F238E27FC236}">
-                <a16:creationId xmlns:a16="http://schemas.microsoft.com/office/drawing/2014/main" xmlns="" id="{CFDA0436-4BAF-433F-91E5-418385AA68E2}"/>
+                <a16:creationId xmlns="" xmlns:a16="http://schemas.microsoft.com/office/drawing/2014/main" id="{CFDA0436-4BAF-433F-91E5-418385AA68E2}"/>
               </a:ext>
             </a:extLst>
           </p:cNvPr>
@@ -3525,7 +3740,7 @@
           <p:cNvPr id="2" name="Title 1">
             <a:extLst>
               <a:ext uri="{FF2B5EF4-FFF2-40B4-BE49-F238E27FC236}">
-                <a16:creationId xmlns:a16="http://schemas.microsoft.com/office/drawing/2014/main" xmlns="" id="{933E1EA9-C24B-409B-B7A8-9663BAF3642E}"/>
+                <a16:creationId xmlns="" xmlns:a16="http://schemas.microsoft.com/office/drawing/2014/main" id="{933E1EA9-C24B-409B-B7A8-9663BAF3642E}"/>
               </a:ext>
             </a:extLst>
           </p:cNvPr>
@@ -3553,7 +3768,7 @@
           <p:cNvPr id="3" name="Content Placeholder 2">
             <a:extLst>
               <a:ext uri="{FF2B5EF4-FFF2-40B4-BE49-F238E27FC236}">
-                <a16:creationId xmlns:a16="http://schemas.microsoft.com/office/drawing/2014/main" xmlns="" id="{1C53E63B-9626-4581-89B4-03BC2CB42F6D}"/>
+                <a16:creationId xmlns="" xmlns:a16="http://schemas.microsoft.com/office/drawing/2014/main" id="{1C53E63B-9626-4581-89B4-03BC2CB42F6D}"/>
               </a:ext>
             </a:extLst>
           </p:cNvPr>
@@ -3694,7 +3909,7 @@
           <p:cNvPr id="2" name="Title 1">
             <a:extLst>
               <a:ext uri="{FF2B5EF4-FFF2-40B4-BE49-F238E27FC236}">
-                <a16:creationId xmlns:a16="http://schemas.microsoft.com/office/drawing/2014/main" xmlns="" id="{933E1EA9-C24B-409B-B7A8-9663BAF3642E}"/>
+                <a16:creationId xmlns="" xmlns:a16="http://schemas.microsoft.com/office/drawing/2014/main" id="{933E1EA9-C24B-409B-B7A8-9663BAF3642E}"/>
               </a:ext>
             </a:extLst>
           </p:cNvPr>
@@ -3722,7 +3937,7 @@
           <p:cNvPr id="3" name="Content Placeholder 2">
             <a:extLst>
               <a:ext uri="{FF2B5EF4-FFF2-40B4-BE49-F238E27FC236}">
-                <a16:creationId xmlns:a16="http://schemas.microsoft.com/office/drawing/2014/main" xmlns="" id="{1C53E63B-9626-4581-89B4-03BC2CB42F6D}"/>
+                <a16:creationId xmlns="" xmlns:a16="http://schemas.microsoft.com/office/drawing/2014/main" id="{1C53E63B-9626-4581-89B4-03BC2CB42F6D}"/>
               </a:ext>
             </a:extLst>
           </p:cNvPr>
@@ -3951,7 +4166,7 @@
           <p:cNvPr id="2" name="Title 1">
             <a:extLst>
               <a:ext uri="{FF2B5EF4-FFF2-40B4-BE49-F238E27FC236}">
-                <a16:creationId xmlns:a16="http://schemas.microsoft.com/office/drawing/2014/main" xmlns="" id="{933E1EA9-C24B-409B-B7A8-9663BAF3642E}"/>
+                <a16:creationId xmlns="" xmlns:a16="http://schemas.microsoft.com/office/drawing/2014/main" id="{933E1EA9-C24B-409B-B7A8-9663BAF3642E}"/>
               </a:ext>
             </a:extLst>
           </p:cNvPr>
@@ -3979,7 +4194,7 @@
           <p:cNvPr id="6" name="Picture 5">
             <a:extLst>
               <a:ext uri="{FF2B5EF4-FFF2-40B4-BE49-F238E27FC236}">
-                <a16:creationId xmlns:a16="http://schemas.microsoft.com/office/drawing/2014/main" xmlns="" id="{0273E6C5-FE86-4CBE-872F-C0FF48905C4A}"/>
+                <a16:creationId xmlns="" xmlns:a16="http://schemas.microsoft.com/office/drawing/2014/main" id="{0273E6C5-FE86-4CBE-872F-C0FF48905C4A}"/>
               </a:ext>
             </a:extLst>
           </p:cNvPr>
@@ -4009,7 +4224,7 @@
           <p:cNvPr id="10" name="Picture 9">
             <a:extLst>
               <a:ext uri="{FF2B5EF4-FFF2-40B4-BE49-F238E27FC236}">
-                <a16:creationId xmlns:a16="http://schemas.microsoft.com/office/drawing/2014/main" xmlns="" id="{2ACB85C6-5386-4CF5-8AC0-D7CC480FC9F2}"/>
+                <a16:creationId xmlns="" xmlns:a16="http://schemas.microsoft.com/office/drawing/2014/main" id="{2ACB85C6-5386-4CF5-8AC0-D7CC480FC9F2}"/>
               </a:ext>
             </a:extLst>
           </p:cNvPr>
@@ -4039,7 +4254,7 @@
           <p:cNvPr id="11" name="Picture 10">
             <a:extLst>
               <a:ext uri="{FF2B5EF4-FFF2-40B4-BE49-F238E27FC236}">
-                <a16:creationId xmlns:a16="http://schemas.microsoft.com/office/drawing/2014/main" xmlns="" id="{B0572B71-1BBD-4CBD-835C-E5CCC29F0DBC}"/>
+                <a16:creationId xmlns="" xmlns:a16="http://schemas.microsoft.com/office/drawing/2014/main" id="{B0572B71-1BBD-4CBD-835C-E5CCC29F0DBC}"/>
               </a:ext>
             </a:extLst>
           </p:cNvPr>
@@ -4069,7 +4284,7 @@
           <p:cNvPr id="12" name="Content Placeholder 2">
             <a:extLst>
               <a:ext uri="{FF2B5EF4-FFF2-40B4-BE49-F238E27FC236}">
-                <a16:creationId xmlns:a16="http://schemas.microsoft.com/office/drawing/2014/main" xmlns="" id="{4B45AC2A-BF2E-425F-98FF-CA75010D921D}"/>
+                <a16:creationId xmlns="" xmlns:a16="http://schemas.microsoft.com/office/drawing/2014/main" id="{4B45AC2A-BF2E-425F-98FF-CA75010D921D}"/>
               </a:ext>
             </a:extLst>
           </p:cNvPr>
@@ -4185,7 +4400,7 @@
           <p:cNvPr id="2" name="Title 1">
             <a:extLst>
               <a:ext uri="{FF2B5EF4-FFF2-40B4-BE49-F238E27FC236}">
-                <a16:creationId xmlns:a16="http://schemas.microsoft.com/office/drawing/2014/main" xmlns="" id="{933E1EA9-C24B-409B-B7A8-9663BAF3642E}"/>
+                <a16:creationId xmlns="" xmlns:a16="http://schemas.microsoft.com/office/drawing/2014/main" id="{933E1EA9-C24B-409B-B7A8-9663BAF3642E}"/>
               </a:ext>
             </a:extLst>
           </p:cNvPr>
@@ -4217,7 +4432,7 @@
           <p:cNvPr id="4" name="Content Placeholder 2">
             <a:extLst>
               <a:ext uri="{FF2B5EF4-FFF2-40B4-BE49-F238E27FC236}">
-                <a16:creationId xmlns:a16="http://schemas.microsoft.com/office/drawing/2014/main" xmlns="" id="{4AA6A163-13ED-449A-98C8-4E9CFEF15C13}"/>
+                <a16:creationId xmlns="" xmlns:a16="http://schemas.microsoft.com/office/drawing/2014/main" id="{4AA6A163-13ED-449A-98C8-4E9CFEF15C13}"/>
               </a:ext>
             </a:extLst>
           </p:cNvPr>
@@ -4287,7 +4502,7 @@
           <p:cNvPr id="6" name="Picture 5">
             <a:extLst>
               <a:ext uri="{FF2B5EF4-FFF2-40B4-BE49-F238E27FC236}">
-                <a16:creationId xmlns:a16="http://schemas.microsoft.com/office/drawing/2014/main" xmlns="" id="{D8954FBC-1B5E-4F63-B600-5D1B83D9B8CE}"/>
+                <a16:creationId xmlns="" xmlns:a16="http://schemas.microsoft.com/office/drawing/2014/main" id="{D8954FBC-1B5E-4F63-B600-5D1B83D9B8CE}"/>
               </a:ext>
             </a:extLst>
           </p:cNvPr>
@@ -4347,7 +4562,7 @@
           <p:cNvPr id="2" name="Title 1">
             <a:extLst>
               <a:ext uri="{FF2B5EF4-FFF2-40B4-BE49-F238E27FC236}">
-                <a16:creationId xmlns:a16="http://schemas.microsoft.com/office/drawing/2014/main" xmlns="" id="{933E1EA9-C24B-409B-B7A8-9663BAF3642E}"/>
+                <a16:creationId xmlns="" xmlns:a16="http://schemas.microsoft.com/office/drawing/2014/main" id="{933E1EA9-C24B-409B-B7A8-9663BAF3642E}"/>
               </a:ext>
             </a:extLst>
           </p:cNvPr>
@@ -4375,7 +4590,7 @@
           <p:cNvPr id="5" name="Picture 4">
             <a:extLst>
               <a:ext uri="{FF2B5EF4-FFF2-40B4-BE49-F238E27FC236}">
-                <a16:creationId xmlns:a16="http://schemas.microsoft.com/office/drawing/2014/main" xmlns="" id="{1E5F6E44-7833-4B43-AD7F-6E4061CA7BA0}"/>
+                <a16:creationId xmlns="" xmlns:a16="http://schemas.microsoft.com/office/drawing/2014/main" id="{1E5F6E44-7833-4B43-AD7F-6E4061CA7BA0}"/>
               </a:ext>
             </a:extLst>
           </p:cNvPr>
@@ -4405,7 +4620,7 @@
           <p:cNvPr id="3" name="Content Placeholder 2">
             <a:extLst>
               <a:ext uri="{FF2B5EF4-FFF2-40B4-BE49-F238E27FC236}">
-                <a16:creationId xmlns:a16="http://schemas.microsoft.com/office/drawing/2014/main" xmlns="" id="{1C53E63B-9626-4581-89B4-03BC2CB42F6D}"/>
+                <a16:creationId xmlns="" xmlns:a16="http://schemas.microsoft.com/office/drawing/2014/main" id="{1C53E63B-9626-4581-89B4-03BC2CB42F6D}"/>
               </a:ext>
             </a:extLst>
           </p:cNvPr>
@@ -4506,7 +4721,7 @@
           <a:p>
             <a:r>
               <a:rPr lang="en-US" dirty="0"/>
-              <a:t>Key Take-Aways / Next Steps:  Project Beer</a:t>
+              <a:t>Summary of Results (cont’d):  Project Beer</a:t>
             </a:r>
           </a:p>
         </p:txBody>
@@ -4527,11 +4742,14 @@
             <p:ph idx="1"/>
           </p:nvPr>
         </p:nvSpPr>
-        <p:spPr/>
-        <p:txBody>
-          <a:bodyPr>
-            <a:normAutofit lnSpcReduction="10000"/>
-          </a:bodyPr>
+        <p:spPr>
+          <a:xfrm>
+            <a:off x="448092" y="1989680"/>
+            <a:ext cx="4147159" cy="2579226"/>
+          </a:xfrm>
+        </p:spPr>
+        <p:txBody>
+          <a:bodyPr/>
           <a:lstStyle/>
           <a:p>
             <a:pPr>
@@ -4539,90 +4757,59 @@
               <a:buChar char="Ø"/>
             </a:pPr>
             <a:r>
-              <a:rPr lang="en-US" dirty="0"/>
-              <a:t>Relationship between ABV and IBU:  there appears to be a positive correlation between these two variables (i.e., higher alcohol ~ higher bitterness index)</a:t>
-            </a:r>
-          </a:p>
-          <a:p>
-            <a:pPr lvl="1">
-              <a:buFont typeface="Wingdings" panose="05000000000000000000" pitchFamily="2" charset="2"/>
-              <a:buChar char="ü"/>
-            </a:pPr>
-            <a:r>
-              <a:rPr lang="en-US" dirty="0"/>
-              <a:t>Not based on a full statistical analysis;</a:t>
-            </a:r>
-          </a:p>
-          <a:p>
-            <a:pPr lvl="1">
-              <a:buFont typeface="Wingdings" panose="05000000000000000000" pitchFamily="2" charset="2"/>
-              <a:buChar char="ü"/>
-            </a:pPr>
-            <a:r>
-              <a:rPr lang="en-US" dirty="0"/>
-              <a:t>No current indication as to ‘why’ this relationship exists.</a:t>
-            </a:r>
-          </a:p>
-          <a:p>
-            <a:pPr lvl="1">
-              <a:buFont typeface="Wingdings" panose="05000000000000000000" pitchFamily="2" charset="2"/>
-              <a:buChar char="Ø"/>
-            </a:pPr>
-            <a:endParaRPr lang="en-US" sz="600" dirty="0"/>
-          </a:p>
-          <a:p>
-            <a:pPr>
-              <a:buFont typeface="Wingdings" panose="05000000000000000000" pitchFamily="2" charset="2"/>
-              <a:buChar char="Ø"/>
-            </a:pPr>
-            <a:r>
-              <a:rPr lang="en-US" dirty="0"/>
-              <a:t>Next Steps:  Results are not based on a statistical analysis:</a:t>
-            </a:r>
-          </a:p>
-          <a:p>
-            <a:pPr lvl="1">
-              <a:buFont typeface="Wingdings" panose="05000000000000000000" pitchFamily="2" charset="2"/>
-              <a:buChar char="ü"/>
-            </a:pPr>
-            <a:r>
-              <a:rPr lang="en-US" dirty="0"/>
-              <a:t>Run a full regression to consider the relationship;</a:t>
-            </a:r>
-          </a:p>
-          <a:p>
-            <a:pPr lvl="1">
-              <a:buFont typeface="Wingdings" panose="05000000000000000000" pitchFamily="2" charset="2"/>
-              <a:buChar char="ü"/>
-            </a:pPr>
-            <a:r>
-              <a:rPr lang="en-US" dirty="0"/>
-              <a:t>Consider controlling for variables (e.g., # of breweries by state; type of beer; etc.)</a:t>
-            </a:r>
-          </a:p>
-          <a:p>
-            <a:pPr lvl="1">
-              <a:buFont typeface="Wingdings" panose="05000000000000000000" pitchFamily="2" charset="2"/>
-              <a:buChar char="ü"/>
-            </a:pPr>
-            <a:r>
-              <a:rPr lang="en-US" dirty="0"/>
-              <a:t>Explore the ‘why’ (i.e., is the relationship sought by brewers for customer tastes, or perhaps a by-product of the brewing method)</a:t>
-            </a:r>
-          </a:p>
-          <a:p>
-            <a:pPr lvl="1">
-              <a:buFont typeface="Wingdings" panose="05000000000000000000" pitchFamily="2" charset="2"/>
-              <a:buChar char="Ø"/>
-            </a:pPr>
-            <a:endParaRPr lang="en-US" dirty="0"/>
-          </a:p>
-        </p:txBody>
-      </p:sp>
+              <a:rPr lang="en-US" sz="2000" dirty="0"/>
+              <a:t>The final Scatter </a:t>
+            </a:r>
+            <a:r>
+              <a:rPr lang="en-US" sz="2000" dirty="0" smtClean="0"/>
+              <a:t>Plot on the right </a:t>
+            </a:r>
+            <a:r>
+              <a:rPr lang="en-US" sz="2000" dirty="0"/>
+              <a:t>shows a clear separation between the two groups of beer types of dark vs </a:t>
+            </a:r>
+            <a:r>
+              <a:rPr lang="en-US" sz="2000" dirty="0" smtClean="0"/>
+              <a:t>light</a:t>
+            </a:r>
+            <a:endParaRPr lang="en-US" sz="2000" dirty="0"/>
+          </a:p>
+        </p:txBody>
+      </p:sp>
+      <p:pic>
+        <p:nvPicPr>
+          <p:cNvPr id="6" name="Picture 5"/>
+          <p:cNvPicPr>
+            <a:picLocks noChangeAspect="1"/>
+          </p:cNvPicPr>
+          <p:nvPr/>
+        </p:nvPicPr>
+        <p:blipFill>
+          <a:blip r:embed="rId2">
+            <a:extLst>
+              <a:ext uri="{28A0092B-C50C-407E-A947-70E740481C1C}">
+                <a14:useLocalDpi xmlns:a14="http://schemas.microsoft.com/office/drawing/2010/main" val="0"/>
+              </a:ext>
+            </a:extLst>
+          </a:blip>
+          <a:stretch>
+            <a:fillRect/>
+          </a:stretch>
+        </p:blipFill>
+        <p:spPr>
+          <a:xfrm>
+            <a:off x="4758090" y="1690688"/>
+            <a:ext cx="6891116" cy="4523984"/>
+          </a:xfrm>
+          <a:prstGeom prst="rect">
+            <a:avLst/>
+          </a:prstGeom>
+        </p:spPr>
+      </p:pic>
     </p:spTree>
     <p:extLst>
       <p:ext uri="{BB962C8B-B14F-4D97-AF65-F5344CB8AC3E}">
-        <p14:creationId xmlns:p14="http://schemas.microsoft.com/office/powerpoint/2010/main" val="1546462982"/>
+        <p14:creationId xmlns:p14="http://schemas.microsoft.com/office/powerpoint/2010/main" val="1380092363"/>
       </p:ext>
     </p:extLst>
   </p:cSld>
@@ -4654,7 +4841,7 @@
           <p:cNvPr id="2" name="Title 1">
             <a:extLst>
               <a:ext uri="{FF2B5EF4-FFF2-40B4-BE49-F238E27FC236}">
-                <a16:creationId xmlns:a16="http://schemas.microsoft.com/office/drawing/2014/main" xmlns="" id="{933E1EA9-C24B-409B-B7A8-9663BAF3642E}"/>
+                <a16:creationId xmlns="" xmlns:a16="http://schemas.microsoft.com/office/drawing/2014/main" id="{933E1EA9-C24B-409B-B7A8-9663BAF3642E}"/>
               </a:ext>
             </a:extLst>
           </p:cNvPr>
@@ -4672,7 +4859,7 @@
           <a:p>
             <a:r>
               <a:rPr lang="en-US" dirty="0"/>
-              <a:t>Attachments: File Reference and Location</a:t>
+              <a:t>Key Take-Aways / Next Steps:  Project Beer</a:t>
             </a:r>
           </a:p>
         </p:txBody>
@@ -4682,7 +4869,7 @@
           <p:cNvPr id="3" name="Content Placeholder 2">
             <a:extLst>
               <a:ext uri="{FF2B5EF4-FFF2-40B4-BE49-F238E27FC236}">
-                <a16:creationId xmlns:a16="http://schemas.microsoft.com/office/drawing/2014/main" xmlns="" id="{1C53E63B-9626-4581-89B4-03BC2CB42F6D}"/>
+                <a16:creationId xmlns="" xmlns:a16="http://schemas.microsoft.com/office/drawing/2014/main" id="{1C53E63B-9626-4581-89B4-03BC2CB42F6D}"/>
               </a:ext>
             </a:extLst>
           </p:cNvPr>
@@ -4695,7 +4882,9 @@
         </p:nvSpPr>
         <p:spPr/>
         <p:txBody>
-          <a:bodyPr/>
+          <a:bodyPr>
+            <a:normAutofit lnSpcReduction="10000"/>
+          </a:bodyPr>
           <a:lstStyle/>
           <a:p>
             <a:pPr>
@@ -4704,23 +4893,35 @@
             </a:pPr>
             <a:r>
               <a:rPr lang="en-US" dirty="0"/>
-              <a:t>All files are available at the following GitHub Repo:</a:t>
-            </a:r>
-          </a:p>
-          <a:p>
-            <a:pPr marL="0" indent="0">
-              <a:buNone/>
-            </a:pPr>
-            <a:r>
-              <a:rPr lang="en-US" dirty="0">
-                <a:hlinkClick r:id="rId2"/>
-              </a:rPr>
-              <a:t>https://github.com/bdelahoussaye/6306Case_Study1.git</a:t>
-            </a:r>
-            <a:endParaRPr lang="en-US" dirty="0"/>
-          </a:p>
-          <a:p>
-            <a:endParaRPr lang="en-US" dirty="0"/>
+              <a:t>Relationship between ABV and IBU:  there appears to be a positive correlation between these two variables (i.e., higher alcohol ~ higher bitterness index)</a:t>
+            </a:r>
+          </a:p>
+          <a:p>
+            <a:pPr lvl="1">
+              <a:buFont typeface="Wingdings" panose="05000000000000000000" pitchFamily="2" charset="2"/>
+              <a:buChar char="ü"/>
+            </a:pPr>
+            <a:r>
+              <a:rPr lang="en-US" dirty="0"/>
+              <a:t>Not based on a full statistical analysis;</a:t>
+            </a:r>
+          </a:p>
+          <a:p>
+            <a:pPr lvl="1">
+              <a:buFont typeface="Wingdings" panose="05000000000000000000" pitchFamily="2" charset="2"/>
+              <a:buChar char="ü"/>
+            </a:pPr>
+            <a:r>
+              <a:rPr lang="en-US" dirty="0"/>
+              <a:t>No current indication as to ‘why’ this relationship exists.</a:t>
+            </a:r>
+          </a:p>
+          <a:p>
+            <a:pPr lvl="1">
+              <a:buFont typeface="Wingdings" panose="05000000000000000000" pitchFamily="2" charset="2"/>
+              <a:buChar char="Ø"/>
+            </a:pPr>
+            <a:endParaRPr lang="en-US" sz="600" dirty="0"/>
           </a:p>
           <a:p>
             <a:pPr>
@@ -4729,7 +4930,7 @@
             </a:pPr>
             <a:r>
               <a:rPr lang="en-US" dirty="0"/>
-              <a:t>Key Data Sources:  “Beers.csv” &amp; “Breweries.csv” (collectively “Data”)</a:t>
+              <a:t>Next Steps:  Results are not based on a statistical analysis:</a:t>
             </a:r>
           </a:p>
           <a:p>
@@ -4739,31 +4940,31 @@
             </a:pPr>
             <a:r>
               <a:rPr lang="en-US" dirty="0"/>
-              <a:t>Data was merged into “BeerBreweries.csv”</a:t>
-            </a:r>
-          </a:p>
-          <a:p>
-            <a:pPr>
+              <a:t>Run a full regression to consider the relationship;</a:t>
+            </a:r>
+          </a:p>
+          <a:p>
+            <a:pPr lvl="1">
               <a:buFont typeface="Wingdings" panose="05000000000000000000" pitchFamily="2" charset="2"/>
-              <a:buChar char="Ø"/>
-            </a:pPr>
-            <a:r>
-              <a:rPr lang="en-US" dirty="0"/>
-              <a:t>Tools Utilized:  Code ‘R’ (code utilized is available in “Code Book for Case Study One.doc”, and various ‘R File’, ‘RMD File’, and ‘R Project’ files).</a:t>
-            </a:r>
-          </a:p>
-          <a:p>
-            <a:pPr>
+              <a:buChar char="ü"/>
+            </a:pPr>
+            <a:r>
+              <a:rPr lang="en-US" dirty="0"/>
+              <a:t>Consider controlling for variables (e.g., # of breweries by state; type of beer; etc.)</a:t>
+            </a:r>
+          </a:p>
+          <a:p>
+            <a:pPr lvl="1">
               <a:buFont typeface="Wingdings" panose="05000000000000000000" pitchFamily="2" charset="2"/>
-              <a:buChar char="Ø"/>
-            </a:pPr>
-            <a:r>
-              <a:rPr lang="en-US" dirty="0"/>
-              <a:t>Please refer to file “README.md” for introduction</a:t>
-            </a:r>
-          </a:p>
-          <a:p>
-            <a:pPr>
+              <a:buChar char="ü"/>
+            </a:pPr>
+            <a:r>
+              <a:rPr lang="en-US" dirty="0"/>
+              <a:t>Explore the ‘why’ (i.e., is the relationship sought by brewers for customer tastes, or perhaps a by-product of the brewing method)</a:t>
+            </a:r>
+          </a:p>
+          <a:p>
+            <a:pPr lvl="1">
               <a:buFont typeface="Wingdings" panose="05000000000000000000" pitchFamily="2" charset="2"/>
               <a:buChar char="Ø"/>
             </a:pPr>
@@ -4774,7 +4975,7 @@
     </p:spTree>
     <p:extLst>
       <p:ext uri="{BB962C8B-B14F-4D97-AF65-F5344CB8AC3E}">
-        <p14:creationId xmlns:p14="http://schemas.microsoft.com/office/powerpoint/2010/main" val="311934094"/>
+        <p14:creationId xmlns:p14="http://schemas.microsoft.com/office/powerpoint/2010/main" val="1546462982"/>
       </p:ext>
     </p:extLst>
   </p:cSld>
@@ -4806,7 +5007,7 @@
           <p:cNvPr id="2" name="Title 1">
             <a:extLst>
               <a:ext uri="{FF2B5EF4-FFF2-40B4-BE49-F238E27FC236}">
-                <a16:creationId xmlns:a16="http://schemas.microsoft.com/office/drawing/2014/main" xmlns="" id="{933E1EA9-C24B-409B-B7A8-9663BAF3642E}"/>
+                <a16:creationId xmlns="" xmlns:a16="http://schemas.microsoft.com/office/drawing/2014/main" id="{933E1EA9-C24B-409B-B7A8-9663BAF3642E}"/>
               </a:ext>
             </a:extLst>
           </p:cNvPr>
@@ -4824,155 +5025,109 @@
           <a:p>
             <a:r>
               <a:rPr lang="en-US" dirty="0"/>
-              <a:t>Attachments: Unavailable Data Points by Var</a:t>
-            </a:r>
-          </a:p>
-        </p:txBody>
-      </p:sp>
-      <p:sp>
-        <p:nvSpPr>
-          <p:cNvPr id="3" name="Rectangle 2">
-            <a:extLst>
-              <a:ext uri="{FF2B5EF4-FFF2-40B4-BE49-F238E27FC236}">
-                <a16:creationId xmlns:a16="http://schemas.microsoft.com/office/drawing/2014/main" xmlns="" id="{93875B39-48D6-4D90-BFE5-EE708DA2608E}"/>
-              </a:ext>
-            </a:extLst>
-          </p:cNvPr>
-          <p:cNvSpPr/>
-          <p:nvPr/>
-        </p:nvSpPr>
-        <p:spPr>
-          <a:xfrm>
-            <a:off x="3048000" y="1997839"/>
-            <a:ext cx="6096000" cy="2862322"/>
-          </a:xfrm>
-          <a:prstGeom prst="rect">
-            <a:avLst/>
-          </a:prstGeom>
-        </p:spPr>
-        <p:txBody>
-          <a:bodyPr>
-            <a:spAutoFit/>
-          </a:bodyPr>
-          <a:lstStyle/>
-          <a:p>
-            <a:pPr marL="285750" indent="-285750">
+              <a:t>Attachments: File Reference and Location</a:t>
+            </a:r>
+          </a:p>
+        </p:txBody>
+      </p:sp>
+      <p:sp>
+        <p:nvSpPr>
+          <p:cNvPr id="3" name="Content Placeholder 2">
+            <a:extLst>
+              <a:ext uri="{FF2B5EF4-FFF2-40B4-BE49-F238E27FC236}">
+                <a16:creationId xmlns="" xmlns:a16="http://schemas.microsoft.com/office/drawing/2014/main" id="{1C53E63B-9626-4581-89B4-03BC2CB42F6D}"/>
+              </a:ext>
+            </a:extLst>
+          </p:cNvPr>
+          <p:cNvSpPr>
+            <a:spLocks noGrp="1"/>
+          </p:cNvSpPr>
+          <p:nvPr>
+            <p:ph idx="1"/>
+          </p:nvPr>
+        </p:nvSpPr>
+        <p:spPr/>
+        <p:txBody>
+          <a:bodyPr/>
+          <a:lstStyle/>
+          <a:p>
+            <a:pPr>
               <a:buFont typeface="Wingdings" panose="05000000000000000000" pitchFamily="2" charset="2"/>
               <a:buChar char="Ø"/>
             </a:pPr>
             <a:r>
               <a:rPr lang="en-US" dirty="0"/>
-              <a:t> Number of NA's in Brewery ID Column: 0</a:t>
-            </a:r>
-          </a:p>
-          <a:p>
-            <a:pPr marL="285750" indent="-285750">
+              <a:t>All files are available at the following GitHub Repo:</a:t>
+            </a:r>
+          </a:p>
+          <a:p>
+            <a:pPr marL="0" indent="0">
+              <a:buNone/>
+            </a:pPr>
+            <a:r>
+              <a:rPr lang="en-US" dirty="0">
+                <a:hlinkClick r:id="rId2"/>
+              </a:rPr>
+              <a:t>https://github.com/bdelahoussaye/6306Case_Study1.git</a:t>
+            </a:r>
+            <a:endParaRPr lang="en-US" dirty="0"/>
+          </a:p>
+          <a:p>
+            <a:endParaRPr lang="en-US" dirty="0"/>
+          </a:p>
+          <a:p>
+            <a:pPr>
               <a:buFont typeface="Wingdings" panose="05000000000000000000" pitchFamily="2" charset="2"/>
               <a:buChar char="Ø"/>
             </a:pPr>
             <a:r>
               <a:rPr lang="en-US" dirty="0"/>
-              <a:t> </a:t>
-            </a:r>
-            <a:r>
-              <a:rPr lang="en-US" b="1" dirty="0"/>
-              <a:t>Number of NA's in Beer Name Column: 1067</a:t>
-            </a:r>
-          </a:p>
-          <a:p>
-            <a:pPr marL="285750" indent="-285750">
+              <a:t>Key Data Sources:  “Beers.csv” &amp; “Breweries.csv” (collectively “Data”)</a:t>
+            </a:r>
+          </a:p>
+          <a:p>
+            <a:pPr lvl="1">
+              <a:buFont typeface="Wingdings" panose="05000000000000000000" pitchFamily="2" charset="2"/>
+              <a:buChar char="ü"/>
+            </a:pPr>
+            <a:r>
+              <a:rPr lang="en-US" dirty="0"/>
+              <a:t>Data was merged into “BeerBreweries.csv”</a:t>
+            </a:r>
+          </a:p>
+          <a:p>
+            <a:pPr>
               <a:buFont typeface="Wingdings" panose="05000000000000000000" pitchFamily="2" charset="2"/>
               <a:buChar char="Ø"/>
             </a:pPr>
             <a:r>
               <a:rPr lang="en-US" dirty="0"/>
-              <a:t> Number of NA's in Beer ID Column: 0</a:t>
-            </a:r>
-          </a:p>
-          <a:p>
-            <a:pPr marL="285750" indent="-285750">
+              <a:t>Tools Utilized:  Code ‘R’ (code utilized is available in “Code Book for Case Study One.doc”, and various ‘R File’, ‘RMD File’, and ‘R Project’ files).</a:t>
+            </a:r>
+          </a:p>
+          <a:p>
+            <a:pPr>
               <a:buFont typeface="Wingdings" panose="05000000000000000000" pitchFamily="2" charset="2"/>
               <a:buChar char="Ø"/>
             </a:pPr>
             <a:r>
               <a:rPr lang="en-US" dirty="0"/>
-              <a:t> </a:t>
-            </a:r>
-            <a:r>
-              <a:rPr lang="en-US" b="1" dirty="0"/>
-              <a:t>Number of NA's in ABV Column: 62</a:t>
-            </a:r>
-          </a:p>
-          <a:p>
-            <a:pPr marL="285750" indent="-285750">
+              <a:t>Please refer to file “README.md” for introduction</a:t>
+            </a:r>
+          </a:p>
+          <a:p>
+            <a:pPr>
               <a:buFont typeface="Wingdings" panose="05000000000000000000" pitchFamily="2" charset="2"/>
               <a:buChar char="Ø"/>
             </a:pPr>
-            <a:r>
-              <a:rPr lang="en-US" dirty="0"/>
-              <a:t> </a:t>
-            </a:r>
-            <a:r>
-              <a:rPr lang="en-US" b="1" dirty="0"/>
-              <a:t>Number of NA's in IBU Column: 1005</a:t>
-            </a:r>
-          </a:p>
-          <a:p>
-            <a:pPr marL="285750" indent="-285750">
-              <a:buFont typeface="Wingdings" panose="05000000000000000000" pitchFamily="2" charset="2"/>
-              <a:buChar char="Ø"/>
-            </a:pPr>
-            <a:r>
-              <a:rPr lang="en-US" dirty="0"/>
-              <a:t> Number of NA's in Style Column: 0</a:t>
-            </a:r>
-          </a:p>
-          <a:p>
-            <a:pPr marL="285750" indent="-285750">
-              <a:buFont typeface="Wingdings" panose="05000000000000000000" pitchFamily="2" charset="2"/>
-              <a:buChar char="Ø"/>
-            </a:pPr>
-            <a:r>
-              <a:rPr lang="en-US" dirty="0"/>
-              <a:t> Number of NA's in Ounces Column: 0</a:t>
-            </a:r>
-          </a:p>
-          <a:p>
-            <a:pPr marL="285750" indent="-285750">
-              <a:buFont typeface="Wingdings" panose="05000000000000000000" pitchFamily="2" charset="2"/>
-              <a:buChar char="Ø"/>
-            </a:pPr>
-            <a:r>
-              <a:rPr lang="en-US" dirty="0"/>
-              <a:t> Number of NA's in Brewer name Column: 0</a:t>
-            </a:r>
-          </a:p>
-          <a:p>
-            <a:pPr marL="285750" indent="-285750">
-              <a:buFont typeface="Wingdings" panose="05000000000000000000" pitchFamily="2" charset="2"/>
-              <a:buChar char="Ø"/>
-            </a:pPr>
-            <a:r>
-              <a:rPr lang="en-US" dirty="0"/>
-              <a:t> Number of NA's in City Column: 0</a:t>
-            </a:r>
-          </a:p>
-          <a:p>
-            <a:pPr marL="285750" indent="-285750">
-              <a:buFont typeface="Wingdings" panose="05000000000000000000" pitchFamily="2" charset="2"/>
-              <a:buChar char="Ø"/>
-            </a:pPr>
-            <a:r>
-              <a:rPr lang="en-US" dirty="0"/>
-              <a:t> Number of NA's in State Column: 0</a:t>
-            </a:r>
+            <a:endParaRPr lang="en-US" dirty="0"/>
           </a:p>
         </p:txBody>
       </p:sp>
     </p:spTree>
     <p:extLst>
       <p:ext uri="{BB962C8B-B14F-4D97-AF65-F5344CB8AC3E}">
-        <p14:creationId xmlns:p14="http://schemas.microsoft.com/office/powerpoint/2010/main" val="2042654670"/>
+        <p14:creationId xmlns:p14="http://schemas.microsoft.com/office/powerpoint/2010/main" val="311934094"/>
       </p:ext>
     </p:extLst>
   </p:cSld>
@@ -5271,7 +5426,7 @@
   <a:extraClrSchemeLst/>
   <a:extLst>
     <a:ext uri="{05A4C25C-085E-4340-85A3-A5531E510DB2}">
-      <thm15:themeFamily xmlns:thm15="http://schemas.microsoft.com/office/thememl/2012/main" xmlns="" name="Office Theme" id="{62F939B6-93AF-4DB8-9C6B-D6C7DFDC589F}" vid="{4A3C46E8-61CC-4603-A589-7422A47A8E4A}"/>
+      <thm15:themeFamily xmlns:thm15="http://schemas.microsoft.com/office/thememl/2012/main" name="Office Theme" id="{62F939B6-93AF-4DB8-9C6B-D6C7DFDC589F}" vid="{4A3C46E8-61CC-4603-A589-7422A47A8E4A}"/>
     </a:ext>
   </a:extLst>
 </a:theme>
